--- a/AA/인증과제_ppt자료.pptx
+++ b/AA/인증과제_ppt자료.pptx
@@ -260,7 +260,7 @@
           <a:p>
             <a:fld id="{7FD4DF60-5030-440F-BF31-F2EDE67656D5}" type="datetimeFigureOut">
               <a:rPr lang="ko-KR" altLang="en-US" smtClean="0"/>
-              <a:t>2021-03-21</a:t>
+              <a:t>2021-03-22</a:t>
             </a:fld>
             <a:endParaRPr lang="ko-KR" altLang="en-US"/>
           </a:p>
@@ -458,7 +458,7 @@
           <a:p>
             <a:fld id="{7FD4DF60-5030-440F-BF31-F2EDE67656D5}" type="datetimeFigureOut">
               <a:rPr lang="ko-KR" altLang="en-US" smtClean="0"/>
-              <a:t>2021-03-21</a:t>
+              <a:t>2021-03-22</a:t>
             </a:fld>
             <a:endParaRPr lang="ko-KR" altLang="en-US"/>
           </a:p>
@@ -666,7 +666,7 @@
           <a:p>
             <a:fld id="{7FD4DF60-5030-440F-BF31-F2EDE67656D5}" type="datetimeFigureOut">
               <a:rPr lang="ko-KR" altLang="en-US" smtClean="0"/>
-              <a:t>2021-03-21</a:t>
+              <a:t>2021-03-22</a:t>
             </a:fld>
             <a:endParaRPr lang="ko-KR" altLang="en-US"/>
           </a:p>
@@ -864,7 +864,7 @@
           <a:p>
             <a:fld id="{7FD4DF60-5030-440F-BF31-F2EDE67656D5}" type="datetimeFigureOut">
               <a:rPr lang="ko-KR" altLang="en-US" smtClean="0"/>
-              <a:t>2021-03-21</a:t>
+              <a:t>2021-03-22</a:t>
             </a:fld>
             <a:endParaRPr lang="ko-KR" altLang="en-US"/>
           </a:p>
@@ -1139,7 +1139,7 @@
           <a:p>
             <a:fld id="{7FD4DF60-5030-440F-BF31-F2EDE67656D5}" type="datetimeFigureOut">
               <a:rPr lang="ko-KR" altLang="en-US" smtClean="0"/>
-              <a:t>2021-03-21</a:t>
+              <a:t>2021-03-22</a:t>
             </a:fld>
             <a:endParaRPr lang="ko-KR" altLang="en-US"/>
           </a:p>
@@ -1404,7 +1404,7 @@
           <a:p>
             <a:fld id="{7FD4DF60-5030-440F-BF31-F2EDE67656D5}" type="datetimeFigureOut">
               <a:rPr lang="ko-KR" altLang="en-US" smtClean="0"/>
-              <a:t>2021-03-21</a:t>
+              <a:t>2021-03-22</a:t>
             </a:fld>
             <a:endParaRPr lang="ko-KR" altLang="en-US"/>
           </a:p>
@@ -1816,7 +1816,7 @@
           <a:p>
             <a:fld id="{7FD4DF60-5030-440F-BF31-F2EDE67656D5}" type="datetimeFigureOut">
               <a:rPr lang="ko-KR" altLang="en-US" smtClean="0"/>
-              <a:t>2021-03-21</a:t>
+              <a:t>2021-03-22</a:t>
             </a:fld>
             <a:endParaRPr lang="ko-KR" altLang="en-US"/>
           </a:p>
@@ -1957,7 +1957,7 @@
           <a:p>
             <a:fld id="{7FD4DF60-5030-440F-BF31-F2EDE67656D5}" type="datetimeFigureOut">
               <a:rPr lang="ko-KR" altLang="en-US" smtClean="0"/>
-              <a:t>2021-03-21</a:t>
+              <a:t>2021-03-22</a:t>
             </a:fld>
             <a:endParaRPr lang="ko-KR" altLang="en-US"/>
           </a:p>
@@ -2070,7 +2070,7 @@
           <a:p>
             <a:fld id="{7FD4DF60-5030-440F-BF31-F2EDE67656D5}" type="datetimeFigureOut">
               <a:rPr lang="ko-KR" altLang="en-US" smtClean="0"/>
-              <a:t>2021-03-21</a:t>
+              <a:t>2021-03-22</a:t>
             </a:fld>
             <a:endParaRPr lang="ko-KR" altLang="en-US"/>
           </a:p>
@@ -2381,7 +2381,7 @@
           <a:p>
             <a:fld id="{7FD4DF60-5030-440F-BF31-F2EDE67656D5}" type="datetimeFigureOut">
               <a:rPr lang="ko-KR" altLang="en-US" smtClean="0"/>
-              <a:t>2021-03-21</a:t>
+              <a:t>2021-03-22</a:t>
             </a:fld>
             <a:endParaRPr lang="ko-KR" altLang="en-US"/>
           </a:p>
@@ -2669,7 +2669,7 @@
           <a:p>
             <a:fld id="{7FD4DF60-5030-440F-BF31-F2EDE67656D5}" type="datetimeFigureOut">
               <a:rPr lang="ko-KR" altLang="en-US" smtClean="0"/>
-              <a:t>2021-03-21</a:t>
+              <a:t>2021-03-22</a:t>
             </a:fld>
             <a:endParaRPr lang="ko-KR" altLang="en-US"/>
           </a:p>
@@ -2910,7 +2910,7 @@
           <a:p>
             <a:fld id="{7FD4DF60-5030-440F-BF31-F2EDE67656D5}" type="datetimeFigureOut">
               <a:rPr lang="ko-KR" altLang="en-US" smtClean="0"/>
-              <a:t>2021-03-21</a:t>
+              <a:t>2021-03-22</a:t>
             </a:fld>
             <a:endParaRPr lang="ko-KR" altLang="en-US"/>
           </a:p>
@@ -3342,7 +3342,7 @@
         <p:spPr>
           <a:xfrm>
             <a:off x="4051883" y="2080470"/>
-            <a:ext cx="2508308" cy="1199625"/>
+            <a:ext cx="2044117" cy="1216403"/>
           </a:xfrm>
           <a:prstGeom prst="rect">
             <a:avLst/>
@@ -3385,8 +3385,8 @@
         </p:nvSpPr>
         <p:spPr>
           <a:xfrm rot="10800000" flipH="1">
-            <a:off x="4051882" y="2080469"/>
-            <a:ext cx="1820411" cy="369115"/>
+            <a:off x="4051883" y="2080468"/>
+            <a:ext cx="1396898" cy="369115"/>
           </a:xfrm>
           <a:prstGeom prst="snip1Rect">
             <a:avLst/>
@@ -3429,8 +3429,8 @@
         </p:nvSpPr>
         <p:spPr>
           <a:xfrm>
-            <a:off x="4224000" y="2111138"/>
-            <a:ext cx="1476173" cy="307777"/>
+            <a:off x="4156888" y="2111138"/>
+            <a:ext cx="1291892" cy="276999"/>
           </a:xfrm>
           <a:prstGeom prst="rect">
             <a:avLst/>
@@ -3444,18 +3444,18 @@
           <a:lstStyle/>
           <a:p>
             <a:r>
-              <a:rPr lang="en-US" altLang="ko-KR" sz="1400" dirty="0"/>
+              <a:rPr lang="en-US" altLang="ko-KR" sz="1200" dirty="0"/>
               <a:t>ADL</a:t>
             </a:r>
             <a:r>
-              <a:rPr lang="ko-KR" altLang="en-US" sz="1400" dirty="0"/>
+              <a:rPr lang="ko-KR" altLang="en-US" sz="1200" dirty="0"/>
               <a:t> </a:t>
             </a:r>
             <a:r>
-              <a:rPr lang="en-US" altLang="ko-KR" sz="1400" dirty="0"/>
+              <a:rPr lang="en-US" altLang="ko-KR" sz="1200" dirty="0"/>
               <a:t>Framework</a:t>
             </a:r>
-            <a:endParaRPr lang="ko-KR" altLang="en-US" sz="1400" dirty="0"/>
+            <a:endParaRPr lang="ko-KR" altLang="en-US" sz="1200" dirty="0"/>
           </a:p>
         </p:txBody>
       </p:sp>
@@ -3473,7 +3473,7 @@
         </p:nvSpPr>
         <p:spPr>
           <a:xfrm>
-            <a:off x="3215786" y="2583861"/>
+            <a:off x="3315321" y="2660805"/>
             <a:ext cx="192842" cy="192842"/>
           </a:xfrm>
           <a:prstGeom prst="ellipse">
@@ -3513,15 +3513,16 @@
             </a:extLst>
           </p:cNvPr>
           <p:cNvCxnSpPr>
+            <a:cxnSpLocks/>
             <a:stCxn id="9" idx="6"/>
-            <a:endCxn id="5" idx="1"/>
+            <a:endCxn id="22" idx="1"/>
           </p:cNvCxnSpPr>
           <p:nvPr/>
         </p:nvCxnSpPr>
         <p:spPr>
           <a:xfrm>
-            <a:off x="3408628" y="2680282"/>
-            <a:ext cx="643255" cy="1"/>
+            <a:off x="3508163" y="2757226"/>
+            <a:ext cx="466937" cy="0"/>
           </a:xfrm>
           <a:prstGeom prst="line">
             <a:avLst/>
@@ -3542,258 +3543,95 @@
           </a:fontRef>
         </p:style>
       </p:cxnSp>
-      <p:grpSp>
-        <p:nvGrpSpPr>
-          <p:cNvPr id="24" name="그룹 23">
-            <a:extLst>
-              <a:ext uri="{FF2B5EF4-FFF2-40B4-BE49-F238E27FC236}">
-                <a16:creationId xmlns:a16="http://schemas.microsoft.com/office/drawing/2014/main" id="{FBFC32CF-022E-4DD3-8E41-89FDEA630821}"/>
-              </a:ext>
-            </a:extLst>
-          </p:cNvPr>
-          <p:cNvGrpSpPr/>
+      <p:sp>
+        <p:nvSpPr>
+          <p:cNvPr id="29" name="TextBox 28">
+            <a:extLst>
+              <a:ext uri="{FF2B5EF4-FFF2-40B4-BE49-F238E27FC236}">
+                <a16:creationId xmlns:a16="http://schemas.microsoft.com/office/drawing/2014/main" id="{7BF6B5AD-6049-4866-A312-6D615AC5DCEF}"/>
+              </a:ext>
+            </a:extLst>
+          </p:cNvPr>
+          <p:cNvSpPr txBox="1"/>
           <p:nvPr/>
-        </p:nvGrpSpPr>
-        <p:grpSpPr>
+        </p:nvSpPr>
+        <p:spPr>
           <a:xfrm>
-            <a:off x="2348444" y="2265026"/>
-            <a:ext cx="796757" cy="1292425"/>
-            <a:chOff x="1929566" y="2136575"/>
-            <a:chExt cx="796757" cy="1292425"/>
-          </a:xfrm>
-        </p:grpSpPr>
-        <p:sp>
-          <p:nvSpPr>
-            <p:cNvPr id="12" name="타원 11">
-              <a:extLst>
-                <a:ext uri="{FF2B5EF4-FFF2-40B4-BE49-F238E27FC236}">
-                  <a16:creationId xmlns:a16="http://schemas.microsoft.com/office/drawing/2014/main" id="{BB34FA4C-EA95-4D48-B70D-5D69244114FE}"/>
-                </a:ext>
-              </a:extLst>
-            </p:cNvPr>
-            <p:cNvSpPr/>
-            <p:nvPr/>
-          </p:nvSpPr>
-          <p:spPr>
-            <a:xfrm>
-              <a:off x="2190923" y="2136575"/>
-              <a:ext cx="282340" cy="282340"/>
-            </a:xfrm>
-            <a:prstGeom prst="ellipse">
-              <a:avLst/>
-            </a:prstGeom>
-            <a:ln w="9525"/>
-          </p:spPr>
-          <p:style>
-            <a:lnRef idx="2">
-              <a:schemeClr val="dk1"/>
-            </a:lnRef>
-            <a:fillRef idx="1">
-              <a:schemeClr val="lt1"/>
-            </a:fillRef>
-            <a:effectRef idx="0">
-              <a:schemeClr val="dk1"/>
-            </a:effectRef>
-            <a:fontRef idx="minor">
-              <a:schemeClr val="dk1"/>
-            </a:fontRef>
-          </p:style>
-          <p:txBody>
-            <a:bodyPr rtlCol="0" anchor="ctr"/>
-            <a:lstStyle/>
-            <a:p>
-              <a:pPr algn="ctr"/>
-              <a:endParaRPr lang="ko-KR" altLang="en-US"/>
-            </a:p>
-          </p:txBody>
-        </p:sp>
-        <p:cxnSp>
-          <p:nvCxnSpPr>
-            <p:cNvPr id="14" name="직선 연결선 13">
-              <a:extLst>
-                <a:ext uri="{FF2B5EF4-FFF2-40B4-BE49-F238E27FC236}">
-                  <a16:creationId xmlns:a16="http://schemas.microsoft.com/office/drawing/2014/main" id="{497F0F78-F22D-43E2-9208-43D79D30D7A5}"/>
-                </a:ext>
-              </a:extLst>
-            </p:cNvPr>
-            <p:cNvCxnSpPr>
-              <a:stCxn id="12" idx="4"/>
-            </p:cNvCxnSpPr>
-            <p:nvPr/>
-          </p:nvCxnSpPr>
-          <p:spPr>
-            <a:xfrm>
-              <a:off x="2332093" y="2418915"/>
-              <a:ext cx="0" cy="475287"/>
-            </a:xfrm>
-            <a:prstGeom prst="line">
-              <a:avLst/>
-            </a:prstGeom>
-          </p:spPr>
-          <p:style>
-            <a:lnRef idx="1">
-              <a:schemeClr val="dk1"/>
-            </a:lnRef>
-            <a:fillRef idx="0">
-              <a:schemeClr val="dk1"/>
-            </a:fillRef>
-            <a:effectRef idx="0">
-              <a:schemeClr val="dk1"/>
-            </a:effectRef>
-            <a:fontRef idx="minor">
+            <a:off x="2645441" y="2625673"/>
+            <a:ext cx="641825" cy="276999"/>
+          </a:xfrm>
+          <a:prstGeom prst="rect">
+            <a:avLst/>
+          </a:prstGeom>
+          <a:noFill/>
+        </p:spPr>
+        <p:txBody>
+          <a:bodyPr wrap="square" rtlCol="0">
+            <a:spAutoFit/>
+          </a:bodyPr>
+          <a:lstStyle/>
+          <a:p>
+            <a:r>
+              <a:rPr lang="ko-KR" altLang="en-US" sz="1200" dirty="0"/>
+              <a:t>사용자</a:t>
+            </a:r>
+          </a:p>
+        </p:txBody>
+      </p:sp>
+      <p:sp>
+        <p:nvSpPr>
+          <p:cNvPr id="22" name="직사각형 21">
+            <a:extLst>
+              <a:ext uri="{FF2B5EF4-FFF2-40B4-BE49-F238E27FC236}">
+                <a16:creationId xmlns:a16="http://schemas.microsoft.com/office/drawing/2014/main" id="{36DA6104-5927-4077-A12C-26526A5D5482}"/>
+              </a:ext>
+            </a:extLst>
+          </p:cNvPr>
+          <p:cNvSpPr/>
+          <p:nvPr/>
+        </p:nvSpPr>
+        <p:spPr>
+          <a:xfrm>
+            <a:off x="3975100" y="2680444"/>
+            <a:ext cx="153564" cy="153564"/>
+          </a:xfrm>
+          <a:prstGeom prst="rect">
+            <a:avLst/>
+          </a:prstGeom>
+          <a:solidFill>
+            <a:schemeClr val="bg1"/>
+          </a:solidFill>
+          <a:ln>
+            <a:solidFill>
               <a:schemeClr val="tx1"/>
-            </a:fontRef>
-          </p:style>
-        </p:cxnSp>
-        <p:cxnSp>
-          <p:nvCxnSpPr>
-            <p:cNvPr id="15" name="직선 연결선 14">
-              <a:extLst>
-                <a:ext uri="{FF2B5EF4-FFF2-40B4-BE49-F238E27FC236}">
-                  <a16:creationId xmlns:a16="http://schemas.microsoft.com/office/drawing/2014/main" id="{752A1FA1-5EFA-4E31-B13E-F164DA8CE5DC}"/>
-                </a:ext>
-              </a:extLst>
-            </p:cNvPr>
-            <p:cNvCxnSpPr>
-              <a:cxnSpLocks/>
-            </p:cNvCxnSpPr>
-            <p:nvPr/>
-          </p:nvCxnSpPr>
-          <p:spPr>
-            <a:xfrm flipH="1">
-              <a:off x="2114026" y="2894202"/>
-              <a:ext cx="218068" cy="141170"/>
-            </a:xfrm>
-            <a:prstGeom prst="line">
-              <a:avLst/>
-            </a:prstGeom>
-          </p:spPr>
-          <p:style>
-            <a:lnRef idx="1">
-              <a:schemeClr val="dk1"/>
-            </a:lnRef>
-            <a:fillRef idx="0">
-              <a:schemeClr val="dk1"/>
-            </a:fillRef>
-            <a:effectRef idx="0">
-              <a:schemeClr val="dk1"/>
-            </a:effectRef>
-            <a:fontRef idx="minor">
-              <a:schemeClr val="tx1"/>
-            </a:fontRef>
-          </p:style>
-        </p:cxnSp>
-        <p:cxnSp>
-          <p:nvCxnSpPr>
-            <p:cNvPr id="21" name="직선 연결선 20">
-              <a:extLst>
-                <a:ext uri="{FF2B5EF4-FFF2-40B4-BE49-F238E27FC236}">
-                  <a16:creationId xmlns:a16="http://schemas.microsoft.com/office/drawing/2014/main" id="{29810759-6496-422D-9DD9-C14C5F3C4078}"/>
-                </a:ext>
-              </a:extLst>
-            </p:cNvPr>
-            <p:cNvCxnSpPr>
-              <a:cxnSpLocks/>
-            </p:cNvCxnSpPr>
-            <p:nvPr/>
-          </p:nvCxnSpPr>
-          <p:spPr>
-            <a:xfrm>
-              <a:off x="2332093" y="2894202"/>
-              <a:ext cx="218068" cy="141170"/>
-            </a:xfrm>
-            <a:prstGeom prst="line">
-              <a:avLst/>
-            </a:prstGeom>
-          </p:spPr>
-          <p:style>
-            <a:lnRef idx="1">
-              <a:schemeClr val="dk1"/>
-            </a:lnRef>
-            <a:fillRef idx="0">
-              <a:schemeClr val="dk1"/>
-            </a:fillRef>
-            <a:effectRef idx="0">
-              <a:schemeClr val="dk1"/>
-            </a:effectRef>
-            <a:fontRef idx="minor">
-              <a:schemeClr val="tx1"/>
-            </a:fontRef>
-          </p:style>
-        </p:cxnSp>
-        <p:cxnSp>
-          <p:nvCxnSpPr>
-            <p:cNvPr id="26" name="직선 연결선 25">
-              <a:extLst>
-                <a:ext uri="{FF2B5EF4-FFF2-40B4-BE49-F238E27FC236}">
-                  <a16:creationId xmlns:a16="http://schemas.microsoft.com/office/drawing/2014/main" id="{2CD2A931-22C7-4227-95B0-F92949EE3474}"/>
-                </a:ext>
-              </a:extLst>
-            </p:cNvPr>
-            <p:cNvCxnSpPr/>
-            <p:nvPr/>
-          </p:nvCxnSpPr>
-          <p:spPr>
-            <a:xfrm>
-              <a:off x="2030136" y="2539112"/>
-              <a:ext cx="595618" cy="0"/>
-            </a:xfrm>
-            <a:prstGeom prst="line">
-              <a:avLst/>
-            </a:prstGeom>
-          </p:spPr>
-          <p:style>
-            <a:lnRef idx="1">
-              <a:schemeClr val="dk1"/>
-            </a:lnRef>
-            <a:fillRef idx="0">
-              <a:schemeClr val="dk1"/>
-            </a:fillRef>
-            <a:effectRef idx="0">
-              <a:schemeClr val="dk1"/>
-            </a:effectRef>
-            <a:fontRef idx="minor">
-              <a:schemeClr val="tx1"/>
-            </a:fontRef>
-          </p:style>
-        </p:cxnSp>
-        <p:sp>
-          <p:nvSpPr>
-            <p:cNvPr id="29" name="TextBox 28">
-              <a:extLst>
-                <a:ext uri="{FF2B5EF4-FFF2-40B4-BE49-F238E27FC236}">
-                  <a16:creationId xmlns:a16="http://schemas.microsoft.com/office/drawing/2014/main" id="{7BF6B5AD-6049-4866-A312-6D615AC5DCEF}"/>
-                </a:ext>
-              </a:extLst>
-            </p:cNvPr>
-            <p:cNvSpPr txBox="1"/>
-            <p:nvPr/>
-          </p:nvSpPr>
-          <p:spPr>
-            <a:xfrm>
-              <a:off x="1929566" y="3152001"/>
-              <a:ext cx="796757" cy="276999"/>
-            </a:xfrm>
-            <a:prstGeom prst="rect">
-              <a:avLst/>
-            </a:prstGeom>
-            <a:noFill/>
-          </p:spPr>
-          <p:txBody>
-            <a:bodyPr wrap="none" rtlCol="0">
-              <a:spAutoFit/>
-            </a:bodyPr>
-            <a:lstStyle/>
-            <a:p>
-              <a:r>
-                <a:rPr lang="en-US" altLang="ko-KR" sz="1200" dirty="0"/>
-                <a:t>Architect</a:t>
-              </a:r>
-              <a:endParaRPr lang="ko-KR" altLang="en-US" sz="1200" dirty="0"/>
-            </a:p>
-          </p:txBody>
-        </p:sp>
-      </p:grpSp>
+            </a:solidFill>
+          </a:ln>
+        </p:spPr>
+        <p:style>
+          <a:lnRef idx="2">
+            <a:schemeClr val="accent1">
+              <a:shade val="50000"/>
+            </a:schemeClr>
+          </a:lnRef>
+          <a:fillRef idx="1">
+            <a:schemeClr val="accent1"/>
+          </a:fillRef>
+          <a:effectRef idx="0">
+            <a:schemeClr val="accent1"/>
+          </a:effectRef>
+          <a:fontRef idx="minor">
+            <a:schemeClr val="lt1"/>
+          </a:fontRef>
+        </p:style>
+        <p:txBody>
+          <a:bodyPr rtlCol="0" anchor="ctr"/>
+          <a:lstStyle/>
+          <a:p>
+            <a:pPr algn="ctr"/>
+            <a:endParaRPr lang="ko-KR" altLang="en-US"/>
+          </a:p>
+        </p:txBody>
+      </p:sp>
       <p:cxnSp>
         <p:nvCxnSpPr>
           <p:cNvPr id="13" name="직선 연결선 12">
@@ -3805,14 +3643,14 @@
           </p:cNvPr>
           <p:cNvCxnSpPr>
             <a:cxnSpLocks/>
-            <a:endCxn id="5" idx="2"/>
+            <a:endCxn id="27" idx="2"/>
           </p:cNvCxnSpPr>
           <p:nvPr/>
         </p:nvCxnSpPr>
         <p:spPr>
-          <a:xfrm flipV="1">
-            <a:off x="5306037" y="3280095"/>
-            <a:ext cx="0" cy="444617"/>
+          <a:xfrm flipH="1">
+            <a:off x="6172783" y="2775422"/>
+            <a:ext cx="360724" cy="0"/>
           </a:xfrm>
           <a:prstGeom prst="line">
             <a:avLst/>
@@ -3846,9 +3684,9 @@
           <p:nvPr/>
         </p:nvSpPr>
         <p:spPr>
-          <a:xfrm>
-            <a:off x="5164867" y="3724712"/>
-            <a:ext cx="282340" cy="282340"/>
+          <a:xfrm rot="16200000">
+            <a:off x="6533506" y="2672889"/>
+            <a:ext cx="192842" cy="192842"/>
           </a:xfrm>
           <a:prstGeom prst="ellipse">
             <a:avLst/>
@@ -3890,9 +3728,9 @@
           <p:nvPr/>
         </p:nvSpPr>
         <p:spPr>
-          <a:xfrm>
-            <a:off x="4940535" y="3830927"/>
-            <a:ext cx="743436" cy="310574"/>
+          <a:xfrm rot="16200000">
+            <a:off x="6653837" y="2620133"/>
+            <a:ext cx="282341" cy="310574"/>
           </a:xfrm>
           <a:prstGeom prst="rect">
             <a:avLst/>
@@ -3925,16 +3763,16 @@
           <a:lstStyle/>
           <a:p>
             <a:pPr algn="ctr"/>
-            <a:endParaRPr lang="ko-KR" altLang="en-US"/>
-          </a:p>
-        </p:txBody>
-      </p:sp>
-      <p:sp>
-        <p:nvSpPr>
-          <p:cNvPr id="10" name="구름 9">
-            <a:extLst>
-              <a:ext uri="{FF2B5EF4-FFF2-40B4-BE49-F238E27FC236}">
-                <a16:creationId xmlns:a16="http://schemas.microsoft.com/office/drawing/2014/main" id="{197DACE2-335B-404C-AD94-E50D7FC8B514}"/>
+            <a:endParaRPr lang="ko-KR" altLang="en-US" dirty="0"/>
+          </a:p>
+        </p:txBody>
+      </p:sp>
+      <p:sp>
+        <p:nvSpPr>
+          <p:cNvPr id="27" name="직사각형 26">
+            <a:extLst>
+              <a:ext uri="{FF2B5EF4-FFF2-40B4-BE49-F238E27FC236}">
+                <a16:creationId xmlns:a16="http://schemas.microsoft.com/office/drawing/2014/main" id="{1B715DD1-4B34-4C3C-891F-634FF5C0983C}"/>
               </a:ext>
             </a:extLst>
           </p:cNvPr>
@@ -3942,169 +3780,8 @@
           <p:nvPr/>
         </p:nvSpPr>
         <p:spPr>
-          <a:xfrm>
-            <a:off x="4261607" y="4172215"/>
-            <a:ext cx="2088859" cy="749281"/>
-          </a:xfrm>
-          <a:prstGeom prst="cloud">
-            <a:avLst/>
-          </a:prstGeom>
-          <a:solidFill>
-            <a:schemeClr val="bg1"/>
-          </a:solidFill>
-          <a:ln>
-            <a:solidFill>
-              <a:schemeClr val="tx1"/>
-            </a:solidFill>
-          </a:ln>
-        </p:spPr>
-        <p:style>
-          <a:lnRef idx="2">
-            <a:schemeClr val="accent1">
-              <a:shade val="50000"/>
-            </a:schemeClr>
-          </a:lnRef>
-          <a:fillRef idx="1">
-            <a:schemeClr val="accent1"/>
-          </a:fillRef>
-          <a:effectRef idx="0">
-            <a:schemeClr val="accent1"/>
-          </a:effectRef>
-          <a:fontRef idx="minor">
-            <a:schemeClr val="lt1"/>
-          </a:fontRef>
-        </p:style>
-        <p:txBody>
-          <a:bodyPr rtlCol="0" anchor="ctr"/>
-          <a:lstStyle/>
-          <a:p>
-            <a:pPr algn="ctr"/>
-            <a:r>
-              <a:rPr lang="en-US" altLang="ko-KR" sz="1400" dirty="0">
-                <a:solidFill>
-                  <a:schemeClr val="tx1"/>
-                </a:solidFill>
-              </a:rPr>
-              <a:t>Data</a:t>
-            </a:r>
-            <a:r>
-              <a:rPr lang="ko-KR" altLang="en-US" sz="1400" dirty="0">
-                <a:solidFill>
-                  <a:schemeClr val="tx1"/>
-                </a:solidFill>
-              </a:rPr>
-              <a:t> </a:t>
-            </a:r>
-            <a:r>
-              <a:rPr lang="en-US" altLang="ko-KR" sz="1400" dirty="0">
-                <a:solidFill>
-                  <a:schemeClr val="tx1"/>
-                </a:solidFill>
-              </a:rPr>
-              <a:t>Server</a:t>
-            </a:r>
-          </a:p>
-        </p:txBody>
-      </p:sp>
-      <p:cxnSp>
-        <p:nvCxnSpPr>
-          <p:cNvPr id="20" name="직선 연결선 19">
-            <a:extLst>
-              <a:ext uri="{FF2B5EF4-FFF2-40B4-BE49-F238E27FC236}">
-                <a16:creationId xmlns:a16="http://schemas.microsoft.com/office/drawing/2014/main" id="{31E71D7B-0BF9-45C1-9B5E-4722D37F9248}"/>
-              </a:ext>
-            </a:extLst>
-          </p:cNvPr>
-          <p:cNvCxnSpPr>
-            <a:cxnSpLocks/>
-            <a:stCxn id="10" idx="3"/>
-            <a:endCxn id="23" idx="4"/>
-          </p:cNvCxnSpPr>
-          <p:nvPr/>
-        </p:nvCxnSpPr>
-        <p:spPr>
-          <a:xfrm flipV="1">
-            <a:off x="5306037" y="4007134"/>
-            <a:ext cx="4194" cy="207922"/>
-          </a:xfrm>
-          <a:prstGeom prst="line">
-            <a:avLst/>
-          </a:prstGeom>
-        </p:spPr>
-        <p:style>
-          <a:lnRef idx="1">
-            <a:schemeClr val="dk1"/>
-          </a:lnRef>
-          <a:fillRef idx="0">
-            <a:schemeClr val="dk1"/>
-          </a:fillRef>
-          <a:effectRef idx="0">
-            <a:schemeClr val="dk1"/>
-          </a:effectRef>
-          <a:fontRef idx="minor">
-            <a:schemeClr val="tx1"/>
-          </a:fontRef>
-        </p:style>
-      </p:cxnSp>
-      <p:sp>
-        <p:nvSpPr>
-          <p:cNvPr id="23" name="타원 22">
-            <a:extLst>
-              <a:ext uri="{FF2B5EF4-FFF2-40B4-BE49-F238E27FC236}">
-                <a16:creationId xmlns:a16="http://schemas.microsoft.com/office/drawing/2014/main" id="{5DDD92C5-8272-4FD0-BF78-2A279FC84A9D}"/>
-              </a:ext>
-            </a:extLst>
-          </p:cNvPr>
-          <p:cNvSpPr/>
-          <p:nvPr/>
-        </p:nvSpPr>
-        <p:spPr>
-          <a:xfrm>
-            <a:off x="5213810" y="3814292"/>
-            <a:ext cx="192842" cy="192842"/>
-          </a:xfrm>
-          <a:prstGeom prst="ellipse">
-            <a:avLst/>
-          </a:prstGeom>
-        </p:spPr>
-        <p:style>
-          <a:lnRef idx="2">
-            <a:schemeClr val="dk1"/>
-          </a:lnRef>
-          <a:fillRef idx="1">
-            <a:schemeClr val="lt1"/>
-          </a:fillRef>
-          <a:effectRef idx="0">
-            <a:schemeClr val="dk1"/>
-          </a:effectRef>
-          <a:fontRef idx="minor">
-            <a:schemeClr val="dk1"/>
-          </a:fontRef>
-        </p:style>
-        <p:txBody>
-          <a:bodyPr rtlCol="0" anchor="ctr"/>
-          <a:lstStyle/>
-          <a:p>
-            <a:pPr algn="ctr"/>
-            <a:endParaRPr lang="ko-KR" altLang="en-US"/>
-          </a:p>
-        </p:txBody>
-      </p:sp>
-      <p:sp>
-        <p:nvSpPr>
-          <p:cNvPr id="22" name="직사각형 21">
-            <a:extLst>
-              <a:ext uri="{FF2B5EF4-FFF2-40B4-BE49-F238E27FC236}">
-                <a16:creationId xmlns:a16="http://schemas.microsoft.com/office/drawing/2014/main" id="{36DA6104-5927-4077-A12C-26526A5D5482}"/>
-              </a:ext>
-            </a:extLst>
-          </p:cNvPr>
-          <p:cNvSpPr/>
-          <p:nvPr/>
-        </p:nvSpPr>
-        <p:spPr>
-          <a:xfrm>
-            <a:off x="3975100" y="2604943"/>
+          <a:xfrm rot="16200000">
+            <a:off x="6019219" y="2698640"/>
             <a:ext cx="153564" cy="153564"/>
           </a:xfrm>
           <a:prstGeom prst="rect">
@@ -4146,55 +3823,37 @@
       </p:sp>
       <p:sp>
         <p:nvSpPr>
-          <p:cNvPr id="27" name="직사각형 26">
-            <a:extLst>
-              <a:ext uri="{FF2B5EF4-FFF2-40B4-BE49-F238E27FC236}">
-                <a16:creationId xmlns:a16="http://schemas.microsoft.com/office/drawing/2014/main" id="{1B715DD1-4B34-4C3C-891F-634FF5C0983C}"/>
-              </a:ext>
-            </a:extLst>
-          </p:cNvPr>
-          <p:cNvSpPr/>
+          <p:cNvPr id="35" name="TextBox 34">
+            <a:extLst>
+              <a:ext uri="{FF2B5EF4-FFF2-40B4-BE49-F238E27FC236}">
+                <a16:creationId xmlns:a16="http://schemas.microsoft.com/office/drawing/2014/main" id="{8A5B95FD-92E1-44BF-A546-5E20332E08D8}"/>
+              </a:ext>
+            </a:extLst>
+          </p:cNvPr>
+          <p:cNvSpPr txBox="1"/>
           <p:nvPr/>
         </p:nvSpPr>
         <p:spPr>
           <a:xfrm>
-            <a:off x="5229254" y="3210425"/>
-            <a:ext cx="153564" cy="153564"/>
+            <a:off x="6678678" y="2547258"/>
+            <a:ext cx="658934" cy="461665"/>
           </a:xfrm>
           <a:prstGeom prst="rect">
             <a:avLst/>
           </a:prstGeom>
-          <a:solidFill>
-            <a:schemeClr val="bg1"/>
-          </a:solidFill>
-          <a:ln>
-            <a:solidFill>
-              <a:schemeClr val="tx1"/>
-            </a:solidFill>
-          </a:ln>
+          <a:noFill/>
         </p:spPr>
-        <p:style>
-          <a:lnRef idx="2">
-            <a:schemeClr val="accent1">
-              <a:shade val="50000"/>
-            </a:schemeClr>
-          </a:lnRef>
-          <a:fillRef idx="1">
-            <a:schemeClr val="accent1"/>
-          </a:fillRef>
-          <a:effectRef idx="0">
-            <a:schemeClr val="accent1"/>
-          </a:effectRef>
-          <a:fontRef idx="minor">
-            <a:schemeClr val="lt1"/>
-          </a:fontRef>
-        </p:style>
-        <p:txBody>
-          <a:bodyPr rtlCol="0" anchor="ctr"/>
-          <a:lstStyle/>
-          <a:p>
-            <a:pPr algn="ctr"/>
-            <a:endParaRPr lang="ko-KR" altLang="en-US"/>
+        <p:txBody>
+          <a:bodyPr wrap="square" rtlCol="0">
+            <a:spAutoFit/>
+          </a:bodyPr>
+          <a:lstStyle/>
+          <a:p>
+            <a:r>
+              <a:rPr lang="en-US" altLang="ko-KR" sz="1200" dirty="0"/>
+              <a:t>Data Server</a:t>
+            </a:r>
+            <a:endParaRPr lang="ko-KR" altLang="en-US" sz="1200" dirty="0"/>
           </a:p>
         </p:txBody>
       </p:sp>

--- a/AA/인증과제_ppt자료.pptx
+++ b/AA/인증과제_ppt자료.pptx
@@ -26,7 +26,9 @@
     <p:sldId id="275" r:id="rId20"/>
     <p:sldId id="276" r:id="rId21"/>
     <p:sldId id="278" r:id="rId22"/>
-    <p:sldId id="279" r:id="rId23"/>
+    <p:sldId id="280" r:id="rId23"/>
+    <p:sldId id="279" r:id="rId24"/>
+    <p:sldId id="281" r:id="rId25"/>
   </p:sldIdLst>
   <p:sldSz cx="12192000" cy="6858000"/>
   <p:notesSz cx="6858000" cy="9144000"/>
@@ -151,7 +153,9 @@
             <p14:sldId id="275"/>
             <p14:sldId id="276"/>
             <p14:sldId id="278"/>
+            <p14:sldId id="280"/>
             <p14:sldId id="279"/>
+            <p14:sldId id="281"/>
           </p14:sldIdLst>
         </p14:section>
       </p14:sectionLst>
@@ -2968,7 +2972,7 @@
           <a:p>
             <a:fld id="{7FD4DF60-5030-440F-BF31-F2EDE67656D5}" type="datetimeFigureOut">
               <a:rPr lang="ko-KR" altLang="en-US" smtClean="0"/>
-              <a:t>2021-03-24</a:t>
+              <a:t>2021-04-03</a:t>
             </a:fld>
             <a:endParaRPr lang="ko-KR" altLang="en-US"/>
           </a:p>
@@ -3166,7 +3170,7 @@
           <a:p>
             <a:fld id="{7FD4DF60-5030-440F-BF31-F2EDE67656D5}" type="datetimeFigureOut">
               <a:rPr lang="ko-KR" altLang="en-US" smtClean="0"/>
-              <a:t>2021-03-24</a:t>
+              <a:t>2021-04-03</a:t>
             </a:fld>
             <a:endParaRPr lang="ko-KR" altLang="en-US"/>
           </a:p>
@@ -3374,7 +3378,7 @@
           <a:p>
             <a:fld id="{7FD4DF60-5030-440F-BF31-F2EDE67656D5}" type="datetimeFigureOut">
               <a:rPr lang="ko-KR" altLang="en-US" smtClean="0"/>
-              <a:t>2021-03-24</a:t>
+              <a:t>2021-04-03</a:t>
             </a:fld>
             <a:endParaRPr lang="ko-KR" altLang="en-US"/>
           </a:p>
@@ -3572,7 +3576,7 @@
           <a:p>
             <a:fld id="{7FD4DF60-5030-440F-BF31-F2EDE67656D5}" type="datetimeFigureOut">
               <a:rPr lang="ko-KR" altLang="en-US" smtClean="0"/>
-              <a:t>2021-03-24</a:t>
+              <a:t>2021-04-03</a:t>
             </a:fld>
             <a:endParaRPr lang="ko-KR" altLang="en-US"/>
           </a:p>
@@ -3847,7 +3851,7 @@
           <a:p>
             <a:fld id="{7FD4DF60-5030-440F-BF31-F2EDE67656D5}" type="datetimeFigureOut">
               <a:rPr lang="ko-KR" altLang="en-US" smtClean="0"/>
-              <a:t>2021-03-24</a:t>
+              <a:t>2021-04-03</a:t>
             </a:fld>
             <a:endParaRPr lang="ko-KR" altLang="en-US"/>
           </a:p>
@@ -4112,7 +4116,7 @@
           <a:p>
             <a:fld id="{7FD4DF60-5030-440F-BF31-F2EDE67656D5}" type="datetimeFigureOut">
               <a:rPr lang="ko-KR" altLang="en-US" smtClean="0"/>
-              <a:t>2021-03-24</a:t>
+              <a:t>2021-04-03</a:t>
             </a:fld>
             <a:endParaRPr lang="ko-KR" altLang="en-US"/>
           </a:p>
@@ -4524,7 +4528,7 @@
           <a:p>
             <a:fld id="{7FD4DF60-5030-440F-BF31-F2EDE67656D5}" type="datetimeFigureOut">
               <a:rPr lang="ko-KR" altLang="en-US" smtClean="0"/>
-              <a:t>2021-03-24</a:t>
+              <a:t>2021-04-03</a:t>
             </a:fld>
             <a:endParaRPr lang="ko-KR" altLang="en-US"/>
           </a:p>
@@ -4665,7 +4669,7 @@
           <a:p>
             <a:fld id="{7FD4DF60-5030-440F-BF31-F2EDE67656D5}" type="datetimeFigureOut">
               <a:rPr lang="ko-KR" altLang="en-US" smtClean="0"/>
-              <a:t>2021-03-24</a:t>
+              <a:t>2021-04-03</a:t>
             </a:fld>
             <a:endParaRPr lang="ko-KR" altLang="en-US"/>
           </a:p>
@@ -4778,7 +4782,7 @@
           <a:p>
             <a:fld id="{7FD4DF60-5030-440F-BF31-F2EDE67656D5}" type="datetimeFigureOut">
               <a:rPr lang="ko-KR" altLang="en-US" smtClean="0"/>
-              <a:t>2021-03-24</a:t>
+              <a:t>2021-04-03</a:t>
             </a:fld>
             <a:endParaRPr lang="ko-KR" altLang="en-US"/>
           </a:p>
@@ -5089,7 +5093,7 @@
           <a:p>
             <a:fld id="{7FD4DF60-5030-440F-BF31-F2EDE67656D5}" type="datetimeFigureOut">
               <a:rPr lang="ko-KR" altLang="en-US" smtClean="0"/>
-              <a:t>2021-03-24</a:t>
+              <a:t>2021-04-03</a:t>
             </a:fld>
             <a:endParaRPr lang="ko-KR" altLang="en-US"/>
           </a:p>
@@ -5377,7 +5381,7 @@
           <a:p>
             <a:fld id="{7FD4DF60-5030-440F-BF31-F2EDE67656D5}" type="datetimeFigureOut">
               <a:rPr lang="ko-KR" altLang="en-US" smtClean="0"/>
-              <a:t>2021-03-24</a:t>
+              <a:t>2021-04-03</a:t>
             </a:fld>
             <a:endParaRPr lang="ko-KR" altLang="en-US"/>
           </a:p>
@@ -5618,7 +5622,7 @@
           <a:p>
             <a:fld id="{7FD4DF60-5030-440F-BF31-F2EDE67656D5}" type="datetimeFigureOut">
               <a:rPr lang="ko-KR" altLang="en-US" smtClean="0"/>
-              <a:t>2021-03-24</a:t>
+              <a:t>2021-04-03</a:t>
             </a:fld>
             <a:endParaRPr lang="ko-KR" altLang="en-US"/>
           </a:p>
@@ -25353,6 +25357,315 @@
           <a:chExt cx="0" cy="0"/>
         </a:xfrm>
       </p:grpSpPr>
+      <p:sp>
+        <p:nvSpPr>
+          <p:cNvPr id="4" name="직사각형 3">
+            <a:extLst>
+              <a:ext uri="{FF2B5EF4-FFF2-40B4-BE49-F238E27FC236}">
+                <a16:creationId xmlns:a16="http://schemas.microsoft.com/office/drawing/2014/main" id="{32D73046-09E7-4512-B69C-DAAECA287565}"/>
+              </a:ext>
+            </a:extLst>
+          </p:cNvPr>
+          <p:cNvSpPr/>
+          <p:nvPr/>
+        </p:nvSpPr>
+        <p:spPr>
+          <a:xfrm>
+            <a:off x="847288" y="1139128"/>
+            <a:ext cx="6152602" cy="1647567"/>
+          </a:xfrm>
+          <a:prstGeom prst="rect">
+            <a:avLst/>
+          </a:prstGeom>
+          <a:solidFill>
+            <a:schemeClr val="tx1"/>
+          </a:solidFill>
+        </p:spPr>
+        <p:txBody>
+          <a:bodyPr wrap="square">
+            <a:spAutoFit/>
+          </a:bodyPr>
+          <a:lstStyle/>
+          <a:p>
+            <a:pPr algn="just">
+              <a:lnSpc>
+                <a:spcPct val="115000"/>
+              </a:lnSpc>
+              <a:spcAft>
+                <a:spcPts val="1000"/>
+              </a:spcAft>
+            </a:pPr>
+            <a:r>
+              <a:rPr lang="en-US" altLang="ko-KR" sz="1200" kern="100" dirty="0">
+                <a:solidFill>
+                  <a:schemeClr val="bg1"/>
+                </a:solidFill>
+                <a:latin typeface="맑은 고딕" panose="020B0503020000020004" pitchFamily="50" charset="-127"/>
+                <a:cs typeface="Times New Roman" panose="02020603050405020304" pitchFamily="18" charset="0"/>
+              </a:rPr>
+              <a:t>Deployment(name=</a:t>
+            </a:r>
+            <a:r>
+              <a:rPr lang="en-US" altLang="ko-KR" sz="1200" kern="100" dirty="0" err="1">
+                <a:solidFill>
+                  <a:schemeClr val="bg1"/>
+                </a:solidFill>
+                <a:latin typeface="맑은 고딕" panose="020B0503020000020004" pitchFamily="50" charset="-127"/>
+                <a:cs typeface="Times New Roman" panose="02020603050405020304" pitchFamily="18" charset="0"/>
+              </a:rPr>
+              <a:t>com.samsung.adlframework</a:t>
+            </a:r>
+            <a:r>
+              <a:rPr lang="en-US" altLang="ko-KR" sz="1200" kern="100" dirty="0">
+                <a:solidFill>
+                  <a:schemeClr val="bg1"/>
+                </a:solidFill>
+                <a:latin typeface="맑은 고딕" panose="020B0503020000020004" pitchFamily="50" charset="-127"/>
+                <a:cs typeface="Times New Roman" panose="02020603050405020304" pitchFamily="18" charset="0"/>
+              </a:rPr>
+              <a:t>, description=”Deployment View”)</a:t>
+            </a:r>
+            <a:endParaRPr lang="ko-KR" altLang="ko-KR" sz="1200" kern="100" dirty="0">
+              <a:solidFill>
+                <a:schemeClr val="bg1"/>
+              </a:solidFill>
+              <a:latin typeface="맑은 고딕" panose="020B0503020000020004" pitchFamily="50" charset="-127"/>
+              <a:cs typeface="Times New Roman" panose="02020603050405020304" pitchFamily="18" charset="0"/>
+            </a:endParaRPr>
+          </a:p>
+          <a:p>
+            <a:pPr algn="just">
+              <a:lnSpc>
+                <a:spcPct val="115000"/>
+              </a:lnSpc>
+              <a:spcAft>
+                <a:spcPts val="1000"/>
+              </a:spcAft>
+            </a:pPr>
+            <a:r>
+              <a:rPr lang="en-US" altLang="ko-KR" sz="1200" kern="100" dirty="0">
+                <a:solidFill>
+                  <a:schemeClr val="bg1"/>
+                </a:solidFill>
+                <a:latin typeface="맑은 고딕" panose="020B0503020000020004" pitchFamily="50" charset="-127"/>
+                <a:cs typeface="Times New Roman" panose="02020603050405020304" pitchFamily="18" charset="0"/>
+              </a:rPr>
+              <a:t>    View(name=view, </a:t>
+            </a:r>
+            <a:r>
+              <a:rPr lang="en-US" altLang="ko-KR" sz="1200" kern="100" dirty="0" err="1">
+                <a:solidFill>
+                  <a:schemeClr val="bg1"/>
+                </a:solidFill>
+                <a:latin typeface="맑은 고딕" panose="020B0503020000020004" pitchFamily="50" charset="-127"/>
+                <a:cs typeface="Times New Roman" panose="02020603050405020304" pitchFamily="18" charset="0"/>
+              </a:rPr>
+              <a:t>fillcolor</a:t>
+            </a:r>
+            <a:r>
+              <a:rPr lang="en-US" altLang="ko-KR" sz="1200" kern="100" dirty="0">
+                <a:solidFill>
+                  <a:schemeClr val="bg1"/>
+                </a:solidFill>
+                <a:latin typeface="맑은 고딕" panose="020B0503020000020004" pitchFamily="50" charset="-127"/>
+                <a:cs typeface="Times New Roman" panose="02020603050405020304" pitchFamily="18" charset="0"/>
+              </a:rPr>
+              <a:t>=RED)</a:t>
+            </a:r>
+            <a:endParaRPr lang="ko-KR" altLang="ko-KR" sz="1200" kern="100" dirty="0">
+              <a:solidFill>
+                <a:schemeClr val="bg1"/>
+              </a:solidFill>
+              <a:latin typeface="맑은 고딕" panose="020B0503020000020004" pitchFamily="50" charset="-127"/>
+              <a:cs typeface="Times New Roman" panose="02020603050405020304" pitchFamily="18" charset="0"/>
+            </a:endParaRPr>
+          </a:p>
+          <a:p>
+            <a:pPr algn="just">
+              <a:lnSpc>
+                <a:spcPct val="115000"/>
+              </a:lnSpc>
+              <a:spcAft>
+                <a:spcPts val="1000"/>
+              </a:spcAft>
+            </a:pPr>
+            <a:r>
+              <a:rPr lang="en-US" altLang="ko-KR" sz="1200" kern="100" dirty="0">
+                <a:solidFill>
+                  <a:schemeClr val="bg1"/>
+                </a:solidFill>
+                <a:latin typeface="맑은 고딕" panose="020B0503020000020004" pitchFamily="50" charset="-127"/>
+                <a:cs typeface="Times New Roman" panose="02020603050405020304" pitchFamily="18" charset="0"/>
+              </a:rPr>
+              <a:t>        Fragment(name=</a:t>
+            </a:r>
+            <a:r>
+              <a:rPr lang="en-US" altLang="ko-KR" sz="1200" kern="100" dirty="0" err="1">
+                <a:solidFill>
+                  <a:schemeClr val="bg1"/>
+                </a:solidFill>
+                <a:latin typeface="맑은 고딕" panose="020B0503020000020004" pitchFamily="50" charset="-127"/>
+                <a:cs typeface="Times New Roman" panose="02020603050405020304" pitchFamily="18" charset="0"/>
+              </a:rPr>
+              <a:t>MyFragment</a:t>
+            </a:r>
+            <a:r>
+              <a:rPr lang="en-US" altLang="ko-KR" sz="1200" kern="100" dirty="0">
+                <a:solidFill>
+                  <a:schemeClr val="bg1"/>
+                </a:solidFill>
+                <a:latin typeface="맑은 고딕" panose="020B0503020000020004" pitchFamily="50" charset="-127"/>
+                <a:cs typeface="Times New Roman" panose="02020603050405020304" pitchFamily="18" charset="0"/>
+              </a:rPr>
+              <a:t>)</a:t>
+            </a:r>
+            <a:endParaRPr lang="ko-KR" altLang="ko-KR" sz="1200" kern="100" dirty="0">
+              <a:solidFill>
+                <a:schemeClr val="bg1"/>
+              </a:solidFill>
+              <a:latin typeface="맑은 고딕" panose="020B0503020000020004" pitchFamily="50" charset="-127"/>
+              <a:cs typeface="Times New Roman" panose="02020603050405020304" pitchFamily="18" charset="0"/>
+            </a:endParaRPr>
+          </a:p>
+          <a:p>
+            <a:pPr algn="just">
+              <a:lnSpc>
+                <a:spcPct val="115000"/>
+              </a:lnSpc>
+              <a:spcAft>
+                <a:spcPts val="1000"/>
+              </a:spcAft>
+            </a:pPr>
+            <a:r>
+              <a:rPr lang="en-US" altLang="ko-KR" sz="1200" kern="100" dirty="0">
+                <a:solidFill>
+                  <a:schemeClr val="bg1"/>
+                </a:solidFill>
+                <a:latin typeface="맑은 고딕" panose="020B0503020000020004" pitchFamily="50" charset="-127"/>
+                <a:cs typeface="Times New Roman" panose="02020603050405020304" pitchFamily="18" charset="0"/>
+              </a:rPr>
+              <a:t>        Activity(name=</a:t>
+            </a:r>
+            <a:r>
+              <a:rPr lang="en-US" altLang="ko-KR" sz="1200" kern="100" dirty="0" err="1">
+                <a:solidFill>
+                  <a:schemeClr val="bg1"/>
+                </a:solidFill>
+                <a:latin typeface="맑은 고딕" panose="020B0503020000020004" pitchFamily="50" charset="-127"/>
+                <a:cs typeface="Times New Roman" panose="02020603050405020304" pitchFamily="18" charset="0"/>
+              </a:rPr>
+              <a:t>MyActivity</a:t>
+            </a:r>
+            <a:r>
+              <a:rPr lang="en-US" altLang="ko-KR" sz="1200" kern="100" dirty="0">
+                <a:solidFill>
+                  <a:schemeClr val="bg1"/>
+                </a:solidFill>
+                <a:latin typeface="맑은 고딕" panose="020B0503020000020004" pitchFamily="50" charset="-127"/>
+                <a:cs typeface="Times New Roman" panose="02020603050405020304" pitchFamily="18" charset="0"/>
+              </a:rPr>
+              <a:t>)</a:t>
+            </a:r>
+          </a:p>
+          <a:p>
+            <a:pPr algn="just">
+              <a:lnSpc>
+                <a:spcPct val="115000"/>
+              </a:lnSpc>
+              <a:spcAft>
+                <a:spcPts val="1000"/>
+              </a:spcAft>
+            </a:pPr>
+            <a:r>
+              <a:rPr lang="en-US" altLang="ko-KR" sz="1200" kern="100" dirty="0">
+                <a:solidFill>
+                  <a:schemeClr val="bg1"/>
+                </a:solidFill>
+                <a:latin typeface="맑은 고딕" panose="020B0503020000020004" pitchFamily="50" charset="-127"/>
+                <a:cs typeface="Times New Roman" panose="02020603050405020304" pitchFamily="18" charset="0"/>
+              </a:rPr>
+              <a:t>        Associate(from=</a:t>
+            </a:r>
+            <a:r>
+              <a:rPr lang="en-US" altLang="ko-KR" sz="1200" kern="100" dirty="0" err="1">
+                <a:solidFill>
+                  <a:schemeClr val="bg1"/>
+                </a:solidFill>
+                <a:latin typeface="맑은 고딕" panose="020B0503020000020004" pitchFamily="50" charset="-127"/>
+                <a:cs typeface="Times New Roman" panose="02020603050405020304" pitchFamily="18" charset="0"/>
+              </a:rPr>
+              <a:t>MyActivity</a:t>
+            </a:r>
+            <a:r>
+              <a:rPr lang="en-US" altLang="ko-KR" sz="1200" kern="100" dirty="0">
+                <a:solidFill>
+                  <a:schemeClr val="bg1"/>
+                </a:solidFill>
+                <a:latin typeface="맑은 고딕" panose="020B0503020000020004" pitchFamily="50" charset="-127"/>
+                <a:cs typeface="Times New Roman" panose="02020603050405020304" pitchFamily="18" charset="0"/>
+              </a:rPr>
+              <a:t>, to=</a:t>
+            </a:r>
+            <a:r>
+              <a:rPr lang="en-US" altLang="ko-KR" sz="1200" kern="100" dirty="0" err="1">
+                <a:solidFill>
+                  <a:schemeClr val="bg1"/>
+                </a:solidFill>
+                <a:latin typeface="맑은 고딕" panose="020B0503020000020004" pitchFamily="50" charset="-127"/>
+                <a:cs typeface="Times New Roman" panose="02020603050405020304" pitchFamily="18" charset="0"/>
+              </a:rPr>
+              <a:t>MyFragment</a:t>
+            </a:r>
+            <a:r>
+              <a:rPr lang="en-US" altLang="ko-KR" sz="1200" kern="100" dirty="0">
+                <a:solidFill>
+                  <a:schemeClr val="bg1"/>
+                </a:solidFill>
+                <a:latin typeface="맑은 고딕" panose="020B0503020000020004" pitchFamily="50" charset="-127"/>
+                <a:cs typeface="Times New Roman" panose="02020603050405020304" pitchFamily="18" charset="0"/>
+              </a:rPr>
+              <a:t>)</a:t>
+            </a:r>
+            <a:endParaRPr lang="ko-KR" altLang="ko-KR" sz="1200" kern="100" dirty="0">
+              <a:solidFill>
+                <a:schemeClr val="bg1"/>
+              </a:solidFill>
+              <a:latin typeface="맑은 고딕" panose="020B0503020000020004" pitchFamily="50" charset="-127"/>
+              <a:cs typeface="Times New Roman" panose="02020603050405020304" pitchFamily="18" charset="0"/>
+            </a:endParaRPr>
+          </a:p>
+        </p:txBody>
+      </p:sp>
+    </p:spTree>
+    <p:extLst>
+      <p:ext uri="{BB962C8B-B14F-4D97-AF65-F5344CB8AC3E}">
+        <p14:creationId xmlns:p14="http://schemas.microsoft.com/office/powerpoint/2010/main" val="992388295"/>
+      </p:ext>
+    </p:extLst>
+  </p:cSld>
+  <p:clrMapOvr>
+    <a:masterClrMapping/>
+  </p:clrMapOvr>
+</p:sld>
+</file>
+
+<file path=ppt/slides/slide23.xml><?xml version="1.0" encoding="utf-8"?>
+<p:sld xmlns:a="http://schemas.openxmlformats.org/drawingml/2006/main" xmlns:r="http://schemas.openxmlformats.org/officeDocument/2006/relationships" xmlns:p="http://schemas.openxmlformats.org/presentationml/2006/main">
+  <p:cSld>
+    <p:spTree>
+      <p:nvGrpSpPr>
+        <p:cNvPr id="1" name=""/>
+        <p:cNvGrpSpPr/>
+        <p:nvPr/>
+      </p:nvGrpSpPr>
+      <p:grpSpPr>
+        <a:xfrm>
+          <a:off x="0" y="0"/>
+          <a:ext cx="0" cy="0"/>
+          <a:chOff x="0" y="0"/>
+          <a:chExt cx="0" cy="0"/>
+        </a:xfrm>
+      </p:grpSpPr>
       <p:graphicFrame>
         <p:nvGraphicFramePr>
           <p:cNvPr id="4" name="표 4">
@@ -25365,27 +25678,40 @@
           <p:cNvGraphicFramePr>
             <a:graphicFrameLocks noGrp="1"/>
           </p:cNvGraphicFramePr>
-          <p:nvPr/>
+          <p:nvPr>
+            <p:extLst>
+              <p:ext uri="{D42A27DB-BD31-4B8C-83A1-F6EECF244321}">
+                <p14:modId xmlns:p14="http://schemas.microsoft.com/office/powerpoint/2010/main" val="2661763291"/>
+              </p:ext>
+            </p:extLst>
+          </p:nvPr>
         </p:nvGraphicFramePr>
         <p:xfrm>
-          <a:off x="2032000" y="719666"/>
-          <a:ext cx="8128000" cy="2966720"/>
+          <a:off x="1781503" y="466659"/>
+          <a:ext cx="6416567" cy="5852160"/>
         </p:xfrm>
         <a:graphic>
           <a:graphicData uri="http://schemas.openxmlformats.org/drawingml/2006/table">
             <a:tbl>
               <a:tblPr firstRow="1" bandRow="1">
-                <a:tableStyleId>{5C22544A-7EE6-4342-B048-85BDC9FD1C3A}</a:tableStyleId>
+                <a:tableStyleId>{5940675A-B579-460E-94D1-54222C63F5DA}</a:tableStyleId>
               </a:tblPr>
               <a:tblGrid>
-                <a:gridCol w="4064000">
+                <a:gridCol w="2049518">
                   <a:extLst>
                     <a:ext uri="{9D8B030D-6E8A-4147-A177-3AD203B41FA5}">
                       <a16:colId xmlns:a16="http://schemas.microsoft.com/office/drawing/2014/main" val="94125556"/>
                     </a:ext>
                   </a:extLst>
                 </a:gridCol>
-                <a:gridCol w="4064000">
+                <a:gridCol w="2656489">
+                  <a:extLst>
+                    <a:ext uri="{9D8B030D-6E8A-4147-A177-3AD203B41FA5}">
+                      <a16:colId xmlns:a16="http://schemas.microsoft.com/office/drawing/2014/main" val="1377672308"/>
+                    </a:ext>
+                  </a:extLst>
+                </a:gridCol>
+                <a:gridCol w="1710560">
                   <a:extLst>
                     <a:ext uri="{9D8B030D-6E8A-4147-A177-3AD203B41FA5}">
                       <a16:colId xmlns:a16="http://schemas.microsoft.com/office/drawing/2014/main" val="1831557189"/>
@@ -25393,19 +25719,28 @@
                   </a:extLst>
                 </a:gridCol>
               </a:tblGrid>
-              <a:tr h="370840">
-                <a:tc>
+              <a:tr h="217420">
+                <a:tc gridSpan="3">
                   <a:txBody>
                     <a:bodyPr/>
                     <a:lstStyle/>
                     <a:p>
-                      <a:pPr latinLnBrk="1"/>
+                      <a:r>
+                        <a:rPr lang="en-US" altLang="ko-KR" dirty="0"/>
+                        <a:t>Component Type</a:t>
+                      </a:r>
                       <a:endParaRPr lang="ko-KR" altLang="en-US" dirty="0"/>
                     </a:p>
                   </a:txBody>
-                  <a:tcPr/>
+                  <a:tcPr>
+                    <a:solidFill>
+                      <a:schemeClr val="bg1">
+                        <a:lumMod val="75000"/>
+                      </a:schemeClr>
+                    </a:solidFill>
+                  </a:tcPr>
                 </a:tc>
-                <a:tc>
+                <a:tc hMerge="1">
                   <a:txBody>
                     <a:bodyPr/>
                     <a:lstStyle/>
@@ -25416,14 +25751,44 @@
                   </a:txBody>
                   <a:tcPr/>
                 </a:tc>
+                <a:tc hMerge="1">
+                  <a:txBody>
+                    <a:bodyPr/>
+                    <a:lstStyle/>
+                    <a:p>
+                      <a:endParaRPr lang="ko-KR" altLang="en-US" dirty="0"/>
+                    </a:p>
+                  </a:txBody>
+                  <a:tcPr/>
+                </a:tc>
                 <a:extLst>
                   <a:ext uri="{0D108BD9-81ED-4DB2-BD59-A6C34878D82A}">
-                    <a16:rowId xmlns:a16="http://schemas.microsoft.com/office/drawing/2014/main" val="1771101290"/>
+                    <a16:rowId xmlns:a16="http://schemas.microsoft.com/office/drawing/2014/main" val="626539666"/>
                   </a:ext>
                 </a:extLst>
               </a:tr>
-              <a:tr h="370840">
-                <a:tc>
+              <a:tr h="163065">
+                <a:tc gridSpan="2">
+                  <a:txBody>
+                    <a:bodyPr/>
+                    <a:lstStyle/>
+                    <a:p>
+                      <a:r>
+                        <a:rPr lang="en-US" altLang="ko-KR" sz="1200" dirty="0"/>
+                        <a:t>Element</a:t>
+                      </a:r>
+                      <a:endParaRPr lang="ko-KR" altLang="en-US" sz="1200" dirty="0"/>
+                    </a:p>
+                  </a:txBody>
+                  <a:tcPr>
+                    <a:solidFill>
+                      <a:schemeClr val="bg1">
+                        <a:lumMod val="85000"/>
+                      </a:schemeClr>
+                    </a:solidFill>
+                  </a:tcPr>
+                </a:tc>
+                <a:tc hMerge="1">
                   <a:txBody>
                     <a:bodyPr/>
                     <a:lstStyle/>
@@ -25439,8 +25804,200 @@
                     <a:bodyPr/>
                     <a:lstStyle/>
                     <a:p>
+                      <a:r>
+                        <a:rPr lang="en-US" altLang="ko-KR" sz="1200" dirty="0"/>
+                        <a:t>Relation</a:t>
+                      </a:r>
+                      <a:endParaRPr lang="ko-KR" altLang="en-US" sz="1200" dirty="0"/>
+                    </a:p>
+                  </a:txBody>
+                  <a:tcPr>
+                    <a:solidFill>
+                      <a:schemeClr val="bg1">
+                        <a:lumMod val="85000"/>
+                      </a:schemeClr>
+                    </a:solidFill>
+                  </a:tcPr>
+                </a:tc>
+                <a:extLst>
+                  <a:ext uri="{0D108BD9-81ED-4DB2-BD59-A6C34878D82A}">
+                    <a16:rowId xmlns:a16="http://schemas.microsoft.com/office/drawing/2014/main" val="1771101290"/>
+                  </a:ext>
+                </a:extLst>
+              </a:tr>
+              <a:tr h="220439">
+                <a:tc>
+                  <a:txBody>
+                    <a:bodyPr/>
+                    <a:lstStyle/>
+                    <a:p>
+                      <a:pPr marL="0" marR="0" lvl="0" indent="0" algn="l" defTabSz="914400" rtl="0" eaLnBrk="1" fontAlgn="auto" latinLnBrk="1" hangingPunct="1">
+                        <a:lnSpc>
+                          <a:spcPct val="100000"/>
+                        </a:lnSpc>
+                        <a:spcBef>
+                          <a:spcPts val="0"/>
+                        </a:spcBef>
+                        <a:spcAft>
+                          <a:spcPts val="0"/>
+                        </a:spcAft>
+                        <a:buClrTx/>
+                        <a:buSzTx/>
+                        <a:buFontTx/>
+                        <a:buNone/>
+                        <a:tabLst/>
+                        <a:defRPr/>
+                      </a:pPr>
+                      <a:r>
+                        <a:rPr lang="en-US" altLang="ko-KR" sz="1200" dirty="0"/>
+                        <a:t>Name</a:t>
+                      </a:r>
+                    </a:p>
+                  </a:txBody>
+                  <a:tcPr>
+                    <a:solidFill>
+                      <a:schemeClr val="bg1">
+                        <a:lumMod val="95000"/>
+                      </a:schemeClr>
+                    </a:solidFill>
+                  </a:tcPr>
+                </a:tc>
+                <a:tc>
+                  <a:txBody>
+                    <a:bodyPr/>
+                    <a:lstStyle/>
+                    <a:p>
+                      <a:pPr marL="0" marR="0" lvl="0" indent="0" algn="l" defTabSz="914400" rtl="0" eaLnBrk="1" fontAlgn="auto" latinLnBrk="1" hangingPunct="1">
+                        <a:lnSpc>
+                          <a:spcPct val="100000"/>
+                        </a:lnSpc>
+                        <a:spcBef>
+                          <a:spcPts val="0"/>
+                        </a:spcBef>
+                        <a:spcAft>
+                          <a:spcPts val="0"/>
+                        </a:spcAft>
+                        <a:buClrTx/>
+                        <a:buSzTx/>
+                        <a:buFontTx/>
+                        <a:buNone/>
+                        <a:tabLst/>
+                        <a:defRPr/>
+                      </a:pPr>
+                      <a:r>
+                        <a:rPr lang="en-US" altLang="ko-KR" sz="1200" dirty="0"/>
+                        <a:t>Class Name</a:t>
+                      </a:r>
+                    </a:p>
+                  </a:txBody>
+                  <a:tcPr>
+                    <a:solidFill>
+                      <a:schemeClr val="bg1">
+                        <a:lumMod val="95000"/>
+                      </a:schemeClr>
+                    </a:solidFill>
+                  </a:tcPr>
+                </a:tc>
+                <a:tc>
+                  <a:txBody>
+                    <a:bodyPr/>
+                    <a:lstStyle/>
+                    <a:p>
                       <a:pPr latinLnBrk="1"/>
-                      <a:endParaRPr lang="ko-KR" altLang="en-US"/>
+                      <a:r>
+                        <a:rPr lang="en-US" altLang="ko-KR" sz="1200" dirty="0"/>
+                        <a:t>Name</a:t>
+                      </a:r>
+                      <a:endParaRPr lang="ko-KR" altLang="en-US" sz="1200" dirty="0"/>
+                    </a:p>
+                  </a:txBody>
+                  <a:tcPr>
+                    <a:solidFill>
+                      <a:schemeClr val="bg1">
+                        <a:lumMod val="95000"/>
+                      </a:schemeClr>
+                    </a:solidFill>
+                  </a:tcPr>
+                </a:tc>
+                <a:extLst>
+                  <a:ext uri="{0D108BD9-81ED-4DB2-BD59-A6C34878D82A}">
+                    <a16:rowId xmlns:a16="http://schemas.microsoft.com/office/drawing/2014/main" val="1166438406"/>
+                  </a:ext>
+                </a:extLst>
+              </a:tr>
+              <a:tr h="220439">
+                <a:tc>
+                  <a:txBody>
+                    <a:bodyPr/>
+                    <a:lstStyle/>
+                    <a:p>
+                      <a:pPr marL="0" marR="0" lvl="0" indent="0" algn="l" defTabSz="914400" rtl="0" eaLnBrk="1" fontAlgn="auto" latinLnBrk="1" hangingPunct="1">
+                        <a:lnSpc>
+                          <a:spcPct val="100000"/>
+                        </a:lnSpc>
+                        <a:spcBef>
+                          <a:spcPts val="0"/>
+                        </a:spcBef>
+                        <a:spcAft>
+                          <a:spcPts val="0"/>
+                        </a:spcAft>
+                        <a:buClrTx/>
+                        <a:buSzTx/>
+                        <a:buFontTx/>
+                        <a:buNone/>
+                        <a:tabLst/>
+                        <a:defRPr/>
+                      </a:pPr>
+                      <a:r>
+                        <a:rPr lang="en-US" altLang="ko-KR" sz="1200" dirty="0" err="1"/>
+                        <a:t>ComponentAndConnector</a:t>
+                      </a:r>
+                      <a:endParaRPr lang="en-US" altLang="ko-KR" sz="1200" dirty="0"/>
+                    </a:p>
+                  </a:txBody>
+                  <a:tcPr/>
+                </a:tc>
+                <a:tc>
+                  <a:txBody>
+                    <a:bodyPr/>
+                    <a:lstStyle/>
+                    <a:p>
+                      <a:pPr marL="0" marR="0" lvl="0" indent="0" algn="l" defTabSz="914400" rtl="0" eaLnBrk="1" fontAlgn="auto" latinLnBrk="1" hangingPunct="1">
+                        <a:lnSpc>
+                          <a:spcPct val="100000"/>
+                        </a:lnSpc>
+                        <a:spcBef>
+                          <a:spcPts val="0"/>
+                        </a:spcBef>
+                        <a:spcAft>
+                          <a:spcPts val="0"/>
+                        </a:spcAft>
+                        <a:buClrTx/>
+                        <a:buSzTx/>
+                        <a:buFontTx/>
+                        <a:buNone/>
+                        <a:tabLst/>
+                        <a:defRPr/>
+                      </a:pPr>
+                      <a:r>
+                        <a:rPr lang="en-US" altLang="ko-KR" sz="1200" dirty="0"/>
+                        <a:t>-</a:t>
+                      </a:r>
+                    </a:p>
+                  </a:txBody>
+                  <a:tcPr/>
+                </a:tc>
+                <a:tc>
+                  <a:txBody>
+                    <a:bodyPr/>
+                    <a:lstStyle/>
+                    <a:p>
+                      <a:pPr latinLnBrk="1"/>
+                      <a:r>
+                        <a:rPr lang="en-US" altLang="ko-KR" sz="1200" dirty="0"/>
+                        <a:t>Association</a:t>
+                      </a:r>
+                      <a:endParaRPr lang="ko-KR" altLang="en-US" sz="1200" dirty="0"/>
                     </a:p>
                   </a:txBody>
                   <a:tcPr/>
@@ -25451,14 +26008,18 @@
                   </a:ext>
                 </a:extLst>
               </a:tr>
-              <a:tr h="370840">
+              <a:tr h="220439">
                 <a:tc>
                   <a:txBody>
                     <a:bodyPr/>
                     <a:lstStyle/>
                     <a:p>
                       <a:pPr latinLnBrk="1"/>
-                      <a:endParaRPr lang="ko-KR" altLang="en-US"/>
+                      <a:r>
+                        <a:rPr lang="en-US" altLang="ko-KR" sz="1200" dirty="0"/>
+                        <a:t>Deployment</a:t>
+                      </a:r>
+                      <a:endParaRPr lang="ko-KR" altLang="en-US" sz="1200" dirty="0"/>
                     </a:p>
                   </a:txBody>
                   <a:tcPr/>
@@ -25469,7 +26030,26 @@
                     <a:lstStyle/>
                     <a:p>
                       <a:pPr latinLnBrk="1"/>
-                      <a:endParaRPr lang="ko-KR" altLang="en-US"/>
+                      <a:r>
+                        <a:rPr lang="en-US" altLang="ko-KR" sz="1200" dirty="0"/>
+                        <a:t>-</a:t>
+                      </a:r>
+                      <a:endParaRPr lang="ko-KR" altLang="en-US" sz="1200" dirty="0"/>
+                    </a:p>
+                  </a:txBody>
+                  <a:tcPr/>
+                </a:tc>
+                <a:tc>
+                  <a:txBody>
+                    <a:bodyPr/>
+                    <a:lstStyle/>
+                    <a:p>
+                      <a:pPr latinLnBrk="1"/>
+                      <a:r>
+                        <a:rPr lang="en-US" altLang="ko-KR" sz="1200" dirty="0"/>
+                        <a:t>Dependency</a:t>
+                      </a:r>
+                      <a:endParaRPr lang="ko-KR" altLang="en-US" sz="1200" dirty="0"/>
                     </a:p>
                   </a:txBody>
                   <a:tcPr/>
@@ -25480,14 +26060,18 @@
                   </a:ext>
                 </a:extLst>
               </a:tr>
-              <a:tr h="370840">
+              <a:tr h="220439">
                 <a:tc>
                   <a:txBody>
                     <a:bodyPr/>
                     <a:lstStyle/>
                     <a:p>
                       <a:pPr latinLnBrk="1"/>
-                      <a:endParaRPr lang="ko-KR" altLang="en-US"/>
+                      <a:r>
+                        <a:rPr lang="en-US" altLang="ko-KR" sz="1200" dirty="0"/>
+                        <a:t>Activity</a:t>
+                      </a:r>
+                      <a:endParaRPr lang="ko-KR" altLang="en-US" sz="1200" dirty="0"/>
                     </a:p>
                   </a:txBody>
                   <a:tcPr/>
@@ -25498,7 +26082,26 @@
                     <a:lstStyle/>
                     <a:p>
                       <a:pPr latinLnBrk="1"/>
-                      <a:endParaRPr lang="ko-KR" altLang="en-US"/>
+                      <a:r>
+                        <a:rPr lang="en-US" altLang="ko-KR" sz="1200" dirty="0" err="1"/>
+                        <a:t>android.app.Activity</a:t>
+                      </a:r>
+                      <a:endParaRPr lang="ko-KR" altLang="en-US" sz="1200" dirty="0"/>
+                    </a:p>
+                  </a:txBody>
+                  <a:tcPr/>
+                </a:tc>
+                <a:tc>
+                  <a:txBody>
+                    <a:bodyPr/>
+                    <a:lstStyle/>
+                    <a:p>
+                      <a:pPr latinLnBrk="1"/>
+                      <a:r>
+                        <a:rPr lang="en-US" altLang="ko-KR" sz="1200" dirty="0"/>
+                        <a:t>Inheritance</a:t>
+                      </a:r>
+                      <a:endParaRPr lang="ko-KR" altLang="en-US" sz="1200" dirty="0"/>
                     </a:p>
                   </a:txBody>
                   <a:tcPr/>
@@ -25509,14 +26112,18 @@
                   </a:ext>
                 </a:extLst>
               </a:tr>
-              <a:tr h="370840">
+              <a:tr h="220439">
                 <a:tc>
                   <a:txBody>
                     <a:bodyPr/>
                     <a:lstStyle/>
                     <a:p>
                       <a:pPr latinLnBrk="1"/>
-                      <a:endParaRPr lang="ko-KR" altLang="en-US"/>
+                      <a:r>
+                        <a:rPr lang="en-US" altLang="ko-KR" sz="1200" dirty="0"/>
+                        <a:t>Service</a:t>
+                      </a:r>
+                      <a:endParaRPr lang="ko-KR" altLang="en-US" sz="1200" dirty="0"/>
                     </a:p>
                   </a:txBody>
                   <a:tcPr/>
@@ -25527,7 +26134,26 @@
                     <a:lstStyle/>
                     <a:p>
                       <a:pPr latinLnBrk="1"/>
-                      <a:endParaRPr lang="ko-KR" altLang="en-US"/>
+                      <a:r>
+                        <a:rPr lang="en-US" altLang="ko-KR" sz="1200" dirty="0" err="1"/>
+                        <a:t>android.app.Service</a:t>
+                      </a:r>
+                      <a:endParaRPr lang="ko-KR" altLang="en-US" sz="1200" dirty="0"/>
+                    </a:p>
+                  </a:txBody>
+                  <a:tcPr/>
+                </a:tc>
+                <a:tc>
+                  <a:txBody>
+                    <a:bodyPr/>
+                    <a:lstStyle/>
+                    <a:p>
+                      <a:pPr latinLnBrk="1"/>
+                      <a:r>
+                        <a:rPr lang="en-US" altLang="ko-KR" sz="1200" dirty="0"/>
+                        <a:t>Realization</a:t>
+                      </a:r>
+                      <a:endParaRPr lang="ko-KR" altLang="en-US" sz="1200" dirty="0"/>
                     </a:p>
                   </a:txBody>
                   <a:tcPr/>
@@ -25538,14 +26164,18 @@
                   </a:ext>
                 </a:extLst>
               </a:tr>
-              <a:tr h="370840">
+              <a:tr h="220439">
                 <a:tc>
                   <a:txBody>
                     <a:bodyPr/>
                     <a:lstStyle/>
                     <a:p>
                       <a:pPr latinLnBrk="1"/>
-                      <a:endParaRPr lang="ko-KR" altLang="en-US"/>
+                      <a:r>
+                        <a:rPr lang="en-US" altLang="ko-KR" sz="1200" dirty="0" err="1"/>
+                        <a:t>BroadcastReceiver</a:t>
+                      </a:r>
+                      <a:endParaRPr lang="ko-KR" altLang="en-US" sz="1200" dirty="0"/>
                     </a:p>
                   </a:txBody>
                   <a:tcPr/>
@@ -25556,7 +26186,26 @@
                     <a:lstStyle/>
                     <a:p>
                       <a:pPr latinLnBrk="1"/>
-                      <a:endParaRPr lang="ko-KR" altLang="en-US"/>
+                      <a:r>
+                        <a:rPr lang="en-US" altLang="ko-KR" sz="1200" dirty="0" err="1"/>
+                        <a:t>android.content.BroadcastReceiver</a:t>
+                      </a:r>
+                      <a:endParaRPr lang="ko-KR" altLang="en-US" sz="1200" dirty="0"/>
+                    </a:p>
+                  </a:txBody>
+                  <a:tcPr/>
+                </a:tc>
+                <a:tc>
+                  <a:txBody>
+                    <a:bodyPr/>
+                    <a:lstStyle/>
+                    <a:p>
+                      <a:pPr latinLnBrk="1"/>
+                      <a:r>
+                        <a:rPr lang="en-US" altLang="ko-KR" sz="1200" dirty="0"/>
+                        <a:t>Aggregation</a:t>
+                      </a:r>
+                      <a:endParaRPr lang="ko-KR" altLang="en-US" sz="1200" dirty="0"/>
                     </a:p>
                   </a:txBody>
                   <a:tcPr/>
@@ -25567,14 +26216,18 @@
                   </a:ext>
                 </a:extLst>
               </a:tr>
-              <a:tr h="370840">
+              <a:tr h="220439">
                 <a:tc>
                   <a:txBody>
                     <a:bodyPr/>
                     <a:lstStyle/>
                     <a:p>
                       <a:pPr latinLnBrk="1"/>
-                      <a:endParaRPr lang="ko-KR" altLang="en-US"/>
+                      <a:r>
+                        <a:rPr lang="en-US" altLang="ko-KR" sz="1200" dirty="0" err="1"/>
+                        <a:t>ContentProvider</a:t>
+                      </a:r>
+                      <a:endParaRPr lang="ko-KR" altLang="en-US" sz="1200" dirty="0"/>
                     </a:p>
                   </a:txBody>
                   <a:tcPr/>
@@ -25585,7 +26238,26 @@
                     <a:lstStyle/>
                     <a:p>
                       <a:pPr latinLnBrk="1"/>
-                      <a:endParaRPr lang="ko-KR" altLang="en-US"/>
+                      <a:r>
+                        <a:rPr lang="en-US" altLang="ko-KR" sz="1200" dirty="0" err="1"/>
+                        <a:t>android.content.ContentProvider</a:t>
+                      </a:r>
+                      <a:endParaRPr lang="ko-KR" altLang="en-US" sz="1200" dirty="0"/>
+                    </a:p>
+                  </a:txBody>
+                  <a:tcPr/>
+                </a:tc>
+                <a:tc>
+                  <a:txBody>
+                    <a:bodyPr/>
+                    <a:lstStyle/>
+                    <a:p>
+                      <a:pPr latinLnBrk="1"/>
+                      <a:r>
+                        <a:rPr lang="en-US" altLang="ko-KR" sz="1200" dirty="0"/>
+                        <a:t>Composition</a:t>
+                      </a:r>
+                      <a:endParaRPr lang="ko-KR" altLang="en-US" sz="1200" dirty="0"/>
                     </a:p>
                   </a:txBody>
                   <a:tcPr/>
@@ -25596,14 +26268,34 @@
                   </a:ext>
                 </a:extLst>
               </a:tr>
-              <a:tr h="370840">
+              <a:tr h="220439">
                 <a:tc>
                   <a:txBody>
                     <a:bodyPr/>
                     <a:lstStyle/>
                     <a:p>
-                      <a:pPr latinLnBrk="1"/>
-                      <a:endParaRPr lang="ko-KR" altLang="en-US"/>
+                      <a:pPr marL="0" marR="0" lvl="0" indent="0" algn="l" defTabSz="914400" rtl="0" eaLnBrk="1" fontAlgn="auto" latinLnBrk="1" hangingPunct="1">
+                        <a:lnSpc>
+                          <a:spcPct val="100000"/>
+                        </a:lnSpc>
+                        <a:spcBef>
+                          <a:spcPts val="0"/>
+                        </a:spcBef>
+                        <a:spcAft>
+                          <a:spcPts val="0"/>
+                        </a:spcAft>
+                        <a:buClrTx/>
+                        <a:buSzTx/>
+                        <a:buFontTx/>
+                        <a:buNone/>
+                        <a:tabLst/>
+                        <a:defRPr/>
+                      </a:pPr>
+                      <a:r>
+                        <a:rPr lang="en-US" altLang="ko-KR" sz="1200" dirty="0"/>
+                        <a:t>Fragment</a:t>
+                      </a:r>
+                      <a:endParaRPr lang="ko-KR" altLang="en-US" sz="1200" dirty="0"/>
                     </a:p>
                   </a:txBody>
                   <a:tcPr/>
@@ -25614,7 +26306,22 @@
                     <a:lstStyle/>
                     <a:p>
                       <a:pPr latinLnBrk="1"/>
-                      <a:endParaRPr lang="ko-KR" altLang="en-US" dirty="0"/>
+                      <a:r>
+                        <a:rPr lang="fr-FR" altLang="ko-KR" sz="1200" dirty="0"/>
+                        <a:t>android.support.v4.app.Fragment</a:t>
+                      </a:r>
+                      <a:endParaRPr lang="ko-KR" altLang="en-US" sz="1200" dirty="0"/>
+                    </a:p>
+                  </a:txBody>
+                  <a:tcPr/>
+                </a:tc>
+                <a:tc>
+                  <a:txBody>
+                    <a:bodyPr/>
+                    <a:lstStyle/>
+                    <a:p>
+                      <a:pPr latinLnBrk="1"/>
+                      <a:endParaRPr lang="ko-KR" altLang="en-US" sz="1200" dirty="0"/>
                     </a:p>
                   </a:txBody>
                   <a:tcPr/>
@@ -25622,6 +26329,886 @@
                 <a:extLst>
                   <a:ext uri="{0D108BD9-81ED-4DB2-BD59-A6C34878D82A}">
                     <a16:rowId xmlns:a16="http://schemas.microsoft.com/office/drawing/2014/main" val="4144848869"/>
+                  </a:ext>
+                </a:extLst>
+              </a:tr>
+              <a:tr h="220439">
+                <a:tc>
+                  <a:txBody>
+                    <a:bodyPr/>
+                    <a:lstStyle/>
+                    <a:p>
+                      <a:pPr marL="0" marR="0" lvl="0" indent="0" algn="l" defTabSz="914400" rtl="0" eaLnBrk="1" fontAlgn="auto" latinLnBrk="1" hangingPunct="1">
+                        <a:lnSpc>
+                          <a:spcPct val="100000"/>
+                        </a:lnSpc>
+                        <a:spcBef>
+                          <a:spcPts val="0"/>
+                        </a:spcBef>
+                        <a:spcAft>
+                          <a:spcPts val="0"/>
+                        </a:spcAft>
+                        <a:buClrTx/>
+                        <a:buSzTx/>
+                        <a:buFontTx/>
+                        <a:buNone/>
+                        <a:tabLst/>
+                        <a:defRPr/>
+                      </a:pPr>
+                      <a:r>
+                        <a:rPr lang="en-US" altLang="ko-KR" sz="1200" dirty="0"/>
+                        <a:t>Model</a:t>
+                      </a:r>
+                      <a:endParaRPr lang="ko-KR" altLang="en-US" sz="1200" dirty="0"/>
+                    </a:p>
+                  </a:txBody>
+                  <a:tcPr/>
+                </a:tc>
+                <a:tc>
+                  <a:txBody>
+                    <a:bodyPr/>
+                    <a:lstStyle/>
+                    <a:p>
+                      <a:pPr marL="0" marR="0" lvl="0" indent="0" algn="l" defTabSz="914400" rtl="0" eaLnBrk="1" fontAlgn="auto" latinLnBrk="1" hangingPunct="1">
+                        <a:lnSpc>
+                          <a:spcPct val="100000"/>
+                        </a:lnSpc>
+                        <a:spcBef>
+                          <a:spcPts val="0"/>
+                        </a:spcBef>
+                        <a:spcAft>
+                          <a:spcPts val="0"/>
+                        </a:spcAft>
+                        <a:buClrTx/>
+                        <a:buSzTx/>
+                        <a:buFontTx/>
+                        <a:buNone/>
+                        <a:tabLst/>
+                        <a:defRPr/>
+                      </a:pPr>
+                      <a:r>
+                        <a:rPr lang="en-US" altLang="ko-KR" sz="1200" dirty="0"/>
+                        <a:t>-</a:t>
+                      </a:r>
+                      <a:endParaRPr lang="ko-KR" altLang="en-US" sz="1200" dirty="0"/>
+                    </a:p>
+                  </a:txBody>
+                  <a:tcPr/>
+                </a:tc>
+                <a:tc>
+                  <a:txBody>
+                    <a:bodyPr/>
+                    <a:lstStyle/>
+                    <a:p>
+                      <a:pPr latinLnBrk="1"/>
+                      <a:endParaRPr lang="ko-KR" altLang="en-US" sz="1200" dirty="0"/>
+                    </a:p>
+                  </a:txBody>
+                  <a:tcPr/>
+                </a:tc>
+                <a:extLst>
+                  <a:ext uri="{0D108BD9-81ED-4DB2-BD59-A6C34878D82A}">
+                    <a16:rowId xmlns:a16="http://schemas.microsoft.com/office/drawing/2014/main" val="3481184388"/>
+                  </a:ext>
+                </a:extLst>
+              </a:tr>
+              <a:tr h="220439">
+                <a:tc>
+                  <a:txBody>
+                    <a:bodyPr/>
+                    <a:lstStyle/>
+                    <a:p>
+                      <a:pPr marL="0" marR="0" lvl="0" indent="0" algn="l" defTabSz="914400" rtl="0" eaLnBrk="1" fontAlgn="auto" latinLnBrk="1" hangingPunct="1">
+                        <a:lnSpc>
+                          <a:spcPct val="100000"/>
+                        </a:lnSpc>
+                        <a:spcBef>
+                          <a:spcPts val="0"/>
+                        </a:spcBef>
+                        <a:spcAft>
+                          <a:spcPts val="0"/>
+                        </a:spcAft>
+                        <a:buClrTx/>
+                        <a:buSzTx/>
+                        <a:buFontTx/>
+                        <a:buNone/>
+                        <a:tabLst/>
+                        <a:defRPr/>
+                      </a:pPr>
+                      <a:r>
+                        <a:rPr lang="en-US" altLang="ko-KR" sz="1200" dirty="0"/>
+                        <a:t>View</a:t>
+                      </a:r>
+                      <a:endParaRPr lang="ko-KR" altLang="en-US" sz="1200" dirty="0"/>
+                    </a:p>
+                  </a:txBody>
+                  <a:tcPr/>
+                </a:tc>
+                <a:tc>
+                  <a:txBody>
+                    <a:bodyPr/>
+                    <a:lstStyle/>
+                    <a:p>
+                      <a:pPr marL="0" marR="0" lvl="0" indent="0" algn="l" defTabSz="914400" rtl="0" eaLnBrk="1" fontAlgn="auto" latinLnBrk="1" hangingPunct="1">
+                        <a:lnSpc>
+                          <a:spcPct val="100000"/>
+                        </a:lnSpc>
+                        <a:spcBef>
+                          <a:spcPts val="0"/>
+                        </a:spcBef>
+                        <a:spcAft>
+                          <a:spcPts val="0"/>
+                        </a:spcAft>
+                        <a:buClrTx/>
+                        <a:buSzTx/>
+                        <a:buFontTx/>
+                        <a:buNone/>
+                        <a:tabLst/>
+                        <a:defRPr/>
+                      </a:pPr>
+                      <a:r>
+                        <a:rPr lang="en-US" altLang="ko-KR" sz="1200" dirty="0"/>
+                        <a:t>-</a:t>
+                      </a:r>
+                      <a:endParaRPr lang="ko-KR" altLang="en-US" sz="1200" dirty="0"/>
+                    </a:p>
+                  </a:txBody>
+                  <a:tcPr/>
+                </a:tc>
+                <a:tc>
+                  <a:txBody>
+                    <a:bodyPr/>
+                    <a:lstStyle/>
+                    <a:p>
+                      <a:pPr latinLnBrk="1"/>
+                      <a:endParaRPr lang="ko-KR" altLang="en-US" sz="1200" dirty="0"/>
+                    </a:p>
+                  </a:txBody>
+                  <a:tcPr/>
+                </a:tc>
+                <a:extLst>
+                  <a:ext uri="{0D108BD9-81ED-4DB2-BD59-A6C34878D82A}">
+                    <a16:rowId xmlns:a16="http://schemas.microsoft.com/office/drawing/2014/main" val="3822252406"/>
+                  </a:ext>
+                </a:extLst>
+              </a:tr>
+              <a:tr h="220439">
+                <a:tc>
+                  <a:txBody>
+                    <a:bodyPr/>
+                    <a:lstStyle/>
+                    <a:p>
+                      <a:pPr marL="0" marR="0" lvl="0" indent="0" algn="l" defTabSz="914400" rtl="0" eaLnBrk="1" fontAlgn="auto" latinLnBrk="1" hangingPunct="1">
+                        <a:lnSpc>
+                          <a:spcPct val="100000"/>
+                        </a:lnSpc>
+                        <a:spcBef>
+                          <a:spcPts val="0"/>
+                        </a:spcBef>
+                        <a:spcAft>
+                          <a:spcPts val="0"/>
+                        </a:spcAft>
+                        <a:buClrTx/>
+                        <a:buSzTx/>
+                        <a:buFontTx/>
+                        <a:buNone/>
+                        <a:tabLst/>
+                        <a:defRPr/>
+                      </a:pPr>
+                      <a:r>
+                        <a:rPr lang="en-US" altLang="ko-KR" sz="1200" dirty="0"/>
+                        <a:t>Controller</a:t>
+                      </a:r>
+                      <a:endParaRPr lang="ko-KR" altLang="en-US" sz="1200" dirty="0"/>
+                    </a:p>
+                  </a:txBody>
+                  <a:tcPr/>
+                </a:tc>
+                <a:tc>
+                  <a:txBody>
+                    <a:bodyPr/>
+                    <a:lstStyle/>
+                    <a:p>
+                      <a:pPr marL="0" marR="0" lvl="0" indent="0" algn="l" defTabSz="914400" rtl="0" eaLnBrk="1" fontAlgn="auto" latinLnBrk="1" hangingPunct="1">
+                        <a:lnSpc>
+                          <a:spcPct val="100000"/>
+                        </a:lnSpc>
+                        <a:spcBef>
+                          <a:spcPts val="0"/>
+                        </a:spcBef>
+                        <a:spcAft>
+                          <a:spcPts val="0"/>
+                        </a:spcAft>
+                        <a:buClrTx/>
+                        <a:buSzTx/>
+                        <a:buFontTx/>
+                        <a:buNone/>
+                        <a:tabLst/>
+                        <a:defRPr/>
+                      </a:pPr>
+                      <a:r>
+                        <a:rPr lang="en-US" altLang="ko-KR" sz="1200" dirty="0"/>
+                        <a:t>-</a:t>
+                      </a:r>
+                      <a:endParaRPr lang="ko-KR" altLang="en-US" sz="1200" dirty="0"/>
+                    </a:p>
+                  </a:txBody>
+                  <a:tcPr/>
+                </a:tc>
+                <a:tc>
+                  <a:txBody>
+                    <a:bodyPr/>
+                    <a:lstStyle/>
+                    <a:p>
+                      <a:pPr latinLnBrk="1"/>
+                      <a:endParaRPr lang="ko-KR" altLang="en-US" sz="1200" dirty="0"/>
+                    </a:p>
+                  </a:txBody>
+                  <a:tcPr/>
+                </a:tc>
+                <a:extLst>
+                  <a:ext uri="{0D108BD9-81ED-4DB2-BD59-A6C34878D82A}">
+                    <a16:rowId xmlns:a16="http://schemas.microsoft.com/office/drawing/2014/main" val="1763021577"/>
+                  </a:ext>
+                </a:extLst>
+              </a:tr>
+              <a:tr h="220439">
+                <a:tc>
+                  <a:txBody>
+                    <a:bodyPr/>
+                    <a:lstStyle/>
+                    <a:p>
+                      <a:pPr marL="0" marR="0" lvl="0" indent="0" algn="l" defTabSz="914400" rtl="0" eaLnBrk="1" fontAlgn="auto" latinLnBrk="1" hangingPunct="1">
+                        <a:lnSpc>
+                          <a:spcPct val="100000"/>
+                        </a:lnSpc>
+                        <a:spcBef>
+                          <a:spcPts val="0"/>
+                        </a:spcBef>
+                        <a:spcAft>
+                          <a:spcPts val="0"/>
+                        </a:spcAft>
+                        <a:buClrTx/>
+                        <a:buSzTx/>
+                        <a:buFontTx/>
+                        <a:buNone/>
+                        <a:tabLst/>
+                        <a:defRPr/>
+                      </a:pPr>
+                      <a:r>
+                        <a:rPr lang="en-US" altLang="ko-KR" sz="1200" dirty="0"/>
+                        <a:t>Presenter</a:t>
+                      </a:r>
+                      <a:endParaRPr lang="ko-KR" altLang="en-US" sz="1200" dirty="0"/>
+                    </a:p>
+                  </a:txBody>
+                  <a:tcPr/>
+                </a:tc>
+                <a:tc>
+                  <a:txBody>
+                    <a:bodyPr/>
+                    <a:lstStyle/>
+                    <a:p>
+                      <a:pPr marL="0" marR="0" lvl="0" indent="0" algn="l" defTabSz="914400" rtl="0" eaLnBrk="1" fontAlgn="auto" latinLnBrk="1" hangingPunct="1">
+                        <a:lnSpc>
+                          <a:spcPct val="100000"/>
+                        </a:lnSpc>
+                        <a:spcBef>
+                          <a:spcPts val="0"/>
+                        </a:spcBef>
+                        <a:spcAft>
+                          <a:spcPts val="0"/>
+                        </a:spcAft>
+                        <a:buClrTx/>
+                        <a:buSzTx/>
+                        <a:buFontTx/>
+                        <a:buNone/>
+                        <a:tabLst/>
+                        <a:defRPr/>
+                      </a:pPr>
+                      <a:r>
+                        <a:rPr lang="en-US" altLang="ko-KR" sz="1200" dirty="0"/>
+                        <a:t>-</a:t>
+                      </a:r>
+                      <a:endParaRPr lang="ko-KR" altLang="en-US" sz="1200" dirty="0"/>
+                    </a:p>
+                  </a:txBody>
+                  <a:tcPr/>
+                </a:tc>
+                <a:tc>
+                  <a:txBody>
+                    <a:bodyPr/>
+                    <a:lstStyle/>
+                    <a:p>
+                      <a:pPr latinLnBrk="1"/>
+                      <a:endParaRPr lang="ko-KR" altLang="en-US" sz="1200" dirty="0"/>
+                    </a:p>
+                  </a:txBody>
+                  <a:tcPr/>
+                </a:tc>
+                <a:extLst>
+                  <a:ext uri="{0D108BD9-81ED-4DB2-BD59-A6C34878D82A}">
+                    <a16:rowId xmlns:a16="http://schemas.microsoft.com/office/drawing/2014/main" val="501634933"/>
+                  </a:ext>
+                </a:extLst>
+              </a:tr>
+              <a:tr h="220439">
+                <a:tc>
+                  <a:txBody>
+                    <a:bodyPr/>
+                    <a:lstStyle/>
+                    <a:p>
+                      <a:pPr marL="0" marR="0" lvl="0" indent="0" algn="l" defTabSz="914400" rtl="0" eaLnBrk="1" fontAlgn="auto" latinLnBrk="1" hangingPunct="1">
+                        <a:lnSpc>
+                          <a:spcPct val="100000"/>
+                        </a:lnSpc>
+                        <a:spcBef>
+                          <a:spcPts val="0"/>
+                        </a:spcBef>
+                        <a:spcAft>
+                          <a:spcPts val="0"/>
+                        </a:spcAft>
+                        <a:buClrTx/>
+                        <a:buSzTx/>
+                        <a:buFontTx/>
+                        <a:buNone/>
+                        <a:tabLst/>
+                        <a:defRPr/>
+                      </a:pPr>
+                      <a:r>
+                        <a:rPr lang="en-US" altLang="ko-KR" sz="1200" dirty="0" err="1"/>
+                        <a:t>ViewModel</a:t>
+                      </a:r>
+                      <a:endParaRPr lang="ko-KR" altLang="en-US" sz="1200" dirty="0"/>
+                    </a:p>
+                  </a:txBody>
+                  <a:tcPr/>
+                </a:tc>
+                <a:tc>
+                  <a:txBody>
+                    <a:bodyPr/>
+                    <a:lstStyle/>
+                    <a:p>
+                      <a:pPr marL="0" marR="0" lvl="0" indent="0" algn="l" defTabSz="914400" rtl="0" eaLnBrk="1" fontAlgn="auto" latinLnBrk="1" hangingPunct="1">
+                        <a:lnSpc>
+                          <a:spcPct val="100000"/>
+                        </a:lnSpc>
+                        <a:spcBef>
+                          <a:spcPts val="0"/>
+                        </a:spcBef>
+                        <a:spcAft>
+                          <a:spcPts val="0"/>
+                        </a:spcAft>
+                        <a:buClrTx/>
+                        <a:buSzTx/>
+                        <a:buFontTx/>
+                        <a:buNone/>
+                        <a:tabLst/>
+                        <a:defRPr/>
+                      </a:pPr>
+                      <a:r>
+                        <a:rPr lang="en-US" altLang="ko-KR" sz="1200" dirty="0"/>
+                        <a:t>-</a:t>
+                      </a:r>
+                      <a:endParaRPr lang="ko-KR" altLang="en-US" sz="1200" dirty="0"/>
+                    </a:p>
+                  </a:txBody>
+                  <a:tcPr/>
+                </a:tc>
+                <a:tc>
+                  <a:txBody>
+                    <a:bodyPr/>
+                    <a:lstStyle/>
+                    <a:p>
+                      <a:pPr latinLnBrk="1"/>
+                      <a:endParaRPr lang="ko-KR" altLang="en-US" sz="1200" dirty="0"/>
+                    </a:p>
+                  </a:txBody>
+                  <a:tcPr/>
+                </a:tc>
+                <a:extLst>
+                  <a:ext uri="{0D108BD9-81ED-4DB2-BD59-A6C34878D82A}">
+                    <a16:rowId xmlns:a16="http://schemas.microsoft.com/office/drawing/2014/main" val="4010232622"/>
+                  </a:ext>
+                </a:extLst>
+              </a:tr>
+              <a:tr h="220439">
+                <a:tc>
+                  <a:txBody>
+                    <a:bodyPr/>
+                    <a:lstStyle/>
+                    <a:p>
+                      <a:pPr marL="0" marR="0" lvl="0" indent="0" algn="l" defTabSz="914400" rtl="0" eaLnBrk="1" fontAlgn="auto" latinLnBrk="1" hangingPunct="1">
+                        <a:lnSpc>
+                          <a:spcPct val="100000"/>
+                        </a:lnSpc>
+                        <a:spcBef>
+                          <a:spcPts val="0"/>
+                        </a:spcBef>
+                        <a:spcAft>
+                          <a:spcPts val="0"/>
+                        </a:spcAft>
+                        <a:buClrTx/>
+                        <a:buSzTx/>
+                        <a:buFontTx/>
+                        <a:buNone/>
+                        <a:tabLst/>
+                        <a:defRPr/>
+                      </a:pPr>
+                      <a:r>
+                        <a:rPr lang="en-US" altLang="ko-KR" sz="1200" dirty="0"/>
+                        <a:t>Component</a:t>
+                      </a:r>
+                      <a:endParaRPr lang="ko-KR" altLang="en-US" sz="1200" dirty="0"/>
+                    </a:p>
+                  </a:txBody>
+                  <a:tcPr/>
+                </a:tc>
+                <a:tc>
+                  <a:txBody>
+                    <a:bodyPr/>
+                    <a:lstStyle/>
+                    <a:p>
+                      <a:pPr marL="0" marR="0" lvl="0" indent="0" algn="l" defTabSz="914400" rtl="0" eaLnBrk="1" fontAlgn="auto" latinLnBrk="1" hangingPunct="1">
+                        <a:lnSpc>
+                          <a:spcPct val="100000"/>
+                        </a:lnSpc>
+                        <a:spcBef>
+                          <a:spcPts val="0"/>
+                        </a:spcBef>
+                        <a:spcAft>
+                          <a:spcPts val="0"/>
+                        </a:spcAft>
+                        <a:buClrTx/>
+                        <a:buSzTx/>
+                        <a:buFontTx/>
+                        <a:buNone/>
+                        <a:tabLst/>
+                        <a:defRPr/>
+                      </a:pPr>
+                      <a:r>
+                        <a:rPr lang="en-US" altLang="ko-KR" sz="1200" dirty="0"/>
+                        <a:t>-</a:t>
+                      </a:r>
+                      <a:endParaRPr lang="ko-KR" altLang="en-US" sz="1200" dirty="0"/>
+                    </a:p>
+                  </a:txBody>
+                  <a:tcPr/>
+                </a:tc>
+                <a:tc>
+                  <a:txBody>
+                    <a:bodyPr/>
+                    <a:lstStyle/>
+                    <a:p>
+                      <a:pPr latinLnBrk="1"/>
+                      <a:endParaRPr lang="ko-KR" altLang="en-US" sz="1200" dirty="0"/>
+                    </a:p>
+                  </a:txBody>
+                  <a:tcPr/>
+                </a:tc>
+                <a:extLst>
+                  <a:ext uri="{0D108BD9-81ED-4DB2-BD59-A6C34878D82A}">
+                    <a16:rowId xmlns:a16="http://schemas.microsoft.com/office/drawing/2014/main" val="208916788"/>
+                  </a:ext>
+                </a:extLst>
+              </a:tr>
+              <a:tr h="220439">
+                <a:tc>
+                  <a:txBody>
+                    <a:bodyPr/>
+                    <a:lstStyle/>
+                    <a:p>
+                      <a:pPr marL="0" marR="0" lvl="0" indent="0" algn="l" defTabSz="914400" rtl="0" eaLnBrk="1" fontAlgn="auto" latinLnBrk="1" hangingPunct="1">
+                        <a:lnSpc>
+                          <a:spcPct val="100000"/>
+                        </a:lnSpc>
+                        <a:spcBef>
+                          <a:spcPts val="0"/>
+                        </a:spcBef>
+                        <a:spcAft>
+                          <a:spcPts val="0"/>
+                        </a:spcAft>
+                        <a:buClrTx/>
+                        <a:buSzTx/>
+                        <a:buFontTx/>
+                        <a:buNone/>
+                        <a:tabLst/>
+                        <a:defRPr/>
+                      </a:pPr>
+                      <a:r>
+                        <a:rPr lang="en-US" altLang="ko-KR" sz="1200" dirty="0"/>
+                        <a:t>Database</a:t>
+                      </a:r>
+                      <a:endParaRPr lang="ko-KR" altLang="en-US" sz="1200" dirty="0"/>
+                    </a:p>
+                  </a:txBody>
+                  <a:tcPr/>
+                </a:tc>
+                <a:tc>
+                  <a:txBody>
+                    <a:bodyPr/>
+                    <a:lstStyle/>
+                    <a:p>
+                      <a:pPr marL="0" marR="0" lvl="0" indent="0" algn="l" defTabSz="914400" rtl="0" eaLnBrk="1" fontAlgn="auto" latinLnBrk="1" hangingPunct="1">
+                        <a:lnSpc>
+                          <a:spcPct val="100000"/>
+                        </a:lnSpc>
+                        <a:spcBef>
+                          <a:spcPts val="0"/>
+                        </a:spcBef>
+                        <a:spcAft>
+                          <a:spcPts val="0"/>
+                        </a:spcAft>
+                        <a:buClrTx/>
+                        <a:buSzTx/>
+                        <a:buFontTx/>
+                        <a:buNone/>
+                        <a:tabLst/>
+                        <a:defRPr/>
+                      </a:pPr>
+                      <a:r>
+                        <a:rPr lang="en-US" altLang="ko-KR" sz="1200" dirty="0"/>
+                        <a:t>-</a:t>
+                      </a:r>
+                      <a:endParaRPr lang="ko-KR" altLang="en-US" sz="1200" dirty="0"/>
+                    </a:p>
+                  </a:txBody>
+                  <a:tcPr/>
+                </a:tc>
+                <a:tc>
+                  <a:txBody>
+                    <a:bodyPr/>
+                    <a:lstStyle/>
+                    <a:p>
+                      <a:pPr latinLnBrk="1"/>
+                      <a:endParaRPr lang="ko-KR" altLang="en-US" sz="1200" dirty="0"/>
+                    </a:p>
+                  </a:txBody>
+                  <a:tcPr/>
+                </a:tc>
+                <a:extLst>
+                  <a:ext uri="{0D108BD9-81ED-4DB2-BD59-A6C34878D82A}">
+                    <a16:rowId xmlns:a16="http://schemas.microsoft.com/office/drawing/2014/main" val="3914070538"/>
+                  </a:ext>
+                </a:extLst>
+              </a:tr>
+              <a:tr h="220439">
+                <a:tc>
+                  <a:txBody>
+                    <a:bodyPr/>
+                    <a:lstStyle/>
+                    <a:p>
+                      <a:pPr marL="0" marR="0" lvl="0" indent="0" algn="l" defTabSz="914400" rtl="0" eaLnBrk="1" fontAlgn="auto" latinLnBrk="1" hangingPunct="1">
+                        <a:lnSpc>
+                          <a:spcPct val="100000"/>
+                        </a:lnSpc>
+                        <a:spcBef>
+                          <a:spcPts val="0"/>
+                        </a:spcBef>
+                        <a:spcAft>
+                          <a:spcPts val="0"/>
+                        </a:spcAft>
+                        <a:buClrTx/>
+                        <a:buSzTx/>
+                        <a:buFontTx/>
+                        <a:buNone/>
+                        <a:tabLst/>
+                        <a:defRPr/>
+                      </a:pPr>
+                      <a:r>
+                        <a:rPr lang="en-US" altLang="ko-KR" sz="1200" dirty="0"/>
+                        <a:t>Cloud</a:t>
+                      </a:r>
+                      <a:endParaRPr lang="ko-KR" altLang="en-US" sz="1200" dirty="0"/>
+                    </a:p>
+                  </a:txBody>
+                  <a:tcPr/>
+                </a:tc>
+                <a:tc>
+                  <a:txBody>
+                    <a:bodyPr/>
+                    <a:lstStyle/>
+                    <a:p>
+                      <a:pPr marL="0" marR="0" lvl="0" indent="0" algn="l" defTabSz="914400" rtl="0" eaLnBrk="1" fontAlgn="auto" latinLnBrk="1" hangingPunct="1">
+                        <a:lnSpc>
+                          <a:spcPct val="100000"/>
+                        </a:lnSpc>
+                        <a:spcBef>
+                          <a:spcPts val="0"/>
+                        </a:spcBef>
+                        <a:spcAft>
+                          <a:spcPts val="0"/>
+                        </a:spcAft>
+                        <a:buClrTx/>
+                        <a:buSzTx/>
+                        <a:buFontTx/>
+                        <a:buNone/>
+                        <a:tabLst/>
+                        <a:defRPr/>
+                      </a:pPr>
+                      <a:r>
+                        <a:rPr lang="en-US" altLang="ko-KR" sz="1200" dirty="0"/>
+                        <a:t>-</a:t>
+                      </a:r>
+                      <a:endParaRPr lang="ko-KR" altLang="en-US" sz="1200" dirty="0"/>
+                    </a:p>
+                  </a:txBody>
+                  <a:tcPr/>
+                </a:tc>
+                <a:tc>
+                  <a:txBody>
+                    <a:bodyPr/>
+                    <a:lstStyle/>
+                    <a:p>
+                      <a:pPr latinLnBrk="1"/>
+                      <a:endParaRPr lang="ko-KR" altLang="en-US" sz="1200" dirty="0"/>
+                    </a:p>
+                  </a:txBody>
+                  <a:tcPr/>
+                </a:tc>
+                <a:extLst>
+                  <a:ext uri="{0D108BD9-81ED-4DB2-BD59-A6C34878D82A}">
+                    <a16:rowId xmlns:a16="http://schemas.microsoft.com/office/drawing/2014/main" val="4240009480"/>
+                  </a:ext>
+                </a:extLst>
+              </a:tr>
+              <a:tr h="220439">
+                <a:tc>
+                  <a:txBody>
+                    <a:bodyPr/>
+                    <a:lstStyle/>
+                    <a:p>
+                      <a:pPr marL="0" marR="0" lvl="0" indent="0" algn="l" defTabSz="914400" rtl="0" eaLnBrk="1" fontAlgn="auto" latinLnBrk="1" hangingPunct="1">
+                        <a:lnSpc>
+                          <a:spcPct val="100000"/>
+                        </a:lnSpc>
+                        <a:spcBef>
+                          <a:spcPts val="0"/>
+                        </a:spcBef>
+                        <a:spcAft>
+                          <a:spcPts val="0"/>
+                        </a:spcAft>
+                        <a:buClrTx/>
+                        <a:buSzTx/>
+                        <a:buFontTx/>
+                        <a:buNone/>
+                        <a:tabLst/>
+                        <a:defRPr/>
+                      </a:pPr>
+                      <a:r>
+                        <a:rPr lang="en-US" altLang="ko-KR" sz="1200" dirty="0"/>
+                        <a:t>Server</a:t>
+                      </a:r>
+                      <a:endParaRPr lang="ko-KR" altLang="en-US" sz="1200" dirty="0"/>
+                    </a:p>
+                  </a:txBody>
+                  <a:tcPr/>
+                </a:tc>
+                <a:tc>
+                  <a:txBody>
+                    <a:bodyPr/>
+                    <a:lstStyle/>
+                    <a:p>
+                      <a:pPr marL="0" marR="0" lvl="0" indent="0" algn="l" defTabSz="914400" rtl="0" eaLnBrk="1" fontAlgn="auto" latinLnBrk="1" hangingPunct="1">
+                        <a:lnSpc>
+                          <a:spcPct val="100000"/>
+                        </a:lnSpc>
+                        <a:spcBef>
+                          <a:spcPts val="0"/>
+                        </a:spcBef>
+                        <a:spcAft>
+                          <a:spcPts val="0"/>
+                        </a:spcAft>
+                        <a:buClrTx/>
+                        <a:buSzTx/>
+                        <a:buFontTx/>
+                        <a:buNone/>
+                        <a:tabLst/>
+                        <a:defRPr/>
+                      </a:pPr>
+                      <a:r>
+                        <a:rPr lang="en-US" altLang="ko-KR" sz="1200" dirty="0"/>
+                        <a:t>-</a:t>
+                      </a:r>
+                      <a:endParaRPr lang="ko-KR" altLang="en-US" sz="1200" dirty="0"/>
+                    </a:p>
+                  </a:txBody>
+                  <a:tcPr/>
+                </a:tc>
+                <a:tc>
+                  <a:txBody>
+                    <a:bodyPr/>
+                    <a:lstStyle/>
+                    <a:p>
+                      <a:pPr latinLnBrk="1"/>
+                      <a:endParaRPr lang="ko-KR" altLang="en-US" sz="1200" dirty="0"/>
+                    </a:p>
+                  </a:txBody>
+                  <a:tcPr/>
+                </a:tc>
+                <a:extLst>
+                  <a:ext uri="{0D108BD9-81ED-4DB2-BD59-A6C34878D82A}">
+                    <a16:rowId xmlns:a16="http://schemas.microsoft.com/office/drawing/2014/main" val="6999447"/>
+                  </a:ext>
+                </a:extLst>
+              </a:tr>
+              <a:tr h="220439">
+                <a:tc>
+                  <a:txBody>
+                    <a:bodyPr/>
+                    <a:lstStyle/>
+                    <a:p>
+                      <a:pPr marL="0" marR="0" lvl="0" indent="0" algn="l" defTabSz="914400" rtl="0" eaLnBrk="1" fontAlgn="auto" latinLnBrk="1" hangingPunct="1">
+                        <a:lnSpc>
+                          <a:spcPct val="100000"/>
+                        </a:lnSpc>
+                        <a:spcBef>
+                          <a:spcPts val="0"/>
+                        </a:spcBef>
+                        <a:spcAft>
+                          <a:spcPts val="0"/>
+                        </a:spcAft>
+                        <a:buClrTx/>
+                        <a:buSzTx/>
+                        <a:buFontTx/>
+                        <a:buNone/>
+                        <a:tabLst/>
+                        <a:defRPr/>
+                      </a:pPr>
+                      <a:r>
+                        <a:rPr lang="en-US" altLang="ko-KR" sz="1200" dirty="0"/>
+                        <a:t>Process</a:t>
+                      </a:r>
+                      <a:endParaRPr lang="ko-KR" altLang="en-US" sz="1200" dirty="0"/>
+                    </a:p>
+                  </a:txBody>
+                  <a:tcPr/>
+                </a:tc>
+                <a:tc>
+                  <a:txBody>
+                    <a:bodyPr/>
+                    <a:lstStyle/>
+                    <a:p>
+                      <a:pPr marL="0" marR="0" lvl="0" indent="0" algn="l" defTabSz="914400" rtl="0" eaLnBrk="1" fontAlgn="auto" latinLnBrk="1" hangingPunct="1">
+                        <a:lnSpc>
+                          <a:spcPct val="100000"/>
+                        </a:lnSpc>
+                        <a:spcBef>
+                          <a:spcPts val="0"/>
+                        </a:spcBef>
+                        <a:spcAft>
+                          <a:spcPts val="0"/>
+                        </a:spcAft>
+                        <a:buClrTx/>
+                        <a:buSzTx/>
+                        <a:buFontTx/>
+                        <a:buNone/>
+                        <a:tabLst/>
+                        <a:defRPr/>
+                      </a:pPr>
+                      <a:r>
+                        <a:rPr lang="en-US" altLang="ko-KR" sz="1200" dirty="0"/>
+                        <a:t>-</a:t>
+                      </a:r>
+                      <a:endParaRPr lang="ko-KR" altLang="en-US" sz="1200" dirty="0"/>
+                    </a:p>
+                  </a:txBody>
+                  <a:tcPr/>
+                </a:tc>
+                <a:tc>
+                  <a:txBody>
+                    <a:bodyPr/>
+                    <a:lstStyle/>
+                    <a:p>
+                      <a:pPr latinLnBrk="1"/>
+                      <a:endParaRPr lang="ko-KR" altLang="en-US" sz="1200" dirty="0"/>
+                    </a:p>
+                  </a:txBody>
+                  <a:tcPr/>
+                </a:tc>
+                <a:extLst>
+                  <a:ext uri="{0D108BD9-81ED-4DB2-BD59-A6C34878D82A}">
+                    <a16:rowId xmlns:a16="http://schemas.microsoft.com/office/drawing/2014/main" val="3952637699"/>
+                  </a:ext>
+                </a:extLst>
+              </a:tr>
+              <a:tr h="220439">
+                <a:tc>
+                  <a:txBody>
+                    <a:bodyPr/>
+                    <a:lstStyle/>
+                    <a:p>
+                      <a:pPr marL="0" marR="0" lvl="0" indent="0" algn="l" defTabSz="914400" rtl="0" eaLnBrk="1" fontAlgn="auto" latinLnBrk="1" hangingPunct="1">
+                        <a:lnSpc>
+                          <a:spcPct val="100000"/>
+                        </a:lnSpc>
+                        <a:spcBef>
+                          <a:spcPts val="0"/>
+                        </a:spcBef>
+                        <a:spcAft>
+                          <a:spcPts val="0"/>
+                        </a:spcAft>
+                        <a:buClrTx/>
+                        <a:buSzTx/>
+                        <a:buFontTx/>
+                        <a:buNone/>
+                        <a:tabLst/>
+                        <a:defRPr/>
+                      </a:pPr>
+                      <a:r>
+                        <a:rPr lang="en-US" altLang="ko-KR" sz="1200" dirty="0"/>
+                        <a:t>Thread</a:t>
+                      </a:r>
+                      <a:endParaRPr lang="ko-KR" altLang="en-US" sz="1200" dirty="0"/>
+                    </a:p>
+                  </a:txBody>
+                  <a:tcPr/>
+                </a:tc>
+                <a:tc>
+                  <a:txBody>
+                    <a:bodyPr/>
+                    <a:lstStyle/>
+                    <a:p>
+                      <a:pPr marL="0" marR="0" lvl="0" indent="0" algn="l" defTabSz="914400" rtl="0" eaLnBrk="1" fontAlgn="auto" latinLnBrk="1" hangingPunct="1">
+                        <a:lnSpc>
+                          <a:spcPct val="100000"/>
+                        </a:lnSpc>
+                        <a:spcBef>
+                          <a:spcPts val="0"/>
+                        </a:spcBef>
+                        <a:spcAft>
+                          <a:spcPts val="0"/>
+                        </a:spcAft>
+                        <a:buClrTx/>
+                        <a:buSzTx/>
+                        <a:buFontTx/>
+                        <a:buNone/>
+                        <a:tabLst/>
+                        <a:defRPr/>
+                      </a:pPr>
+                      <a:r>
+                        <a:rPr lang="en-US" altLang="ko-KR" sz="1200" dirty="0"/>
+                        <a:t>-</a:t>
+                      </a:r>
+                      <a:endParaRPr lang="ko-KR" altLang="en-US" sz="1200" dirty="0"/>
+                    </a:p>
+                  </a:txBody>
+                  <a:tcPr/>
+                </a:tc>
+                <a:tc>
+                  <a:txBody>
+                    <a:bodyPr/>
+                    <a:lstStyle/>
+                    <a:p>
+                      <a:pPr latinLnBrk="1"/>
+                      <a:endParaRPr lang="ko-KR" altLang="en-US" sz="1200" dirty="0"/>
+                    </a:p>
+                  </a:txBody>
+                  <a:tcPr/>
+                </a:tc>
+                <a:extLst>
+                  <a:ext uri="{0D108BD9-81ED-4DB2-BD59-A6C34878D82A}">
+                    <a16:rowId xmlns:a16="http://schemas.microsoft.com/office/drawing/2014/main" val="2597589460"/>
                   </a:ext>
                 </a:extLst>
               </a:tr>
@@ -25633,6 +27220,1056 @@
     <p:extLst>
       <p:ext uri="{BB962C8B-B14F-4D97-AF65-F5344CB8AC3E}">
         <p14:creationId xmlns:p14="http://schemas.microsoft.com/office/powerpoint/2010/main" val="3157639908"/>
+      </p:ext>
+    </p:extLst>
+  </p:cSld>
+  <p:clrMapOvr>
+    <a:masterClrMapping/>
+  </p:clrMapOvr>
+</p:sld>
+</file>
+
+<file path=ppt/slides/slide24.xml><?xml version="1.0" encoding="utf-8"?>
+<p:sld xmlns:a="http://schemas.openxmlformats.org/drawingml/2006/main" xmlns:r="http://schemas.openxmlformats.org/officeDocument/2006/relationships" xmlns:p="http://schemas.openxmlformats.org/presentationml/2006/main">
+  <p:cSld>
+    <p:spTree>
+      <p:nvGrpSpPr>
+        <p:cNvPr id="1" name=""/>
+        <p:cNvGrpSpPr/>
+        <p:nvPr/>
+      </p:nvGrpSpPr>
+      <p:grpSpPr>
+        <a:xfrm>
+          <a:off x="0" y="0"/>
+          <a:ext cx="0" cy="0"/>
+          <a:chOff x="0" y="0"/>
+          <a:chExt cx="0" cy="0"/>
+        </a:xfrm>
+      </p:grpSpPr>
+      <p:pic>
+        <p:nvPicPr>
+          <p:cNvPr id="5" name="그림 4">
+            <a:extLst>
+              <a:ext uri="{FF2B5EF4-FFF2-40B4-BE49-F238E27FC236}">
+                <a16:creationId xmlns:a16="http://schemas.microsoft.com/office/drawing/2014/main" id="{E6DA1242-2C44-4BD3-8E9B-4116D2B213D9}"/>
+              </a:ext>
+            </a:extLst>
+          </p:cNvPr>
+          <p:cNvPicPr>
+            <a:picLocks noChangeAspect="1"/>
+          </p:cNvPicPr>
+          <p:nvPr/>
+        </p:nvPicPr>
+        <p:blipFill>
+          <a:blip r:embed="rId2"/>
+          <a:stretch>
+            <a:fillRect/>
+          </a:stretch>
+        </p:blipFill>
+        <p:spPr>
+          <a:xfrm>
+            <a:off x="83663" y="2385448"/>
+            <a:ext cx="2562583" cy="1895740"/>
+          </a:xfrm>
+          <a:prstGeom prst="rect">
+            <a:avLst/>
+          </a:prstGeom>
+        </p:spPr>
+      </p:pic>
+      <p:sp>
+        <p:nvSpPr>
+          <p:cNvPr id="9" name="TextBox 8">
+            <a:extLst>
+              <a:ext uri="{FF2B5EF4-FFF2-40B4-BE49-F238E27FC236}">
+                <a16:creationId xmlns:a16="http://schemas.microsoft.com/office/drawing/2014/main" id="{9E05F829-BE81-4A2D-B684-720D9D739BD0}"/>
+              </a:ext>
+            </a:extLst>
+          </p:cNvPr>
+          <p:cNvSpPr txBox="1"/>
+          <p:nvPr/>
+        </p:nvSpPr>
+        <p:spPr>
+          <a:xfrm>
+            <a:off x="3108937" y="1380791"/>
+            <a:ext cx="4105835" cy="1600438"/>
+          </a:xfrm>
+          <a:prstGeom prst="rect">
+            <a:avLst/>
+          </a:prstGeom>
+          <a:solidFill>
+            <a:schemeClr val="tx1"/>
+          </a:solidFill>
+        </p:spPr>
+        <p:txBody>
+          <a:bodyPr wrap="square">
+            <a:spAutoFit/>
+          </a:bodyPr>
+          <a:lstStyle/>
+          <a:p>
+            <a:r>
+              <a:rPr lang="en-US" altLang="ko-KR" sz="1400" dirty="0">
+                <a:solidFill>
+                  <a:schemeClr val="bg1"/>
+                </a:solidFill>
+              </a:rPr>
+              <a:t>package </a:t>
+            </a:r>
+            <a:r>
+              <a:rPr lang="en-US" altLang="ko-KR" sz="1400" dirty="0" err="1">
+                <a:solidFill>
+                  <a:schemeClr val="bg1"/>
+                </a:solidFill>
+              </a:rPr>
+              <a:t>com.samsung.adlframework.view</a:t>
+            </a:r>
+            <a:r>
+              <a:rPr lang="en-US" altLang="ko-KR" sz="1400" dirty="0">
+                <a:solidFill>
+                  <a:schemeClr val="bg1"/>
+                </a:solidFill>
+              </a:rPr>
+              <a:t>;</a:t>
+            </a:r>
+          </a:p>
+          <a:p>
+            <a:endParaRPr lang="en-US" altLang="ko-KR" sz="1400" dirty="0">
+              <a:solidFill>
+                <a:schemeClr val="bg1"/>
+              </a:solidFill>
+            </a:endParaRPr>
+          </a:p>
+          <a:p>
+            <a:r>
+              <a:rPr lang="en-US" altLang="ko-KR" sz="1400" dirty="0">
+                <a:solidFill>
+                  <a:schemeClr val="bg1"/>
+                </a:solidFill>
+              </a:rPr>
+              <a:t>import </a:t>
+            </a:r>
+            <a:r>
+              <a:rPr lang="en-US" altLang="ko-KR" sz="1400" dirty="0" err="1">
+                <a:solidFill>
+                  <a:schemeClr val="bg1"/>
+                </a:solidFill>
+              </a:rPr>
+              <a:t>android.app.Activity</a:t>
+            </a:r>
+            <a:r>
+              <a:rPr lang="en-US" altLang="ko-KR" sz="1400" dirty="0">
+                <a:solidFill>
+                  <a:schemeClr val="bg1"/>
+                </a:solidFill>
+              </a:rPr>
+              <a:t>;</a:t>
+            </a:r>
+          </a:p>
+          <a:p>
+            <a:endParaRPr lang="en-US" altLang="ko-KR" sz="1400" dirty="0">
+              <a:solidFill>
+                <a:schemeClr val="bg1"/>
+              </a:solidFill>
+            </a:endParaRPr>
+          </a:p>
+          <a:p>
+            <a:r>
+              <a:rPr lang="en-US" altLang="ko-KR" sz="1400" dirty="0">
+                <a:solidFill>
+                  <a:schemeClr val="bg1"/>
+                </a:solidFill>
+              </a:rPr>
+              <a:t>public class </a:t>
+            </a:r>
+            <a:r>
+              <a:rPr lang="en-US" altLang="ko-KR" sz="1400" dirty="0" err="1">
+                <a:solidFill>
+                  <a:schemeClr val="bg1"/>
+                </a:solidFill>
+              </a:rPr>
+              <a:t>MyActivity</a:t>
+            </a:r>
+            <a:r>
+              <a:rPr lang="en-US" altLang="ko-KR" sz="1400" dirty="0">
+                <a:solidFill>
+                  <a:schemeClr val="bg1"/>
+                </a:solidFill>
+              </a:rPr>
+              <a:t> </a:t>
+            </a:r>
+            <a:r>
+              <a:rPr lang="en-US" altLang="ko-KR" sz="1400" dirty="0">
+                <a:solidFill>
+                  <a:srgbClr val="FF0000"/>
+                </a:solidFill>
+              </a:rPr>
+              <a:t>extends Activity</a:t>
+            </a:r>
+            <a:r>
+              <a:rPr lang="en-US" altLang="ko-KR" sz="1400" dirty="0">
+                <a:solidFill>
+                  <a:schemeClr val="bg1"/>
+                </a:solidFill>
+              </a:rPr>
+              <a:t> {</a:t>
+            </a:r>
+          </a:p>
+          <a:p>
+            <a:r>
+              <a:rPr lang="en-US" altLang="ko-KR" sz="1400" dirty="0">
+                <a:solidFill>
+                  <a:schemeClr val="bg1"/>
+                </a:solidFill>
+              </a:rPr>
+              <a:t>    </a:t>
+            </a:r>
+            <a:r>
+              <a:rPr lang="en-US" altLang="ko-KR" sz="1400" dirty="0" err="1">
+                <a:solidFill>
+                  <a:srgbClr val="FF0000"/>
+                </a:solidFill>
+              </a:rPr>
+              <a:t>MyFragment</a:t>
+            </a:r>
+            <a:r>
+              <a:rPr lang="en-US" altLang="ko-KR" sz="1400" dirty="0">
+                <a:solidFill>
+                  <a:srgbClr val="FF0000"/>
+                </a:solidFill>
+              </a:rPr>
+              <a:t> </a:t>
+            </a:r>
+            <a:r>
+              <a:rPr lang="en-US" altLang="ko-KR" sz="1400" dirty="0" err="1">
+                <a:solidFill>
+                  <a:srgbClr val="FF0000"/>
+                </a:solidFill>
+              </a:rPr>
+              <a:t>mMyFragment</a:t>
+            </a:r>
+            <a:r>
+              <a:rPr lang="en-US" altLang="ko-KR" sz="1400" dirty="0">
+                <a:solidFill>
+                  <a:srgbClr val="FF0000"/>
+                </a:solidFill>
+              </a:rPr>
+              <a:t>;</a:t>
+            </a:r>
+          </a:p>
+          <a:p>
+            <a:r>
+              <a:rPr lang="en-US" altLang="ko-KR" sz="1400" dirty="0">
+                <a:solidFill>
+                  <a:schemeClr val="bg1"/>
+                </a:solidFill>
+              </a:rPr>
+              <a:t>}</a:t>
+            </a:r>
+          </a:p>
+        </p:txBody>
+      </p:sp>
+      <p:sp>
+        <p:nvSpPr>
+          <p:cNvPr id="10" name="TextBox 9">
+            <a:extLst>
+              <a:ext uri="{FF2B5EF4-FFF2-40B4-BE49-F238E27FC236}">
+                <a16:creationId xmlns:a16="http://schemas.microsoft.com/office/drawing/2014/main" id="{553BA5F3-740C-42E9-A604-93702E77A41F}"/>
+              </a:ext>
+            </a:extLst>
+          </p:cNvPr>
+          <p:cNvSpPr txBox="1"/>
+          <p:nvPr/>
+        </p:nvSpPr>
+        <p:spPr>
+          <a:xfrm>
+            <a:off x="3108937" y="1029388"/>
+            <a:ext cx="1376211" cy="307777"/>
+          </a:xfrm>
+          <a:prstGeom prst="rect">
+            <a:avLst/>
+          </a:prstGeom>
+          <a:noFill/>
+        </p:spPr>
+        <p:txBody>
+          <a:bodyPr wrap="none" rtlCol="0">
+            <a:spAutoFit/>
+          </a:bodyPr>
+          <a:lstStyle/>
+          <a:p>
+            <a:r>
+              <a:rPr lang="en-US" altLang="ko-KR" sz="1400" dirty="0"/>
+              <a:t>MyActivity.java</a:t>
+            </a:r>
+            <a:endParaRPr lang="ko-KR" altLang="en-US" sz="1400" dirty="0"/>
+          </a:p>
+        </p:txBody>
+      </p:sp>
+      <p:sp>
+        <p:nvSpPr>
+          <p:cNvPr id="12" name="TextBox 11">
+            <a:extLst>
+              <a:ext uri="{FF2B5EF4-FFF2-40B4-BE49-F238E27FC236}">
+                <a16:creationId xmlns:a16="http://schemas.microsoft.com/office/drawing/2014/main" id="{64520538-BAF1-4E4E-BFBB-D45E68268544}"/>
+              </a:ext>
+            </a:extLst>
+          </p:cNvPr>
+          <p:cNvSpPr txBox="1"/>
+          <p:nvPr/>
+        </p:nvSpPr>
+        <p:spPr>
+          <a:xfrm>
+            <a:off x="3108937" y="3829761"/>
+            <a:ext cx="4105835" cy="1600438"/>
+          </a:xfrm>
+          <a:prstGeom prst="rect">
+            <a:avLst/>
+          </a:prstGeom>
+          <a:solidFill>
+            <a:schemeClr val="tx1"/>
+          </a:solidFill>
+        </p:spPr>
+        <p:txBody>
+          <a:bodyPr wrap="square">
+            <a:spAutoFit/>
+          </a:bodyPr>
+          <a:lstStyle/>
+          <a:p>
+            <a:r>
+              <a:rPr lang="ko-KR" altLang="en-US" sz="1400" dirty="0" err="1">
+                <a:solidFill>
+                  <a:schemeClr val="bg1"/>
+                </a:solidFill>
+              </a:rPr>
+              <a:t>package</a:t>
+            </a:r>
+            <a:r>
+              <a:rPr lang="ko-KR" altLang="en-US" sz="1400" dirty="0">
+                <a:solidFill>
+                  <a:schemeClr val="bg1"/>
+                </a:solidFill>
+              </a:rPr>
+              <a:t> </a:t>
+            </a:r>
+            <a:r>
+              <a:rPr lang="ko-KR" altLang="en-US" sz="1400" dirty="0" err="1">
+                <a:solidFill>
+                  <a:schemeClr val="bg1"/>
+                </a:solidFill>
+              </a:rPr>
+              <a:t>com.samsung.adlframework.view</a:t>
+            </a:r>
+            <a:r>
+              <a:rPr lang="ko-KR" altLang="en-US" sz="1400" dirty="0">
+                <a:solidFill>
+                  <a:schemeClr val="bg1"/>
+                </a:solidFill>
+              </a:rPr>
+              <a:t>;</a:t>
+            </a:r>
+          </a:p>
+          <a:p>
+            <a:endParaRPr lang="ko-KR" altLang="en-US" sz="1400" dirty="0">
+              <a:solidFill>
+                <a:schemeClr val="bg1"/>
+              </a:solidFill>
+            </a:endParaRPr>
+          </a:p>
+          <a:p>
+            <a:r>
+              <a:rPr lang="ko-KR" altLang="en-US" sz="1400" dirty="0" err="1">
+                <a:solidFill>
+                  <a:schemeClr val="bg1"/>
+                </a:solidFill>
+              </a:rPr>
+              <a:t>import</a:t>
+            </a:r>
+            <a:r>
+              <a:rPr lang="ko-KR" altLang="en-US" sz="1400" dirty="0">
+                <a:solidFill>
+                  <a:schemeClr val="bg1"/>
+                </a:solidFill>
+              </a:rPr>
+              <a:t> android.support.v4.app.Fragment;</a:t>
+            </a:r>
+          </a:p>
+          <a:p>
+            <a:endParaRPr lang="ko-KR" altLang="en-US" sz="1400" dirty="0">
+              <a:solidFill>
+                <a:schemeClr val="bg1"/>
+              </a:solidFill>
+            </a:endParaRPr>
+          </a:p>
+          <a:p>
+            <a:r>
+              <a:rPr lang="ko-KR" altLang="en-US" sz="1400" dirty="0" err="1">
+                <a:solidFill>
+                  <a:schemeClr val="bg1"/>
+                </a:solidFill>
+              </a:rPr>
+              <a:t>public</a:t>
+            </a:r>
+            <a:r>
+              <a:rPr lang="ko-KR" altLang="en-US" sz="1400" dirty="0">
+                <a:solidFill>
+                  <a:schemeClr val="bg1"/>
+                </a:solidFill>
+              </a:rPr>
+              <a:t> </a:t>
+            </a:r>
+            <a:r>
+              <a:rPr lang="ko-KR" altLang="en-US" sz="1400" dirty="0" err="1">
+                <a:solidFill>
+                  <a:schemeClr val="bg1"/>
+                </a:solidFill>
+              </a:rPr>
+              <a:t>class</a:t>
+            </a:r>
+            <a:r>
+              <a:rPr lang="ko-KR" altLang="en-US" sz="1400" dirty="0">
+                <a:solidFill>
+                  <a:schemeClr val="bg1"/>
+                </a:solidFill>
+              </a:rPr>
+              <a:t> </a:t>
+            </a:r>
+            <a:r>
+              <a:rPr lang="ko-KR" altLang="en-US" sz="1400" dirty="0" err="1">
+                <a:solidFill>
+                  <a:schemeClr val="bg1"/>
+                </a:solidFill>
+              </a:rPr>
+              <a:t>MyFragment</a:t>
+            </a:r>
+            <a:r>
+              <a:rPr lang="ko-KR" altLang="en-US" sz="1400" dirty="0">
+                <a:solidFill>
+                  <a:schemeClr val="bg1"/>
+                </a:solidFill>
+              </a:rPr>
+              <a:t> </a:t>
+            </a:r>
+            <a:r>
+              <a:rPr lang="ko-KR" altLang="en-US" sz="1400" dirty="0" err="1">
+                <a:solidFill>
+                  <a:srgbClr val="FF0000"/>
+                </a:solidFill>
+              </a:rPr>
+              <a:t>extends</a:t>
+            </a:r>
+            <a:r>
+              <a:rPr lang="ko-KR" altLang="en-US" sz="1400" dirty="0">
+                <a:solidFill>
+                  <a:srgbClr val="FF0000"/>
+                </a:solidFill>
+              </a:rPr>
+              <a:t> </a:t>
+            </a:r>
+            <a:r>
+              <a:rPr lang="ko-KR" altLang="en-US" sz="1400" dirty="0" err="1">
+                <a:solidFill>
+                  <a:srgbClr val="FF0000"/>
+                </a:solidFill>
+              </a:rPr>
+              <a:t>Fragment</a:t>
+            </a:r>
+            <a:r>
+              <a:rPr lang="ko-KR" altLang="en-US" sz="1400" dirty="0">
+                <a:solidFill>
+                  <a:srgbClr val="FF0000"/>
+                </a:solidFill>
+              </a:rPr>
+              <a:t> </a:t>
+            </a:r>
+            <a:r>
+              <a:rPr lang="ko-KR" altLang="en-US" sz="1400" dirty="0">
+                <a:solidFill>
+                  <a:schemeClr val="bg1"/>
+                </a:solidFill>
+              </a:rPr>
+              <a:t>{</a:t>
+            </a:r>
+          </a:p>
+          <a:p>
+            <a:endParaRPr lang="ko-KR" altLang="en-US" sz="1400" dirty="0">
+              <a:solidFill>
+                <a:schemeClr val="bg1"/>
+              </a:solidFill>
+            </a:endParaRPr>
+          </a:p>
+          <a:p>
+            <a:r>
+              <a:rPr lang="ko-KR" altLang="en-US" sz="1400" dirty="0">
+                <a:solidFill>
+                  <a:schemeClr val="bg1"/>
+                </a:solidFill>
+              </a:rPr>
+              <a:t>}</a:t>
+            </a:r>
+          </a:p>
+        </p:txBody>
+      </p:sp>
+      <p:sp>
+        <p:nvSpPr>
+          <p:cNvPr id="13" name="TextBox 12">
+            <a:extLst>
+              <a:ext uri="{FF2B5EF4-FFF2-40B4-BE49-F238E27FC236}">
+                <a16:creationId xmlns:a16="http://schemas.microsoft.com/office/drawing/2014/main" id="{3B4E61FE-C0B3-4E74-BBAA-1FC158713267}"/>
+              </a:ext>
+            </a:extLst>
+          </p:cNvPr>
+          <p:cNvSpPr txBox="1"/>
+          <p:nvPr/>
+        </p:nvSpPr>
+        <p:spPr>
+          <a:xfrm>
+            <a:off x="3108937" y="3481237"/>
+            <a:ext cx="1569340" cy="307777"/>
+          </a:xfrm>
+          <a:prstGeom prst="rect">
+            <a:avLst/>
+          </a:prstGeom>
+          <a:noFill/>
+        </p:spPr>
+        <p:txBody>
+          <a:bodyPr wrap="none" rtlCol="0">
+            <a:spAutoFit/>
+          </a:bodyPr>
+          <a:lstStyle/>
+          <a:p>
+            <a:r>
+              <a:rPr lang="en-US" altLang="ko-KR" sz="1400" dirty="0"/>
+              <a:t>MyFragment.java</a:t>
+            </a:r>
+            <a:endParaRPr lang="ko-KR" altLang="en-US" sz="1400" dirty="0"/>
+          </a:p>
+        </p:txBody>
+      </p:sp>
+      <p:sp>
+        <p:nvSpPr>
+          <p:cNvPr id="14" name="TextBox 13">
+            <a:extLst>
+              <a:ext uri="{FF2B5EF4-FFF2-40B4-BE49-F238E27FC236}">
+                <a16:creationId xmlns:a16="http://schemas.microsoft.com/office/drawing/2014/main" id="{751FFBDF-4D55-4BC8-83D6-FEE53DC47229}"/>
+              </a:ext>
+            </a:extLst>
+          </p:cNvPr>
+          <p:cNvSpPr txBox="1"/>
+          <p:nvPr/>
+        </p:nvSpPr>
+        <p:spPr>
+          <a:xfrm>
+            <a:off x="7743690" y="1350012"/>
+            <a:ext cx="4105835" cy="1600438"/>
+          </a:xfrm>
+          <a:prstGeom prst="rect">
+            <a:avLst/>
+          </a:prstGeom>
+          <a:solidFill>
+            <a:schemeClr val="tx1"/>
+          </a:solidFill>
+        </p:spPr>
+        <p:txBody>
+          <a:bodyPr wrap="square">
+            <a:spAutoFit/>
+          </a:bodyPr>
+          <a:lstStyle/>
+          <a:p>
+            <a:r>
+              <a:rPr lang="en-US" altLang="ko-KR" sz="1400" dirty="0">
+                <a:solidFill>
+                  <a:schemeClr val="bg1"/>
+                </a:solidFill>
+              </a:rPr>
+              <a:t>package </a:t>
+            </a:r>
+            <a:r>
+              <a:rPr lang="en-US" altLang="ko-KR" sz="1400" dirty="0" err="1">
+                <a:solidFill>
+                  <a:schemeClr val="bg1"/>
+                </a:solidFill>
+              </a:rPr>
+              <a:t>com.samsung.adlframework.view</a:t>
+            </a:r>
+            <a:endParaRPr lang="en-US" altLang="ko-KR" sz="1400" dirty="0">
+              <a:solidFill>
+                <a:schemeClr val="bg1"/>
+              </a:solidFill>
+            </a:endParaRPr>
+          </a:p>
+          <a:p>
+            <a:endParaRPr lang="en-US" altLang="ko-KR" sz="1400" dirty="0">
+              <a:solidFill>
+                <a:schemeClr val="bg1"/>
+              </a:solidFill>
+            </a:endParaRPr>
+          </a:p>
+          <a:p>
+            <a:r>
+              <a:rPr lang="en-US" altLang="ko-KR" sz="1400" dirty="0">
+                <a:solidFill>
+                  <a:schemeClr val="bg1"/>
+                </a:solidFill>
+              </a:rPr>
+              <a:t>import </a:t>
+            </a:r>
+            <a:r>
+              <a:rPr lang="en-US" altLang="ko-KR" sz="1400" dirty="0" err="1">
+                <a:solidFill>
+                  <a:schemeClr val="bg1"/>
+                </a:solidFill>
+              </a:rPr>
+              <a:t>android.app.Activity</a:t>
+            </a:r>
+            <a:endParaRPr lang="en-US" altLang="ko-KR" sz="1400" dirty="0">
+              <a:solidFill>
+                <a:schemeClr val="bg1"/>
+              </a:solidFill>
+            </a:endParaRPr>
+          </a:p>
+          <a:p>
+            <a:endParaRPr lang="en-US" altLang="ko-KR" sz="1400" dirty="0">
+              <a:solidFill>
+                <a:schemeClr val="bg1"/>
+              </a:solidFill>
+            </a:endParaRPr>
+          </a:p>
+          <a:p>
+            <a:r>
+              <a:rPr lang="en-US" altLang="ko-KR" sz="1400" dirty="0">
+                <a:solidFill>
+                  <a:schemeClr val="bg1"/>
+                </a:solidFill>
+              </a:rPr>
+              <a:t>class </a:t>
+            </a:r>
+            <a:r>
+              <a:rPr lang="en-US" altLang="ko-KR" sz="1400" dirty="0" err="1">
+                <a:solidFill>
+                  <a:schemeClr val="bg1"/>
+                </a:solidFill>
+              </a:rPr>
+              <a:t>MyActivity</a:t>
+            </a:r>
+            <a:r>
+              <a:rPr lang="en-US" altLang="ko-KR" sz="1400" dirty="0">
+                <a:solidFill>
+                  <a:schemeClr val="bg1"/>
+                </a:solidFill>
+              </a:rPr>
+              <a:t> </a:t>
+            </a:r>
+            <a:r>
+              <a:rPr lang="en-US" altLang="ko-KR" sz="1400" dirty="0">
+                <a:solidFill>
+                  <a:srgbClr val="FF0000"/>
+                </a:solidFill>
+              </a:rPr>
+              <a:t>: Activity() </a:t>
+            </a:r>
+            <a:r>
+              <a:rPr lang="en-US" altLang="ko-KR" sz="1400" dirty="0">
+                <a:solidFill>
+                  <a:schemeClr val="bg1"/>
+                </a:solidFill>
+              </a:rPr>
+              <a:t>{</a:t>
+            </a:r>
+          </a:p>
+          <a:p>
+            <a:r>
+              <a:rPr lang="en-US" altLang="ko-KR" sz="1400" dirty="0">
+                <a:solidFill>
+                  <a:schemeClr val="bg1"/>
+                </a:solidFill>
+              </a:rPr>
+              <a:t>    </a:t>
+            </a:r>
+            <a:r>
+              <a:rPr lang="en-US" altLang="ko-KR" sz="1400" dirty="0" err="1">
+                <a:solidFill>
+                  <a:srgbClr val="FF0000"/>
+                </a:solidFill>
+              </a:rPr>
+              <a:t>lateinit</a:t>
+            </a:r>
+            <a:r>
+              <a:rPr lang="en-US" altLang="ko-KR" sz="1400" dirty="0">
+                <a:solidFill>
+                  <a:srgbClr val="FF0000"/>
+                </a:solidFill>
+              </a:rPr>
+              <a:t> var </a:t>
+            </a:r>
+            <a:r>
+              <a:rPr lang="en-US" altLang="ko-KR" sz="1400" dirty="0" err="1">
+                <a:solidFill>
+                  <a:srgbClr val="FF0000"/>
+                </a:solidFill>
+              </a:rPr>
+              <a:t>myFragment</a:t>
+            </a:r>
+            <a:r>
+              <a:rPr lang="en-US" altLang="ko-KR" sz="1400" dirty="0">
+                <a:solidFill>
+                  <a:srgbClr val="FF0000"/>
+                </a:solidFill>
+              </a:rPr>
+              <a:t>: </a:t>
+            </a:r>
+            <a:r>
+              <a:rPr lang="en-US" altLang="ko-KR" sz="1400" dirty="0" err="1">
+                <a:solidFill>
+                  <a:srgbClr val="FF0000"/>
+                </a:solidFill>
+              </a:rPr>
+              <a:t>MyFragment</a:t>
+            </a:r>
+            <a:endParaRPr lang="en-US" altLang="ko-KR" sz="1400" dirty="0">
+              <a:solidFill>
+                <a:srgbClr val="FF0000"/>
+              </a:solidFill>
+            </a:endParaRPr>
+          </a:p>
+          <a:p>
+            <a:r>
+              <a:rPr lang="en-US" altLang="ko-KR" sz="1400" dirty="0">
+                <a:solidFill>
+                  <a:schemeClr val="bg1"/>
+                </a:solidFill>
+              </a:rPr>
+              <a:t>}</a:t>
+            </a:r>
+          </a:p>
+        </p:txBody>
+      </p:sp>
+      <p:sp>
+        <p:nvSpPr>
+          <p:cNvPr id="15" name="TextBox 14">
+            <a:extLst>
+              <a:ext uri="{FF2B5EF4-FFF2-40B4-BE49-F238E27FC236}">
+                <a16:creationId xmlns:a16="http://schemas.microsoft.com/office/drawing/2014/main" id="{A2431489-9559-4E70-9FCD-7B7FDEC7266C}"/>
+              </a:ext>
+            </a:extLst>
+          </p:cNvPr>
+          <p:cNvSpPr txBox="1"/>
+          <p:nvPr/>
+        </p:nvSpPr>
+        <p:spPr>
+          <a:xfrm>
+            <a:off x="7743690" y="998609"/>
+            <a:ext cx="1213153" cy="307777"/>
+          </a:xfrm>
+          <a:prstGeom prst="rect">
+            <a:avLst/>
+          </a:prstGeom>
+          <a:noFill/>
+        </p:spPr>
+        <p:txBody>
+          <a:bodyPr wrap="none" rtlCol="0">
+            <a:spAutoFit/>
+          </a:bodyPr>
+          <a:lstStyle/>
+          <a:p>
+            <a:r>
+              <a:rPr lang="en-US" altLang="ko-KR" sz="1400" dirty="0" err="1"/>
+              <a:t>MyActivity.kt</a:t>
+            </a:r>
+            <a:endParaRPr lang="ko-KR" altLang="en-US" sz="1400" dirty="0"/>
+          </a:p>
+        </p:txBody>
+      </p:sp>
+      <p:sp>
+        <p:nvSpPr>
+          <p:cNvPr id="16" name="TextBox 15">
+            <a:extLst>
+              <a:ext uri="{FF2B5EF4-FFF2-40B4-BE49-F238E27FC236}">
+                <a16:creationId xmlns:a16="http://schemas.microsoft.com/office/drawing/2014/main" id="{81DBF141-92E7-43AC-B0A5-32FBA83FC009}"/>
+              </a:ext>
+            </a:extLst>
+          </p:cNvPr>
+          <p:cNvSpPr txBox="1"/>
+          <p:nvPr/>
+        </p:nvSpPr>
+        <p:spPr>
+          <a:xfrm>
+            <a:off x="7743690" y="3798982"/>
+            <a:ext cx="4105835" cy="1600438"/>
+          </a:xfrm>
+          <a:prstGeom prst="rect">
+            <a:avLst/>
+          </a:prstGeom>
+          <a:solidFill>
+            <a:schemeClr val="tx1"/>
+          </a:solidFill>
+        </p:spPr>
+        <p:txBody>
+          <a:bodyPr wrap="square">
+            <a:spAutoFit/>
+          </a:bodyPr>
+          <a:lstStyle/>
+          <a:p>
+            <a:r>
+              <a:rPr lang="en-US" altLang="ko-KR" sz="1400" dirty="0">
+                <a:solidFill>
+                  <a:schemeClr val="bg1"/>
+                </a:solidFill>
+              </a:rPr>
+              <a:t>package </a:t>
+            </a:r>
+            <a:r>
+              <a:rPr lang="en-US" altLang="ko-KR" sz="1400" dirty="0" err="1">
+                <a:solidFill>
+                  <a:schemeClr val="bg1"/>
+                </a:solidFill>
+              </a:rPr>
+              <a:t>com.samsung.adlframework.view</a:t>
+            </a:r>
+            <a:endParaRPr lang="en-US" altLang="ko-KR" sz="1400" dirty="0">
+              <a:solidFill>
+                <a:schemeClr val="bg1"/>
+              </a:solidFill>
+            </a:endParaRPr>
+          </a:p>
+          <a:p>
+            <a:endParaRPr lang="en-US" altLang="ko-KR" sz="1400" dirty="0">
+              <a:solidFill>
+                <a:schemeClr val="bg1"/>
+              </a:solidFill>
+            </a:endParaRPr>
+          </a:p>
+          <a:p>
+            <a:r>
+              <a:rPr lang="en-US" altLang="ko-KR" sz="1400" dirty="0">
+                <a:solidFill>
+                  <a:schemeClr val="bg1"/>
+                </a:solidFill>
+              </a:rPr>
+              <a:t>import android.support.v4.app.Fragment</a:t>
+            </a:r>
+          </a:p>
+          <a:p>
+            <a:endParaRPr lang="en-US" altLang="ko-KR" sz="1400" dirty="0">
+              <a:solidFill>
+                <a:schemeClr val="bg1"/>
+              </a:solidFill>
+            </a:endParaRPr>
+          </a:p>
+          <a:p>
+            <a:r>
+              <a:rPr lang="en-US" altLang="ko-KR" sz="1400" dirty="0">
+                <a:solidFill>
+                  <a:schemeClr val="bg1"/>
+                </a:solidFill>
+              </a:rPr>
+              <a:t>class </a:t>
+            </a:r>
+            <a:r>
+              <a:rPr lang="en-US" altLang="ko-KR" sz="1400" dirty="0" err="1">
+                <a:solidFill>
+                  <a:schemeClr val="bg1"/>
+                </a:solidFill>
+              </a:rPr>
+              <a:t>MyFragment</a:t>
+            </a:r>
+            <a:r>
+              <a:rPr lang="en-US" altLang="ko-KR" sz="1400" dirty="0">
+                <a:solidFill>
+                  <a:schemeClr val="bg1"/>
+                </a:solidFill>
+              </a:rPr>
+              <a:t> </a:t>
+            </a:r>
+            <a:r>
+              <a:rPr lang="en-US" altLang="ko-KR" sz="1400" dirty="0">
+                <a:solidFill>
+                  <a:srgbClr val="FF0000"/>
+                </a:solidFill>
+              </a:rPr>
+              <a:t>: Fragment() </a:t>
+            </a:r>
+            <a:r>
+              <a:rPr lang="en-US" altLang="ko-KR" sz="1400" dirty="0">
+                <a:solidFill>
+                  <a:schemeClr val="bg1"/>
+                </a:solidFill>
+              </a:rPr>
+              <a:t>{</a:t>
+            </a:r>
+          </a:p>
+          <a:p>
+            <a:endParaRPr lang="en-US" altLang="ko-KR" sz="1400" dirty="0">
+              <a:solidFill>
+                <a:schemeClr val="bg1"/>
+              </a:solidFill>
+            </a:endParaRPr>
+          </a:p>
+          <a:p>
+            <a:r>
+              <a:rPr lang="en-US" altLang="ko-KR" sz="1400" dirty="0">
+                <a:solidFill>
+                  <a:schemeClr val="bg1"/>
+                </a:solidFill>
+              </a:rPr>
+              <a:t>}</a:t>
+            </a:r>
+            <a:endParaRPr lang="ko-KR" altLang="en-US" sz="1400" dirty="0">
+              <a:solidFill>
+                <a:schemeClr val="bg1"/>
+              </a:solidFill>
+            </a:endParaRPr>
+          </a:p>
+        </p:txBody>
+      </p:sp>
+      <p:sp>
+        <p:nvSpPr>
+          <p:cNvPr id="17" name="TextBox 16">
+            <a:extLst>
+              <a:ext uri="{FF2B5EF4-FFF2-40B4-BE49-F238E27FC236}">
+                <a16:creationId xmlns:a16="http://schemas.microsoft.com/office/drawing/2014/main" id="{DCC935E9-8EFE-403F-BF18-03A2D9370FE0}"/>
+              </a:ext>
+            </a:extLst>
+          </p:cNvPr>
+          <p:cNvSpPr txBox="1"/>
+          <p:nvPr/>
+        </p:nvSpPr>
+        <p:spPr>
+          <a:xfrm>
+            <a:off x="7743690" y="3450458"/>
+            <a:ext cx="1406282" cy="307777"/>
+          </a:xfrm>
+          <a:prstGeom prst="rect">
+            <a:avLst/>
+          </a:prstGeom>
+          <a:noFill/>
+        </p:spPr>
+        <p:txBody>
+          <a:bodyPr wrap="none" rtlCol="0">
+            <a:spAutoFit/>
+          </a:bodyPr>
+          <a:lstStyle/>
+          <a:p>
+            <a:r>
+              <a:rPr lang="en-US" altLang="ko-KR" sz="1400" dirty="0" err="1"/>
+              <a:t>MyFragment.kt</a:t>
+            </a:r>
+            <a:endParaRPr lang="ko-KR" altLang="en-US" sz="1400" dirty="0"/>
+          </a:p>
+        </p:txBody>
+      </p:sp>
+      <p:sp>
+        <p:nvSpPr>
+          <p:cNvPr id="20" name="TextBox 19">
+            <a:extLst>
+              <a:ext uri="{FF2B5EF4-FFF2-40B4-BE49-F238E27FC236}">
+                <a16:creationId xmlns:a16="http://schemas.microsoft.com/office/drawing/2014/main" id="{492D48E6-1FE2-4B4C-9B55-62A502965B57}"/>
+              </a:ext>
+            </a:extLst>
+          </p:cNvPr>
+          <p:cNvSpPr txBox="1"/>
+          <p:nvPr/>
+        </p:nvSpPr>
+        <p:spPr>
+          <a:xfrm>
+            <a:off x="4392706" y="573741"/>
+            <a:ext cx="612925" cy="369332"/>
+          </a:xfrm>
+          <a:prstGeom prst="rect">
+            <a:avLst/>
+          </a:prstGeom>
+          <a:noFill/>
+        </p:spPr>
+        <p:txBody>
+          <a:bodyPr wrap="none" rtlCol="0">
+            <a:spAutoFit/>
+          </a:bodyPr>
+          <a:lstStyle/>
+          <a:p>
+            <a:r>
+              <a:rPr lang="en-US" altLang="ko-KR" dirty="0"/>
+              <a:t>Java</a:t>
+            </a:r>
+            <a:endParaRPr lang="ko-KR" altLang="en-US" dirty="0"/>
+          </a:p>
+        </p:txBody>
+      </p:sp>
+      <p:sp>
+        <p:nvSpPr>
+          <p:cNvPr id="21" name="TextBox 20">
+            <a:extLst>
+              <a:ext uri="{FF2B5EF4-FFF2-40B4-BE49-F238E27FC236}">
+                <a16:creationId xmlns:a16="http://schemas.microsoft.com/office/drawing/2014/main" id="{89060A80-24E4-4E54-83D9-3D0314053A33}"/>
+              </a:ext>
+            </a:extLst>
+          </p:cNvPr>
+          <p:cNvSpPr txBox="1"/>
+          <p:nvPr/>
+        </p:nvSpPr>
+        <p:spPr>
+          <a:xfrm>
+            <a:off x="9315598" y="638533"/>
+            <a:ext cx="780919" cy="369332"/>
+          </a:xfrm>
+          <a:prstGeom prst="rect">
+            <a:avLst/>
+          </a:prstGeom>
+          <a:noFill/>
+        </p:spPr>
+        <p:txBody>
+          <a:bodyPr wrap="none" rtlCol="0">
+            <a:spAutoFit/>
+          </a:bodyPr>
+          <a:lstStyle/>
+          <a:p>
+            <a:r>
+              <a:rPr lang="en-US" altLang="ko-KR" dirty="0"/>
+              <a:t>Kotlin</a:t>
+            </a:r>
+            <a:endParaRPr lang="ko-KR" altLang="en-US" dirty="0"/>
+          </a:p>
+        </p:txBody>
+      </p:sp>
+      <p:cxnSp>
+        <p:nvCxnSpPr>
+          <p:cNvPr id="23" name="직선 연결선 22">
+            <a:extLst>
+              <a:ext uri="{FF2B5EF4-FFF2-40B4-BE49-F238E27FC236}">
+                <a16:creationId xmlns:a16="http://schemas.microsoft.com/office/drawing/2014/main" id="{AD274452-1EF5-448E-B70F-FB60E00DFFD0}"/>
+              </a:ext>
+            </a:extLst>
+          </p:cNvPr>
+          <p:cNvCxnSpPr/>
+          <p:nvPr/>
+        </p:nvCxnSpPr>
+        <p:spPr>
+          <a:xfrm>
+            <a:off x="7476565" y="521976"/>
+            <a:ext cx="0" cy="5334000"/>
+          </a:xfrm>
+          <a:prstGeom prst="line">
+            <a:avLst/>
+          </a:prstGeom>
+          <a:ln>
+            <a:prstDash val="dash"/>
+          </a:ln>
+        </p:spPr>
+        <p:style>
+          <a:lnRef idx="1">
+            <a:schemeClr val="accent1"/>
+          </a:lnRef>
+          <a:fillRef idx="0">
+            <a:schemeClr val="accent1"/>
+          </a:fillRef>
+          <a:effectRef idx="0">
+            <a:schemeClr val="accent1"/>
+          </a:effectRef>
+          <a:fontRef idx="minor">
+            <a:schemeClr val="tx1"/>
+          </a:fontRef>
+        </p:style>
+      </p:cxnSp>
+    </p:spTree>
+    <p:extLst>
+      <p:ext uri="{BB962C8B-B14F-4D97-AF65-F5344CB8AC3E}">
+        <p14:creationId xmlns:p14="http://schemas.microsoft.com/office/powerpoint/2010/main" val="414756451"/>
       </p:ext>
     </p:extLst>
   </p:cSld>
@@ -30489,27 +33126,6 @@
             <a:pPr lvl="1"/>
             <a:r>
               <a:rPr lang="en-US" altLang="ko-KR" dirty="0"/>
-              <a:t>MVC</a:t>
-            </a:r>
-          </a:p>
-          <a:p>
-            <a:pPr lvl="1"/>
-            <a:r>
-              <a:rPr lang="en-US" altLang="ko-KR" dirty="0"/>
-              <a:t>MVP</a:t>
-            </a:r>
-          </a:p>
-          <a:p>
-            <a:pPr lvl="1"/>
-            <a:r>
-              <a:rPr lang="en-US" altLang="ko-KR" dirty="0"/>
-              <a:t>MVVM</a:t>
-            </a:r>
-          </a:p>
-          <a:p>
-            <a:pPr lvl="1"/>
-            <a:r>
-              <a:rPr lang="en-US" altLang="ko-KR" dirty="0"/>
               <a:t>Model</a:t>
             </a:r>
           </a:p>
@@ -30568,6 +33184,20 @@
             <a:r>
               <a:rPr lang="en-US" altLang="ko-KR" dirty="0"/>
               <a:t>Server</a:t>
+            </a:r>
+          </a:p>
+          <a:p>
+            <a:pPr lvl="1"/>
+            <a:r>
+              <a:rPr lang="en-US" altLang="ko-KR" dirty="0"/>
+              <a:t>Process</a:t>
+            </a:r>
+          </a:p>
+          <a:p>
+            <a:pPr lvl="1"/>
+            <a:r>
+              <a:rPr lang="en-US" altLang="ko-KR" dirty="0"/>
+              <a:t>Thread</a:t>
             </a:r>
           </a:p>
           <a:p>

--- a/AA/인증과제_ppt자료.pptx
+++ b/AA/인증과제_ppt자료.pptx
@@ -38,6 +38,9 @@
     <p:sldId id="287" r:id="rId32"/>
     <p:sldId id="289" r:id="rId33"/>
     <p:sldId id="290" r:id="rId34"/>
+    <p:sldId id="292" r:id="rId35"/>
+    <p:sldId id="293" r:id="rId36"/>
+    <p:sldId id="294" r:id="rId37"/>
   </p:sldIdLst>
   <p:sldSz cx="12192000" cy="6858000"/>
   <p:notesSz cx="6858000" cy="9144000"/>
@@ -174,6 +177,9 @@
             <p14:sldId id="287"/>
             <p14:sldId id="289"/>
             <p14:sldId id="290"/>
+            <p14:sldId id="292"/>
+            <p14:sldId id="293"/>
+            <p14:sldId id="294"/>
           </p14:sldIdLst>
         </p14:section>
       </p14:sectionLst>
@@ -2990,7 +2996,7 @@
           <a:p>
             <a:fld id="{7FD4DF60-5030-440F-BF31-F2EDE67656D5}" type="datetimeFigureOut">
               <a:rPr lang="ko-KR" altLang="en-US" smtClean="0"/>
-              <a:t>2021-04-17</a:t>
+              <a:t>2021-04-18</a:t>
             </a:fld>
             <a:endParaRPr lang="ko-KR" altLang="en-US"/>
           </a:p>
@@ -3188,7 +3194,7 @@
           <a:p>
             <a:fld id="{7FD4DF60-5030-440F-BF31-F2EDE67656D5}" type="datetimeFigureOut">
               <a:rPr lang="ko-KR" altLang="en-US" smtClean="0"/>
-              <a:t>2021-04-17</a:t>
+              <a:t>2021-04-18</a:t>
             </a:fld>
             <a:endParaRPr lang="ko-KR" altLang="en-US"/>
           </a:p>
@@ -3396,7 +3402,7 @@
           <a:p>
             <a:fld id="{7FD4DF60-5030-440F-BF31-F2EDE67656D5}" type="datetimeFigureOut">
               <a:rPr lang="ko-KR" altLang="en-US" smtClean="0"/>
-              <a:t>2021-04-17</a:t>
+              <a:t>2021-04-18</a:t>
             </a:fld>
             <a:endParaRPr lang="ko-KR" altLang="en-US"/>
           </a:p>
@@ -3594,7 +3600,7 @@
           <a:p>
             <a:fld id="{7FD4DF60-5030-440F-BF31-F2EDE67656D5}" type="datetimeFigureOut">
               <a:rPr lang="ko-KR" altLang="en-US" smtClean="0"/>
-              <a:t>2021-04-17</a:t>
+              <a:t>2021-04-18</a:t>
             </a:fld>
             <a:endParaRPr lang="ko-KR" altLang="en-US"/>
           </a:p>
@@ -3869,7 +3875,7 @@
           <a:p>
             <a:fld id="{7FD4DF60-5030-440F-BF31-F2EDE67656D5}" type="datetimeFigureOut">
               <a:rPr lang="ko-KR" altLang="en-US" smtClean="0"/>
-              <a:t>2021-04-17</a:t>
+              <a:t>2021-04-18</a:t>
             </a:fld>
             <a:endParaRPr lang="ko-KR" altLang="en-US"/>
           </a:p>
@@ -4134,7 +4140,7 @@
           <a:p>
             <a:fld id="{7FD4DF60-5030-440F-BF31-F2EDE67656D5}" type="datetimeFigureOut">
               <a:rPr lang="ko-KR" altLang="en-US" smtClean="0"/>
-              <a:t>2021-04-17</a:t>
+              <a:t>2021-04-18</a:t>
             </a:fld>
             <a:endParaRPr lang="ko-KR" altLang="en-US"/>
           </a:p>
@@ -4546,7 +4552,7 @@
           <a:p>
             <a:fld id="{7FD4DF60-5030-440F-BF31-F2EDE67656D5}" type="datetimeFigureOut">
               <a:rPr lang="ko-KR" altLang="en-US" smtClean="0"/>
-              <a:t>2021-04-17</a:t>
+              <a:t>2021-04-18</a:t>
             </a:fld>
             <a:endParaRPr lang="ko-KR" altLang="en-US"/>
           </a:p>
@@ -4687,7 +4693,7 @@
           <a:p>
             <a:fld id="{7FD4DF60-5030-440F-BF31-F2EDE67656D5}" type="datetimeFigureOut">
               <a:rPr lang="ko-KR" altLang="en-US" smtClean="0"/>
-              <a:t>2021-04-17</a:t>
+              <a:t>2021-04-18</a:t>
             </a:fld>
             <a:endParaRPr lang="ko-KR" altLang="en-US"/>
           </a:p>
@@ -4800,7 +4806,7 @@
           <a:p>
             <a:fld id="{7FD4DF60-5030-440F-BF31-F2EDE67656D5}" type="datetimeFigureOut">
               <a:rPr lang="ko-KR" altLang="en-US" smtClean="0"/>
-              <a:t>2021-04-17</a:t>
+              <a:t>2021-04-18</a:t>
             </a:fld>
             <a:endParaRPr lang="ko-KR" altLang="en-US"/>
           </a:p>
@@ -5111,7 +5117,7 @@
           <a:p>
             <a:fld id="{7FD4DF60-5030-440F-BF31-F2EDE67656D5}" type="datetimeFigureOut">
               <a:rPr lang="ko-KR" altLang="en-US" smtClean="0"/>
-              <a:t>2021-04-17</a:t>
+              <a:t>2021-04-18</a:t>
             </a:fld>
             <a:endParaRPr lang="ko-KR" altLang="en-US"/>
           </a:p>
@@ -5399,7 +5405,7 @@
           <a:p>
             <a:fld id="{7FD4DF60-5030-440F-BF31-F2EDE67656D5}" type="datetimeFigureOut">
               <a:rPr lang="ko-KR" altLang="en-US" smtClean="0"/>
-              <a:t>2021-04-17</a:t>
+              <a:t>2021-04-18</a:t>
             </a:fld>
             <a:endParaRPr lang="ko-KR" altLang="en-US"/>
           </a:p>
@@ -5640,7 +5646,7 @@
           <a:p>
             <a:fld id="{7FD4DF60-5030-440F-BF31-F2EDE67656D5}" type="datetimeFigureOut">
               <a:rPr lang="ko-KR" altLang="en-US" smtClean="0"/>
-              <a:t>2021-04-17</a:t>
+              <a:t>2021-04-18</a:t>
             </a:fld>
             <a:endParaRPr lang="ko-KR" altLang="en-US"/>
           </a:p>
@@ -28478,7 +28484,7 @@
         </p:nvSpPr>
         <p:spPr>
           <a:xfrm>
-            <a:off x="2402415" y="1914813"/>
+            <a:off x="2402416" y="1319195"/>
             <a:ext cx="1015068" cy="595618"/>
           </a:xfrm>
           <a:prstGeom prst="rect">
@@ -28764,7 +28770,7 @@
                   <a:schemeClr val="tx1"/>
                 </a:solidFill>
               </a:rPr>
-              <a:t>&lt;&lt;Control&gt;&gt;</a:t>
+              <a:t>&lt;&lt;Entity&gt;&gt;</a:t>
             </a:r>
           </a:p>
           <a:p>
@@ -28775,7 +28781,18 @@
                   <a:schemeClr val="tx1"/>
                 </a:solidFill>
               </a:rPr>
-              <a:t>File Manager</a:t>
+              <a:t>Element</a:t>
+            </a:r>
+          </a:p>
+          <a:p>
+            <a:pPr algn="ctr"/>
+            <a:r>
+              <a:rPr lang="en-US" altLang="ko-KR" sz="1100" dirty="0">
+                <a:solidFill>
+                  <a:schemeClr val="tx1"/>
+                </a:solidFill>
+              </a:rPr>
+              <a:t>Type</a:t>
             </a:r>
             <a:endParaRPr lang="ko-KR" altLang="en-US" sz="1100" dirty="0">
               <a:solidFill>
@@ -28799,7 +28816,7 @@
         </p:nvSpPr>
         <p:spPr>
           <a:xfrm>
-            <a:off x="3581611" y="2780833"/>
+            <a:off x="3578795" y="1319195"/>
             <a:ext cx="1015068" cy="595618"/>
           </a:xfrm>
           <a:prstGeom prst="rect">
@@ -29107,7 +29124,7 @@
         </p:nvSpPr>
         <p:spPr>
           <a:xfrm>
-            <a:off x="3581611" y="1319195"/>
+            <a:off x="2397989" y="2780833"/>
             <a:ext cx="1015068" cy="595618"/>
           </a:xfrm>
           <a:prstGeom prst="rect">
@@ -29184,7 +29201,7 @@
         </p:nvSpPr>
         <p:spPr>
           <a:xfrm>
-            <a:off x="3581611" y="2050014"/>
+            <a:off x="2397989" y="3518794"/>
             <a:ext cx="1015068" cy="595618"/>
           </a:xfrm>
           <a:prstGeom prst="rect">
@@ -29612,7 +29629,7 @@
         </p:nvGrpSpPr>
         <p:grpSpPr>
           <a:xfrm>
-            <a:off x="1418960" y="2620153"/>
+            <a:off x="1405908" y="1881467"/>
             <a:ext cx="579064" cy="192842"/>
             <a:chOff x="1427185" y="2891454"/>
             <a:chExt cx="579064" cy="192842"/>
@@ -29909,7 +29926,7 @@
         </p:blipFill>
         <p:spPr bwMode="auto">
           <a:xfrm>
-            <a:off x="416555" y="2334856"/>
+            <a:off x="422169" y="1531869"/>
             <a:ext cx="1095468" cy="765888"/>
           </a:xfrm>
           <a:prstGeom prst="rect">
@@ -29941,7 +29958,7 @@
         </p:nvSpPr>
         <p:spPr>
           <a:xfrm>
-            <a:off x="581871" y="3073535"/>
+            <a:off x="587485" y="2270548"/>
             <a:ext cx="860047" cy="276999"/>
           </a:xfrm>
           <a:prstGeom prst="rect">
@@ -29980,7 +29997,7 @@
         </p:nvSpPr>
         <p:spPr>
           <a:xfrm>
-            <a:off x="2402415" y="2967383"/>
+            <a:off x="2402416" y="2044907"/>
             <a:ext cx="1015068" cy="595618"/>
           </a:xfrm>
           <a:prstGeom prst="rect">
@@ -30110,7 +30127,18 @@
                   <a:schemeClr val="tx1"/>
                 </a:solidFill>
               </a:rPr>
-              <a:t>Error Handler</a:t>
+              <a:t>Code</a:t>
+            </a:r>
+          </a:p>
+          <a:p>
+            <a:pPr algn="ctr"/>
+            <a:r>
+              <a:rPr lang="en-US" altLang="ko-KR" sz="1100" dirty="0">
+                <a:solidFill>
+                  <a:schemeClr val="tx1"/>
+                </a:solidFill>
+              </a:rPr>
+              <a:t>Generator</a:t>
             </a:r>
           </a:p>
         </p:txBody>
@@ -30248,7 +30276,7 @@
                   <a:schemeClr val="tx1"/>
                 </a:solidFill>
               </a:rPr>
-              <a:t>&lt;&lt;Control&gt;&gt;</a:t>
+              <a:t>&lt;&lt;Entity&gt;&gt;</a:t>
             </a:r>
           </a:p>
           <a:p>
@@ -30259,18 +30287,7 @@
                   <a:schemeClr val="tx1"/>
                 </a:solidFill>
               </a:rPr>
-              <a:t>Code</a:t>
-            </a:r>
-          </a:p>
-          <a:p>
-            <a:pPr algn="ctr"/>
-            <a:r>
-              <a:rPr lang="en-US" altLang="ko-KR" sz="1100" dirty="0">
-                <a:solidFill>
-                  <a:schemeClr val="tx1"/>
-                </a:solidFill>
-              </a:rPr>
-              <a:t>Generator</a:t>
+              <a:t>Relation Type</a:t>
             </a:r>
             <a:endParaRPr lang="ko-KR" altLang="en-US" sz="1100" dirty="0">
               <a:solidFill>
@@ -30294,7 +30311,7 @@
         </p:nvSpPr>
         <p:spPr>
           <a:xfrm>
-            <a:off x="3581611" y="3511652"/>
+            <a:off x="3578795" y="2050014"/>
             <a:ext cx="1015068" cy="595618"/>
           </a:xfrm>
           <a:prstGeom prst="rect">
@@ -30374,8 +30391,8 @@
         </p:nvCxnSpPr>
         <p:spPr>
           <a:xfrm flipV="1">
-            <a:off x="1998024" y="2212622"/>
-            <a:ext cx="404391" cy="506620"/>
+            <a:off x="1984972" y="1617004"/>
+            <a:ext cx="417444" cy="363552"/>
           </a:xfrm>
           <a:prstGeom prst="bentConnector3">
             <a:avLst/>
@@ -30418,8 +30435,8 @@
         </p:nvCxnSpPr>
         <p:spPr>
           <a:xfrm rot="10800000">
-            <a:off x="1998025" y="2719242"/>
-            <a:ext cx="404391" cy="545950"/>
+            <a:off x="1984972" y="1980556"/>
+            <a:ext cx="417444" cy="362160"/>
           </a:xfrm>
           <a:prstGeom prst="bentConnector3">
             <a:avLst/>
@@ -30745,6 +30762,248 @@
               </a:rPr>
               <a:t>Class Prototype</a:t>
             </a:r>
+          </a:p>
+        </p:txBody>
+      </p:sp>
+      <p:sp>
+        <p:nvSpPr>
+          <p:cNvPr id="40" name="직사각형 39">
+            <a:extLst>
+              <a:ext uri="{FF2B5EF4-FFF2-40B4-BE49-F238E27FC236}">
+                <a16:creationId xmlns:a16="http://schemas.microsoft.com/office/drawing/2014/main" id="{6C678472-BD42-4C62-A2EF-F871312E7A7A}"/>
+              </a:ext>
+            </a:extLst>
+          </p:cNvPr>
+          <p:cNvSpPr/>
+          <p:nvPr/>
+        </p:nvSpPr>
+        <p:spPr>
+          <a:xfrm>
+            <a:off x="3578795" y="2775726"/>
+            <a:ext cx="1015068" cy="595618"/>
+          </a:xfrm>
+          <a:prstGeom prst="rect">
+            <a:avLst/>
+          </a:prstGeom>
+          <a:solidFill>
+            <a:schemeClr val="bg1"/>
+          </a:solidFill>
+          <a:ln w="9525">
+            <a:solidFill>
+              <a:schemeClr val="tx1"/>
+            </a:solidFill>
+          </a:ln>
+        </p:spPr>
+        <p:style>
+          <a:lnRef idx="2">
+            <a:schemeClr val="accent1">
+              <a:shade val="50000"/>
+            </a:schemeClr>
+          </a:lnRef>
+          <a:fillRef idx="1">
+            <a:schemeClr val="accent1"/>
+          </a:fillRef>
+          <a:effectRef idx="0">
+            <a:schemeClr val="accent1"/>
+          </a:effectRef>
+          <a:fontRef idx="minor">
+            <a:schemeClr val="lt1"/>
+          </a:fontRef>
+        </p:style>
+        <p:txBody>
+          <a:bodyPr rtlCol="0" anchor="ctr"/>
+          <a:lstStyle/>
+          <a:p>
+            <a:pPr algn="ctr"/>
+            <a:r>
+              <a:rPr lang="en-US" altLang="ko-KR" sz="900" dirty="0">
+                <a:solidFill>
+                  <a:schemeClr val="tx1"/>
+                </a:solidFill>
+              </a:rPr>
+              <a:t>&lt;&lt;Control&gt;&gt;</a:t>
+            </a:r>
+          </a:p>
+          <a:p>
+            <a:pPr algn="ctr"/>
+            <a:r>
+              <a:rPr lang="en-US" altLang="ko-KR" sz="1000" dirty="0">
+                <a:solidFill>
+                  <a:schemeClr val="tx1"/>
+                </a:solidFill>
+              </a:rPr>
+              <a:t>Autocomplete Task</a:t>
+            </a:r>
+            <a:endParaRPr lang="ko-KR" altLang="en-US" sz="1000" dirty="0">
+              <a:solidFill>
+                <a:schemeClr val="tx1"/>
+              </a:solidFill>
+            </a:endParaRPr>
+          </a:p>
+        </p:txBody>
+      </p:sp>
+      <p:sp>
+        <p:nvSpPr>
+          <p:cNvPr id="44" name="직사각형 43">
+            <a:extLst>
+              <a:ext uri="{FF2B5EF4-FFF2-40B4-BE49-F238E27FC236}">
+                <a16:creationId xmlns:a16="http://schemas.microsoft.com/office/drawing/2014/main" id="{1680ECED-AA45-4991-BE06-C6DEF24D1B94}"/>
+              </a:ext>
+            </a:extLst>
+          </p:cNvPr>
+          <p:cNvSpPr/>
+          <p:nvPr/>
+        </p:nvSpPr>
+        <p:spPr>
+          <a:xfrm>
+            <a:off x="3578795" y="3506545"/>
+            <a:ext cx="1015068" cy="595618"/>
+          </a:xfrm>
+          <a:prstGeom prst="rect">
+            <a:avLst/>
+          </a:prstGeom>
+          <a:solidFill>
+            <a:schemeClr val="bg1"/>
+          </a:solidFill>
+          <a:ln w="9525">
+            <a:solidFill>
+              <a:schemeClr val="tx1"/>
+            </a:solidFill>
+          </a:ln>
+        </p:spPr>
+        <p:style>
+          <a:lnRef idx="2">
+            <a:schemeClr val="accent1">
+              <a:shade val="50000"/>
+            </a:schemeClr>
+          </a:lnRef>
+          <a:fillRef idx="1">
+            <a:schemeClr val="accent1"/>
+          </a:fillRef>
+          <a:effectRef idx="0">
+            <a:schemeClr val="accent1"/>
+          </a:effectRef>
+          <a:fontRef idx="minor">
+            <a:schemeClr val="lt1"/>
+          </a:fontRef>
+        </p:style>
+        <p:txBody>
+          <a:bodyPr rtlCol="0" anchor="ctr"/>
+          <a:lstStyle/>
+          <a:p>
+            <a:pPr algn="ctr"/>
+            <a:r>
+              <a:rPr lang="en-US" altLang="ko-KR" sz="900" dirty="0">
+                <a:solidFill>
+                  <a:schemeClr val="tx1"/>
+                </a:solidFill>
+              </a:rPr>
+              <a:t>&lt;&lt;Control&gt;&gt;</a:t>
+            </a:r>
+          </a:p>
+          <a:p>
+            <a:pPr algn="ctr"/>
+            <a:r>
+              <a:rPr lang="en-US" altLang="ko-KR" sz="1000" dirty="0" err="1">
+                <a:solidFill>
+                  <a:schemeClr val="tx1"/>
+                </a:solidFill>
+              </a:rPr>
+              <a:t>FileManager</a:t>
+            </a:r>
+            <a:endParaRPr lang="ko-KR" altLang="en-US" sz="1000" dirty="0">
+              <a:solidFill>
+                <a:schemeClr val="tx1"/>
+              </a:solidFill>
+            </a:endParaRPr>
+          </a:p>
+        </p:txBody>
+      </p:sp>
+      <p:sp>
+        <p:nvSpPr>
+          <p:cNvPr id="45" name="직사각형 44">
+            <a:extLst>
+              <a:ext uri="{FF2B5EF4-FFF2-40B4-BE49-F238E27FC236}">
+                <a16:creationId xmlns:a16="http://schemas.microsoft.com/office/drawing/2014/main" id="{CF97D1E7-B19E-48F0-A989-72F2E0C45B35}"/>
+              </a:ext>
+            </a:extLst>
+          </p:cNvPr>
+          <p:cNvSpPr/>
+          <p:nvPr/>
+        </p:nvSpPr>
+        <p:spPr>
+          <a:xfrm>
+            <a:off x="3583880" y="4247189"/>
+            <a:ext cx="1015068" cy="595618"/>
+          </a:xfrm>
+          <a:prstGeom prst="rect">
+            <a:avLst/>
+          </a:prstGeom>
+          <a:solidFill>
+            <a:schemeClr val="bg1"/>
+          </a:solidFill>
+          <a:ln w="9525">
+            <a:solidFill>
+              <a:schemeClr val="tx1"/>
+            </a:solidFill>
+          </a:ln>
+        </p:spPr>
+        <p:style>
+          <a:lnRef idx="2">
+            <a:schemeClr val="accent1">
+              <a:shade val="50000"/>
+            </a:schemeClr>
+          </a:lnRef>
+          <a:fillRef idx="1">
+            <a:schemeClr val="accent1"/>
+          </a:fillRef>
+          <a:effectRef idx="0">
+            <a:schemeClr val="accent1"/>
+          </a:effectRef>
+          <a:fontRef idx="minor">
+            <a:schemeClr val="lt1"/>
+          </a:fontRef>
+        </p:style>
+        <p:txBody>
+          <a:bodyPr rtlCol="0" anchor="ctr"/>
+          <a:lstStyle/>
+          <a:p>
+            <a:pPr algn="ctr"/>
+            <a:r>
+              <a:rPr lang="en-US" altLang="ko-KR" sz="900" dirty="0">
+                <a:solidFill>
+                  <a:schemeClr val="tx1"/>
+                </a:solidFill>
+              </a:rPr>
+              <a:t>&lt;&lt;Control&gt;&gt;</a:t>
+            </a:r>
+          </a:p>
+          <a:p>
+            <a:pPr algn="ctr"/>
+            <a:r>
+              <a:rPr lang="en-US" altLang="ko-KR" sz="1000" dirty="0">
+                <a:solidFill>
+                  <a:schemeClr val="tx1"/>
+                </a:solidFill>
+              </a:rPr>
+              <a:t>Error</a:t>
+            </a:r>
+          </a:p>
+          <a:p>
+            <a:pPr algn="ctr"/>
+            <a:r>
+              <a:rPr lang="en-US" altLang="ko-KR" sz="1000" dirty="0">
+                <a:solidFill>
+                  <a:schemeClr val="tx1"/>
+                </a:solidFill>
+              </a:rPr>
+              <a:t>Handler</a:t>
+            </a:r>
+            <a:endParaRPr lang="ko-KR" altLang="en-US" sz="1000" dirty="0">
+              <a:solidFill>
+                <a:schemeClr val="tx1"/>
+              </a:solidFill>
+            </a:endParaRPr>
           </a:p>
         </p:txBody>
       </p:sp>
@@ -43341,7 +43600,10 @@
             <a:avLst/>
           </a:prstGeom>
           <a:solidFill>
-            <a:schemeClr val="bg1"/>
+            <a:schemeClr val="accent1">
+              <a:lumMod val="20000"/>
+              <a:lumOff val="80000"/>
+            </a:schemeClr>
           </a:solidFill>
           <a:ln>
             <a:solidFill>
@@ -46707,6 +46969,1841 @@
     <p:extLst>
       <p:ext uri="{BB962C8B-B14F-4D97-AF65-F5344CB8AC3E}">
         <p14:creationId xmlns:p14="http://schemas.microsoft.com/office/powerpoint/2010/main" val="1505064860"/>
+      </p:ext>
+    </p:extLst>
+  </p:cSld>
+  <p:clrMapOvr>
+    <a:masterClrMapping/>
+  </p:clrMapOvr>
+</p:sld>
+</file>
+
+<file path=ppt/slides/slide34.xml><?xml version="1.0" encoding="utf-8"?>
+<p:sld xmlns:a="http://schemas.openxmlformats.org/drawingml/2006/main" xmlns:r="http://schemas.openxmlformats.org/officeDocument/2006/relationships" xmlns:p="http://schemas.openxmlformats.org/presentationml/2006/main">
+  <p:cSld>
+    <p:spTree>
+      <p:nvGrpSpPr>
+        <p:cNvPr id="1" name=""/>
+        <p:cNvGrpSpPr/>
+        <p:nvPr/>
+      </p:nvGrpSpPr>
+      <p:grpSpPr>
+        <a:xfrm>
+          <a:off x="0" y="0"/>
+          <a:ext cx="0" cy="0"/>
+          <a:chOff x="0" y="0"/>
+          <a:chExt cx="0" cy="0"/>
+        </a:xfrm>
+      </p:grpSpPr>
+      <p:sp>
+        <p:nvSpPr>
+          <p:cNvPr id="10" name="자유형: 도형 9">
+            <a:extLst>
+              <a:ext uri="{FF2B5EF4-FFF2-40B4-BE49-F238E27FC236}">
+                <a16:creationId xmlns:a16="http://schemas.microsoft.com/office/drawing/2014/main" id="{9708DABC-C169-4C42-B4F7-3B8D9B889C93}"/>
+              </a:ext>
+            </a:extLst>
+          </p:cNvPr>
+          <p:cNvSpPr/>
+          <p:nvPr/>
+        </p:nvSpPr>
+        <p:spPr>
+          <a:xfrm>
+            <a:off x="539544" y="2234312"/>
+            <a:ext cx="1325783" cy="795469"/>
+          </a:xfrm>
+          <a:custGeom>
+            <a:avLst/>
+            <a:gdLst>
+              <a:gd name="connsiteX0" fmla="*/ 0 w 2135187"/>
+              <a:gd name="connsiteY0" fmla="*/ 128111 h 1281112"/>
+              <a:gd name="connsiteX1" fmla="*/ 128111 w 2135187"/>
+              <a:gd name="connsiteY1" fmla="*/ 0 h 1281112"/>
+              <a:gd name="connsiteX2" fmla="*/ 2007076 w 2135187"/>
+              <a:gd name="connsiteY2" fmla="*/ 0 h 1281112"/>
+              <a:gd name="connsiteX3" fmla="*/ 2135187 w 2135187"/>
+              <a:gd name="connsiteY3" fmla="*/ 128111 h 1281112"/>
+              <a:gd name="connsiteX4" fmla="*/ 2135187 w 2135187"/>
+              <a:gd name="connsiteY4" fmla="*/ 1153001 h 1281112"/>
+              <a:gd name="connsiteX5" fmla="*/ 2007076 w 2135187"/>
+              <a:gd name="connsiteY5" fmla="*/ 1281112 h 1281112"/>
+              <a:gd name="connsiteX6" fmla="*/ 128111 w 2135187"/>
+              <a:gd name="connsiteY6" fmla="*/ 1281112 h 1281112"/>
+              <a:gd name="connsiteX7" fmla="*/ 0 w 2135187"/>
+              <a:gd name="connsiteY7" fmla="*/ 1153001 h 1281112"/>
+              <a:gd name="connsiteX8" fmla="*/ 0 w 2135187"/>
+              <a:gd name="connsiteY8" fmla="*/ 128111 h 1281112"/>
+            </a:gdLst>
+            <a:ahLst/>
+            <a:cxnLst>
+              <a:cxn ang="0">
+                <a:pos x="connsiteX0" y="connsiteY0"/>
+              </a:cxn>
+              <a:cxn ang="0">
+                <a:pos x="connsiteX1" y="connsiteY1"/>
+              </a:cxn>
+              <a:cxn ang="0">
+                <a:pos x="connsiteX2" y="connsiteY2"/>
+              </a:cxn>
+              <a:cxn ang="0">
+                <a:pos x="connsiteX3" y="connsiteY3"/>
+              </a:cxn>
+              <a:cxn ang="0">
+                <a:pos x="connsiteX4" y="connsiteY4"/>
+              </a:cxn>
+              <a:cxn ang="0">
+                <a:pos x="connsiteX5" y="connsiteY5"/>
+              </a:cxn>
+              <a:cxn ang="0">
+                <a:pos x="connsiteX6" y="connsiteY6"/>
+              </a:cxn>
+              <a:cxn ang="0">
+                <a:pos x="connsiteX7" y="connsiteY7"/>
+              </a:cxn>
+              <a:cxn ang="0">
+                <a:pos x="connsiteX8" y="connsiteY8"/>
+              </a:cxn>
+            </a:cxnLst>
+            <a:rect l="l" t="t" r="r" b="b"/>
+            <a:pathLst>
+              <a:path w="2135187" h="1281112">
+                <a:moveTo>
+                  <a:pt x="0" y="128111"/>
+                </a:moveTo>
+                <a:cubicBezTo>
+                  <a:pt x="0" y="57357"/>
+                  <a:pt x="57357" y="0"/>
+                  <a:pt x="128111" y="0"/>
+                </a:cubicBezTo>
+                <a:lnTo>
+                  <a:pt x="2007076" y="0"/>
+                </a:lnTo>
+                <a:cubicBezTo>
+                  <a:pt x="2077830" y="0"/>
+                  <a:pt x="2135187" y="57357"/>
+                  <a:pt x="2135187" y="128111"/>
+                </a:cubicBezTo>
+                <a:lnTo>
+                  <a:pt x="2135187" y="1153001"/>
+                </a:lnTo>
+                <a:cubicBezTo>
+                  <a:pt x="2135187" y="1223755"/>
+                  <a:pt x="2077830" y="1281112"/>
+                  <a:pt x="2007076" y="1281112"/>
+                </a:cubicBezTo>
+                <a:lnTo>
+                  <a:pt x="128111" y="1281112"/>
+                </a:lnTo>
+                <a:cubicBezTo>
+                  <a:pt x="57357" y="1281112"/>
+                  <a:pt x="0" y="1223755"/>
+                  <a:pt x="0" y="1153001"/>
+                </a:cubicBezTo>
+                <a:lnTo>
+                  <a:pt x="0" y="128111"/>
+                </a:lnTo>
+                <a:close/>
+              </a:path>
+            </a:pathLst>
+          </a:custGeom>
+        </p:spPr>
+        <p:style>
+          <a:lnRef idx="3">
+            <a:schemeClr val="lt1"/>
+          </a:lnRef>
+          <a:fillRef idx="1">
+            <a:schemeClr val="accent6"/>
+          </a:fillRef>
+          <a:effectRef idx="1">
+            <a:schemeClr val="accent6"/>
+          </a:effectRef>
+          <a:fontRef idx="minor">
+            <a:schemeClr val="lt1"/>
+          </a:fontRef>
+        </p:style>
+        <p:txBody>
+          <a:bodyPr spcFirstLastPara="0" vert="horz" wrap="square" lIns="132772" tIns="132772" rIns="132772" bIns="132772" numCol="1" spcCol="1270" anchor="ctr" anchorCtr="0">
+            <a:noAutofit/>
+          </a:bodyPr>
+          <a:lstStyle/>
+          <a:p>
+            <a:pPr marL="0" lvl="0" indent="0" algn="ctr" defTabSz="1111250" latinLnBrk="1">
+              <a:lnSpc>
+                <a:spcPct val="90000"/>
+              </a:lnSpc>
+              <a:spcBef>
+                <a:spcPct val="0"/>
+              </a:spcBef>
+              <a:spcAft>
+                <a:spcPct val="35000"/>
+              </a:spcAft>
+              <a:buNone/>
+            </a:pPr>
+            <a:r>
+              <a:rPr lang="en-US" altLang="ko-KR" sz="2000" kern="1200" dirty="0"/>
+              <a:t>ADL</a:t>
+            </a:r>
+            <a:r>
+              <a:rPr lang="ko-KR" altLang="en-US" sz="2000" kern="1200" dirty="0"/>
+              <a:t> </a:t>
+            </a:r>
+            <a:r>
+              <a:rPr lang="en-US" altLang="ko-KR" sz="2000" kern="1200" dirty="0"/>
+              <a:t>Code</a:t>
+            </a:r>
+            <a:endParaRPr lang="ko-KR" altLang="en-US" sz="2000" kern="1200" dirty="0"/>
+          </a:p>
+        </p:txBody>
+      </p:sp>
+      <p:sp>
+        <p:nvSpPr>
+          <p:cNvPr id="11" name="자유형: 도형 10">
+            <a:extLst>
+              <a:ext uri="{FF2B5EF4-FFF2-40B4-BE49-F238E27FC236}">
+                <a16:creationId xmlns:a16="http://schemas.microsoft.com/office/drawing/2014/main" id="{E138065E-BEFC-4F08-9DC6-623A38BAA056}"/>
+              </a:ext>
+            </a:extLst>
+          </p:cNvPr>
+          <p:cNvSpPr/>
+          <p:nvPr/>
+        </p:nvSpPr>
+        <p:spPr>
+          <a:xfrm>
+            <a:off x="2074322" y="2467649"/>
+            <a:ext cx="281065" cy="328795"/>
+          </a:xfrm>
+          <a:custGeom>
+            <a:avLst/>
+            <a:gdLst>
+              <a:gd name="connsiteX0" fmla="*/ 0 w 452659"/>
+              <a:gd name="connsiteY0" fmla="*/ 105905 h 529526"/>
+              <a:gd name="connsiteX1" fmla="*/ 226330 w 452659"/>
+              <a:gd name="connsiteY1" fmla="*/ 105905 h 529526"/>
+              <a:gd name="connsiteX2" fmla="*/ 226330 w 452659"/>
+              <a:gd name="connsiteY2" fmla="*/ 0 h 529526"/>
+              <a:gd name="connsiteX3" fmla="*/ 452659 w 452659"/>
+              <a:gd name="connsiteY3" fmla="*/ 264763 h 529526"/>
+              <a:gd name="connsiteX4" fmla="*/ 226330 w 452659"/>
+              <a:gd name="connsiteY4" fmla="*/ 529526 h 529526"/>
+              <a:gd name="connsiteX5" fmla="*/ 226330 w 452659"/>
+              <a:gd name="connsiteY5" fmla="*/ 423621 h 529526"/>
+              <a:gd name="connsiteX6" fmla="*/ 0 w 452659"/>
+              <a:gd name="connsiteY6" fmla="*/ 423621 h 529526"/>
+              <a:gd name="connsiteX7" fmla="*/ 0 w 452659"/>
+              <a:gd name="connsiteY7" fmla="*/ 105905 h 529526"/>
+            </a:gdLst>
+            <a:ahLst/>
+            <a:cxnLst>
+              <a:cxn ang="0">
+                <a:pos x="connsiteX0" y="connsiteY0"/>
+              </a:cxn>
+              <a:cxn ang="0">
+                <a:pos x="connsiteX1" y="connsiteY1"/>
+              </a:cxn>
+              <a:cxn ang="0">
+                <a:pos x="connsiteX2" y="connsiteY2"/>
+              </a:cxn>
+              <a:cxn ang="0">
+                <a:pos x="connsiteX3" y="connsiteY3"/>
+              </a:cxn>
+              <a:cxn ang="0">
+                <a:pos x="connsiteX4" y="connsiteY4"/>
+              </a:cxn>
+              <a:cxn ang="0">
+                <a:pos x="connsiteX5" y="connsiteY5"/>
+              </a:cxn>
+              <a:cxn ang="0">
+                <a:pos x="connsiteX6" y="connsiteY6"/>
+              </a:cxn>
+              <a:cxn ang="0">
+                <a:pos x="connsiteX7" y="connsiteY7"/>
+              </a:cxn>
+            </a:cxnLst>
+            <a:rect l="l" t="t" r="r" b="b"/>
+            <a:pathLst>
+              <a:path w="452659" h="529526">
+                <a:moveTo>
+                  <a:pt x="0" y="105905"/>
+                </a:moveTo>
+                <a:lnTo>
+                  <a:pt x="226330" y="105905"/>
+                </a:lnTo>
+                <a:lnTo>
+                  <a:pt x="226330" y="0"/>
+                </a:lnTo>
+                <a:lnTo>
+                  <a:pt x="452659" y="264763"/>
+                </a:lnTo>
+                <a:lnTo>
+                  <a:pt x="226330" y="529526"/>
+                </a:lnTo>
+                <a:lnTo>
+                  <a:pt x="226330" y="423621"/>
+                </a:lnTo>
+                <a:lnTo>
+                  <a:pt x="0" y="423621"/>
+                </a:lnTo>
+                <a:lnTo>
+                  <a:pt x="0" y="105905"/>
+                </a:lnTo>
+                <a:close/>
+              </a:path>
+            </a:pathLst>
+          </a:custGeom>
+          <a:solidFill>
+            <a:schemeClr val="accent6"/>
+          </a:solidFill>
+        </p:spPr>
+        <p:style>
+          <a:lnRef idx="0">
+            <a:schemeClr val="accent1">
+              <a:tint val="60000"/>
+              <a:hueOff val="0"/>
+              <a:satOff val="0"/>
+              <a:lumOff val="0"/>
+              <a:alphaOff val="0"/>
+            </a:schemeClr>
+          </a:lnRef>
+          <a:fillRef idx="1">
+            <a:schemeClr val="accent1">
+              <a:tint val="60000"/>
+              <a:hueOff val="0"/>
+              <a:satOff val="0"/>
+              <a:lumOff val="0"/>
+              <a:alphaOff val="0"/>
+            </a:schemeClr>
+          </a:fillRef>
+          <a:effectRef idx="0">
+            <a:schemeClr val="accent1">
+              <a:tint val="60000"/>
+              <a:hueOff val="0"/>
+              <a:satOff val="0"/>
+              <a:lumOff val="0"/>
+              <a:alphaOff val="0"/>
+            </a:schemeClr>
+          </a:effectRef>
+          <a:fontRef idx="minor">
+            <a:schemeClr val="lt1"/>
+          </a:fontRef>
+        </p:style>
+        <p:txBody>
+          <a:bodyPr spcFirstLastPara="0" vert="horz" wrap="square" lIns="0" tIns="105905" rIns="135798" bIns="105905" numCol="1" spcCol="1270" anchor="ctr" anchorCtr="0">
+            <a:noAutofit/>
+          </a:bodyPr>
+          <a:lstStyle/>
+          <a:p>
+            <a:pPr marL="0" lvl="0" indent="0" algn="ctr" defTabSz="666750" latinLnBrk="1">
+              <a:lnSpc>
+                <a:spcPct val="90000"/>
+              </a:lnSpc>
+              <a:spcBef>
+                <a:spcPct val="0"/>
+              </a:spcBef>
+              <a:spcAft>
+                <a:spcPct val="35000"/>
+              </a:spcAft>
+              <a:buNone/>
+            </a:pPr>
+            <a:endParaRPr lang="ko-KR" altLang="en-US" sz="1200" kern="1200"/>
+          </a:p>
+        </p:txBody>
+      </p:sp>
+      <p:sp>
+        <p:nvSpPr>
+          <p:cNvPr id="12" name="자유형: 도형 11">
+            <a:extLst>
+              <a:ext uri="{FF2B5EF4-FFF2-40B4-BE49-F238E27FC236}">
+                <a16:creationId xmlns:a16="http://schemas.microsoft.com/office/drawing/2014/main" id="{4C4439C4-BE99-4E7B-B44E-1131AB626C08}"/>
+              </a:ext>
+            </a:extLst>
+          </p:cNvPr>
+          <p:cNvSpPr/>
+          <p:nvPr/>
+        </p:nvSpPr>
+        <p:spPr>
+          <a:xfrm>
+            <a:off x="2564382" y="2234312"/>
+            <a:ext cx="1325783" cy="795469"/>
+          </a:xfrm>
+          <a:custGeom>
+            <a:avLst/>
+            <a:gdLst>
+              <a:gd name="connsiteX0" fmla="*/ 0 w 2135187"/>
+              <a:gd name="connsiteY0" fmla="*/ 128111 h 1281112"/>
+              <a:gd name="connsiteX1" fmla="*/ 128111 w 2135187"/>
+              <a:gd name="connsiteY1" fmla="*/ 0 h 1281112"/>
+              <a:gd name="connsiteX2" fmla="*/ 2007076 w 2135187"/>
+              <a:gd name="connsiteY2" fmla="*/ 0 h 1281112"/>
+              <a:gd name="connsiteX3" fmla="*/ 2135187 w 2135187"/>
+              <a:gd name="connsiteY3" fmla="*/ 128111 h 1281112"/>
+              <a:gd name="connsiteX4" fmla="*/ 2135187 w 2135187"/>
+              <a:gd name="connsiteY4" fmla="*/ 1153001 h 1281112"/>
+              <a:gd name="connsiteX5" fmla="*/ 2007076 w 2135187"/>
+              <a:gd name="connsiteY5" fmla="*/ 1281112 h 1281112"/>
+              <a:gd name="connsiteX6" fmla="*/ 128111 w 2135187"/>
+              <a:gd name="connsiteY6" fmla="*/ 1281112 h 1281112"/>
+              <a:gd name="connsiteX7" fmla="*/ 0 w 2135187"/>
+              <a:gd name="connsiteY7" fmla="*/ 1153001 h 1281112"/>
+              <a:gd name="connsiteX8" fmla="*/ 0 w 2135187"/>
+              <a:gd name="connsiteY8" fmla="*/ 128111 h 1281112"/>
+            </a:gdLst>
+            <a:ahLst/>
+            <a:cxnLst>
+              <a:cxn ang="0">
+                <a:pos x="connsiteX0" y="connsiteY0"/>
+              </a:cxn>
+              <a:cxn ang="0">
+                <a:pos x="connsiteX1" y="connsiteY1"/>
+              </a:cxn>
+              <a:cxn ang="0">
+                <a:pos x="connsiteX2" y="connsiteY2"/>
+              </a:cxn>
+              <a:cxn ang="0">
+                <a:pos x="connsiteX3" y="connsiteY3"/>
+              </a:cxn>
+              <a:cxn ang="0">
+                <a:pos x="connsiteX4" y="connsiteY4"/>
+              </a:cxn>
+              <a:cxn ang="0">
+                <a:pos x="connsiteX5" y="connsiteY5"/>
+              </a:cxn>
+              <a:cxn ang="0">
+                <a:pos x="connsiteX6" y="connsiteY6"/>
+              </a:cxn>
+              <a:cxn ang="0">
+                <a:pos x="connsiteX7" y="connsiteY7"/>
+              </a:cxn>
+              <a:cxn ang="0">
+                <a:pos x="connsiteX8" y="connsiteY8"/>
+              </a:cxn>
+            </a:cxnLst>
+            <a:rect l="l" t="t" r="r" b="b"/>
+            <a:pathLst>
+              <a:path w="2135187" h="1281112">
+                <a:moveTo>
+                  <a:pt x="0" y="128111"/>
+                </a:moveTo>
+                <a:cubicBezTo>
+                  <a:pt x="0" y="57357"/>
+                  <a:pt x="57357" y="0"/>
+                  <a:pt x="128111" y="0"/>
+                </a:cubicBezTo>
+                <a:lnTo>
+                  <a:pt x="2007076" y="0"/>
+                </a:lnTo>
+                <a:cubicBezTo>
+                  <a:pt x="2077830" y="0"/>
+                  <a:pt x="2135187" y="57357"/>
+                  <a:pt x="2135187" y="128111"/>
+                </a:cubicBezTo>
+                <a:lnTo>
+                  <a:pt x="2135187" y="1153001"/>
+                </a:lnTo>
+                <a:cubicBezTo>
+                  <a:pt x="2135187" y="1223755"/>
+                  <a:pt x="2077830" y="1281112"/>
+                  <a:pt x="2007076" y="1281112"/>
+                </a:cubicBezTo>
+                <a:lnTo>
+                  <a:pt x="128111" y="1281112"/>
+                </a:lnTo>
+                <a:cubicBezTo>
+                  <a:pt x="57357" y="1281112"/>
+                  <a:pt x="0" y="1223755"/>
+                  <a:pt x="0" y="1153001"/>
+                </a:cubicBezTo>
+                <a:lnTo>
+                  <a:pt x="0" y="128111"/>
+                </a:lnTo>
+                <a:close/>
+              </a:path>
+            </a:pathLst>
+          </a:custGeom>
+        </p:spPr>
+        <p:style>
+          <a:lnRef idx="3">
+            <a:schemeClr val="lt1"/>
+          </a:lnRef>
+          <a:fillRef idx="1">
+            <a:schemeClr val="accent6"/>
+          </a:fillRef>
+          <a:effectRef idx="1">
+            <a:schemeClr val="accent6"/>
+          </a:effectRef>
+          <a:fontRef idx="minor">
+            <a:schemeClr val="lt1"/>
+          </a:fontRef>
+        </p:style>
+        <p:txBody>
+          <a:bodyPr spcFirstLastPara="0" vert="horz" wrap="square" lIns="132772" tIns="132772" rIns="132772" bIns="132772" numCol="1" spcCol="1270" anchor="ctr" anchorCtr="0">
+            <a:noAutofit/>
+          </a:bodyPr>
+          <a:lstStyle/>
+          <a:p>
+            <a:pPr marL="0" lvl="0" indent="0" algn="ctr" defTabSz="1111250" latinLnBrk="1">
+              <a:lnSpc>
+                <a:spcPct val="90000"/>
+              </a:lnSpc>
+              <a:spcBef>
+                <a:spcPct val="0"/>
+              </a:spcBef>
+              <a:spcAft>
+                <a:spcPct val="35000"/>
+              </a:spcAft>
+              <a:buNone/>
+            </a:pPr>
+            <a:r>
+              <a:rPr lang="en-US" altLang="ko-KR" sz="2000" kern="1200" dirty="0"/>
+              <a:t>Token</a:t>
+            </a:r>
+            <a:endParaRPr lang="ko-KR" altLang="en-US" sz="2000" kern="1200" dirty="0"/>
+          </a:p>
+        </p:txBody>
+      </p:sp>
+      <p:sp>
+        <p:nvSpPr>
+          <p:cNvPr id="13" name="자유형: 도형 12">
+            <a:extLst>
+              <a:ext uri="{FF2B5EF4-FFF2-40B4-BE49-F238E27FC236}">
+                <a16:creationId xmlns:a16="http://schemas.microsoft.com/office/drawing/2014/main" id="{DE0F0DFA-8799-46CA-BEFD-5E83F0025914}"/>
+              </a:ext>
+            </a:extLst>
+          </p:cNvPr>
+          <p:cNvSpPr/>
+          <p:nvPr/>
+        </p:nvSpPr>
+        <p:spPr>
+          <a:xfrm>
+            <a:off x="4099160" y="2467649"/>
+            <a:ext cx="281065" cy="328795"/>
+          </a:xfrm>
+          <a:custGeom>
+            <a:avLst/>
+            <a:gdLst>
+              <a:gd name="connsiteX0" fmla="*/ 0 w 452659"/>
+              <a:gd name="connsiteY0" fmla="*/ 105905 h 529526"/>
+              <a:gd name="connsiteX1" fmla="*/ 226330 w 452659"/>
+              <a:gd name="connsiteY1" fmla="*/ 105905 h 529526"/>
+              <a:gd name="connsiteX2" fmla="*/ 226330 w 452659"/>
+              <a:gd name="connsiteY2" fmla="*/ 0 h 529526"/>
+              <a:gd name="connsiteX3" fmla="*/ 452659 w 452659"/>
+              <a:gd name="connsiteY3" fmla="*/ 264763 h 529526"/>
+              <a:gd name="connsiteX4" fmla="*/ 226330 w 452659"/>
+              <a:gd name="connsiteY4" fmla="*/ 529526 h 529526"/>
+              <a:gd name="connsiteX5" fmla="*/ 226330 w 452659"/>
+              <a:gd name="connsiteY5" fmla="*/ 423621 h 529526"/>
+              <a:gd name="connsiteX6" fmla="*/ 0 w 452659"/>
+              <a:gd name="connsiteY6" fmla="*/ 423621 h 529526"/>
+              <a:gd name="connsiteX7" fmla="*/ 0 w 452659"/>
+              <a:gd name="connsiteY7" fmla="*/ 105905 h 529526"/>
+            </a:gdLst>
+            <a:ahLst/>
+            <a:cxnLst>
+              <a:cxn ang="0">
+                <a:pos x="connsiteX0" y="connsiteY0"/>
+              </a:cxn>
+              <a:cxn ang="0">
+                <a:pos x="connsiteX1" y="connsiteY1"/>
+              </a:cxn>
+              <a:cxn ang="0">
+                <a:pos x="connsiteX2" y="connsiteY2"/>
+              </a:cxn>
+              <a:cxn ang="0">
+                <a:pos x="connsiteX3" y="connsiteY3"/>
+              </a:cxn>
+              <a:cxn ang="0">
+                <a:pos x="connsiteX4" y="connsiteY4"/>
+              </a:cxn>
+              <a:cxn ang="0">
+                <a:pos x="connsiteX5" y="connsiteY5"/>
+              </a:cxn>
+              <a:cxn ang="0">
+                <a:pos x="connsiteX6" y="connsiteY6"/>
+              </a:cxn>
+              <a:cxn ang="0">
+                <a:pos x="connsiteX7" y="connsiteY7"/>
+              </a:cxn>
+            </a:cxnLst>
+            <a:rect l="l" t="t" r="r" b="b"/>
+            <a:pathLst>
+              <a:path w="452659" h="529526">
+                <a:moveTo>
+                  <a:pt x="0" y="105905"/>
+                </a:moveTo>
+                <a:lnTo>
+                  <a:pt x="226330" y="105905"/>
+                </a:lnTo>
+                <a:lnTo>
+                  <a:pt x="226330" y="0"/>
+                </a:lnTo>
+                <a:lnTo>
+                  <a:pt x="452659" y="264763"/>
+                </a:lnTo>
+                <a:lnTo>
+                  <a:pt x="226330" y="529526"/>
+                </a:lnTo>
+                <a:lnTo>
+                  <a:pt x="226330" y="423621"/>
+                </a:lnTo>
+                <a:lnTo>
+                  <a:pt x="0" y="423621"/>
+                </a:lnTo>
+                <a:lnTo>
+                  <a:pt x="0" y="105905"/>
+                </a:lnTo>
+                <a:close/>
+              </a:path>
+            </a:pathLst>
+          </a:custGeom>
+          <a:solidFill>
+            <a:schemeClr val="accent6"/>
+          </a:solidFill>
+        </p:spPr>
+        <p:style>
+          <a:lnRef idx="0">
+            <a:schemeClr val="accent1">
+              <a:tint val="60000"/>
+              <a:hueOff val="0"/>
+              <a:satOff val="0"/>
+              <a:lumOff val="0"/>
+              <a:alphaOff val="0"/>
+            </a:schemeClr>
+          </a:lnRef>
+          <a:fillRef idx="1">
+            <a:schemeClr val="accent1">
+              <a:tint val="60000"/>
+              <a:hueOff val="0"/>
+              <a:satOff val="0"/>
+              <a:lumOff val="0"/>
+              <a:alphaOff val="0"/>
+            </a:schemeClr>
+          </a:fillRef>
+          <a:effectRef idx="0">
+            <a:schemeClr val="accent1">
+              <a:tint val="60000"/>
+              <a:hueOff val="0"/>
+              <a:satOff val="0"/>
+              <a:lumOff val="0"/>
+              <a:alphaOff val="0"/>
+            </a:schemeClr>
+          </a:effectRef>
+          <a:fontRef idx="minor">
+            <a:schemeClr val="lt1"/>
+          </a:fontRef>
+        </p:style>
+        <p:txBody>
+          <a:bodyPr spcFirstLastPara="0" vert="horz" wrap="square" lIns="0" tIns="105905" rIns="135798" bIns="105905" numCol="1" spcCol="1270" anchor="ctr" anchorCtr="0">
+            <a:noAutofit/>
+          </a:bodyPr>
+          <a:lstStyle/>
+          <a:p>
+            <a:pPr marL="0" lvl="0" indent="0" algn="ctr" defTabSz="666750" latinLnBrk="1">
+              <a:lnSpc>
+                <a:spcPct val="90000"/>
+              </a:lnSpc>
+              <a:spcBef>
+                <a:spcPct val="0"/>
+              </a:spcBef>
+              <a:spcAft>
+                <a:spcPct val="35000"/>
+              </a:spcAft>
+              <a:buNone/>
+            </a:pPr>
+            <a:endParaRPr lang="ko-KR" altLang="en-US" sz="1200" kern="1200"/>
+          </a:p>
+        </p:txBody>
+      </p:sp>
+      <p:sp>
+        <p:nvSpPr>
+          <p:cNvPr id="14" name="자유형: 도형 13">
+            <a:extLst>
+              <a:ext uri="{FF2B5EF4-FFF2-40B4-BE49-F238E27FC236}">
+                <a16:creationId xmlns:a16="http://schemas.microsoft.com/office/drawing/2014/main" id="{C9C88E95-6698-4933-99CE-3107B7746809}"/>
+              </a:ext>
+            </a:extLst>
+          </p:cNvPr>
+          <p:cNvSpPr/>
+          <p:nvPr/>
+        </p:nvSpPr>
+        <p:spPr>
+          <a:xfrm>
+            <a:off x="4589220" y="2252823"/>
+            <a:ext cx="1325783" cy="795469"/>
+          </a:xfrm>
+          <a:custGeom>
+            <a:avLst/>
+            <a:gdLst>
+              <a:gd name="connsiteX0" fmla="*/ 0 w 2135187"/>
+              <a:gd name="connsiteY0" fmla="*/ 128111 h 1281112"/>
+              <a:gd name="connsiteX1" fmla="*/ 128111 w 2135187"/>
+              <a:gd name="connsiteY1" fmla="*/ 0 h 1281112"/>
+              <a:gd name="connsiteX2" fmla="*/ 2007076 w 2135187"/>
+              <a:gd name="connsiteY2" fmla="*/ 0 h 1281112"/>
+              <a:gd name="connsiteX3" fmla="*/ 2135187 w 2135187"/>
+              <a:gd name="connsiteY3" fmla="*/ 128111 h 1281112"/>
+              <a:gd name="connsiteX4" fmla="*/ 2135187 w 2135187"/>
+              <a:gd name="connsiteY4" fmla="*/ 1153001 h 1281112"/>
+              <a:gd name="connsiteX5" fmla="*/ 2007076 w 2135187"/>
+              <a:gd name="connsiteY5" fmla="*/ 1281112 h 1281112"/>
+              <a:gd name="connsiteX6" fmla="*/ 128111 w 2135187"/>
+              <a:gd name="connsiteY6" fmla="*/ 1281112 h 1281112"/>
+              <a:gd name="connsiteX7" fmla="*/ 0 w 2135187"/>
+              <a:gd name="connsiteY7" fmla="*/ 1153001 h 1281112"/>
+              <a:gd name="connsiteX8" fmla="*/ 0 w 2135187"/>
+              <a:gd name="connsiteY8" fmla="*/ 128111 h 1281112"/>
+            </a:gdLst>
+            <a:ahLst/>
+            <a:cxnLst>
+              <a:cxn ang="0">
+                <a:pos x="connsiteX0" y="connsiteY0"/>
+              </a:cxn>
+              <a:cxn ang="0">
+                <a:pos x="connsiteX1" y="connsiteY1"/>
+              </a:cxn>
+              <a:cxn ang="0">
+                <a:pos x="connsiteX2" y="connsiteY2"/>
+              </a:cxn>
+              <a:cxn ang="0">
+                <a:pos x="connsiteX3" y="connsiteY3"/>
+              </a:cxn>
+              <a:cxn ang="0">
+                <a:pos x="connsiteX4" y="connsiteY4"/>
+              </a:cxn>
+              <a:cxn ang="0">
+                <a:pos x="connsiteX5" y="connsiteY5"/>
+              </a:cxn>
+              <a:cxn ang="0">
+                <a:pos x="connsiteX6" y="connsiteY6"/>
+              </a:cxn>
+              <a:cxn ang="0">
+                <a:pos x="connsiteX7" y="connsiteY7"/>
+              </a:cxn>
+              <a:cxn ang="0">
+                <a:pos x="connsiteX8" y="connsiteY8"/>
+              </a:cxn>
+            </a:cxnLst>
+            <a:rect l="l" t="t" r="r" b="b"/>
+            <a:pathLst>
+              <a:path w="2135187" h="1281112">
+                <a:moveTo>
+                  <a:pt x="0" y="128111"/>
+                </a:moveTo>
+                <a:cubicBezTo>
+                  <a:pt x="0" y="57357"/>
+                  <a:pt x="57357" y="0"/>
+                  <a:pt x="128111" y="0"/>
+                </a:cubicBezTo>
+                <a:lnTo>
+                  <a:pt x="2007076" y="0"/>
+                </a:lnTo>
+                <a:cubicBezTo>
+                  <a:pt x="2077830" y="0"/>
+                  <a:pt x="2135187" y="57357"/>
+                  <a:pt x="2135187" y="128111"/>
+                </a:cubicBezTo>
+                <a:lnTo>
+                  <a:pt x="2135187" y="1153001"/>
+                </a:lnTo>
+                <a:cubicBezTo>
+                  <a:pt x="2135187" y="1223755"/>
+                  <a:pt x="2077830" y="1281112"/>
+                  <a:pt x="2007076" y="1281112"/>
+                </a:cubicBezTo>
+                <a:lnTo>
+                  <a:pt x="128111" y="1281112"/>
+                </a:lnTo>
+                <a:cubicBezTo>
+                  <a:pt x="57357" y="1281112"/>
+                  <a:pt x="0" y="1223755"/>
+                  <a:pt x="0" y="1153001"/>
+                </a:cubicBezTo>
+                <a:lnTo>
+                  <a:pt x="0" y="128111"/>
+                </a:lnTo>
+                <a:close/>
+              </a:path>
+            </a:pathLst>
+          </a:custGeom>
+        </p:spPr>
+        <p:style>
+          <a:lnRef idx="3">
+            <a:schemeClr val="lt1"/>
+          </a:lnRef>
+          <a:fillRef idx="1">
+            <a:schemeClr val="accent6"/>
+          </a:fillRef>
+          <a:effectRef idx="1">
+            <a:schemeClr val="accent6"/>
+          </a:effectRef>
+          <a:fontRef idx="minor">
+            <a:schemeClr val="lt1"/>
+          </a:fontRef>
+        </p:style>
+        <p:txBody>
+          <a:bodyPr spcFirstLastPara="0" vert="horz" wrap="square" lIns="132772" tIns="132772" rIns="132772" bIns="132772" numCol="1" spcCol="1270" anchor="ctr" anchorCtr="0">
+            <a:noAutofit/>
+          </a:bodyPr>
+          <a:lstStyle/>
+          <a:p>
+            <a:pPr marL="0" lvl="0" indent="0" algn="ctr" defTabSz="1111250" latinLnBrk="1">
+              <a:lnSpc>
+                <a:spcPct val="90000"/>
+              </a:lnSpc>
+              <a:spcBef>
+                <a:spcPct val="0"/>
+              </a:spcBef>
+              <a:spcAft>
+                <a:spcPct val="35000"/>
+              </a:spcAft>
+              <a:buNone/>
+            </a:pPr>
+            <a:r>
+              <a:rPr lang="en-US" altLang="ko-KR" sz="2000" kern="1200" dirty="0"/>
+              <a:t>Syntax Tree</a:t>
+            </a:r>
+            <a:endParaRPr lang="ko-KR" altLang="en-US" sz="2000" kern="1200" dirty="0"/>
+          </a:p>
+        </p:txBody>
+      </p:sp>
+      <p:sp>
+        <p:nvSpPr>
+          <p:cNvPr id="17" name="자유형: 도형 16">
+            <a:extLst>
+              <a:ext uri="{FF2B5EF4-FFF2-40B4-BE49-F238E27FC236}">
+                <a16:creationId xmlns:a16="http://schemas.microsoft.com/office/drawing/2014/main" id="{9DAA6C7F-BBCC-40F2-9EFF-74A03D371590}"/>
+              </a:ext>
+            </a:extLst>
+          </p:cNvPr>
+          <p:cNvSpPr/>
+          <p:nvPr/>
+        </p:nvSpPr>
+        <p:spPr>
+          <a:xfrm>
+            <a:off x="6123998" y="2486160"/>
+            <a:ext cx="281065" cy="328795"/>
+          </a:xfrm>
+          <a:custGeom>
+            <a:avLst/>
+            <a:gdLst>
+              <a:gd name="connsiteX0" fmla="*/ 0 w 452659"/>
+              <a:gd name="connsiteY0" fmla="*/ 105905 h 529526"/>
+              <a:gd name="connsiteX1" fmla="*/ 226330 w 452659"/>
+              <a:gd name="connsiteY1" fmla="*/ 105905 h 529526"/>
+              <a:gd name="connsiteX2" fmla="*/ 226330 w 452659"/>
+              <a:gd name="connsiteY2" fmla="*/ 0 h 529526"/>
+              <a:gd name="connsiteX3" fmla="*/ 452659 w 452659"/>
+              <a:gd name="connsiteY3" fmla="*/ 264763 h 529526"/>
+              <a:gd name="connsiteX4" fmla="*/ 226330 w 452659"/>
+              <a:gd name="connsiteY4" fmla="*/ 529526 h 529526"/>
+              <a:gd name="connsiteX5" fmla="*/ 226330 w 452659"/>
+              <a:gd name="connsiteY5" fmla="*/ 423621 h 529526"/>
+              <a:gd name="connsiteX6" fmla="*/ 0 w 452659"/>
+              <a:gd name="connsiteY6" fmla="*/ 423621 h 529526"/>
+              <a:gd name="connsiteX7" fmla="*/ 0 w 452659"/>
+              <a:gd name="connsiteY7" fmla="*/ 105905 h 529526"/>
+            </a:gdLst>
+            <a:ahLst/>
+            <a:cxnLst>
+              <a:cxn ang="0">
+                <a:pos x="connsiteX0" y="connsiteY0"/>
+              </a:cxn>
+              <a:cxn ang="0">
+                <a:pos x="connsiteX1" y="connsiteY1"/>
+              </a:cxn>
+              <a:cxn ang="0">
+                <a:pos x="connsiteX2" y="connsiteY2"/>
+              </a:cxn>
+              <a:cxn ang="0">
+                <a:pos x="connsiteX3" y="connsiteY3"/>
+              </a:cxn>
+              <a:cxn ang="0">
+                <a:pos x="connsiteX4" y="connsiteY4"/>
+              </a:cxn>
+              <a:cxn ang="0">
+                <a:pos x="connsiteX5" y="connsiteY5"/>
+              </a:cxn>
+              <a:cxn ang="0">
+                <a:pos x="connsiteX6" y="connsiteY6"/>
+              </a:cxn>
+              <a:cxn ang="0">
+                <a:pos x="connsiteX7" y="connsiteY7"/>
+              </a:cxn>
+            </a:cxnLst>
+            <a:rect l="l" t="t" r="r" b="b"/>
+            <a:pathLst>
+              <a:path w="452659" h="529526">
+                <a:moveTo>
+                  <a:pt x="0" y="105905"/>
+                </a:moveTo>
+                <a:lnTo>
+                  <a:pt x="226330" y="105905"/>
+                </a:lnTo>
+                <a:lnTo>
+                  <a:pt x="226330" y="0"/>
+                </a:lnTo>
+                <a:lnTo>
+                  <a:pt x="452659" y="264763"/>
+                </a:lnTo>
+                <a:lnTo>
+                  <a:pt x="226330" y="529526"/>
+                </a:lnTo>
+                <a:lnTo>
+                  <a:pt x="226330" y="423621"/>
+                </a:lnTo>
+                <a:lnTo>
+                  <a:pt x="0" y="423621"/>
+                </a:lnTo>
+                <a:lnTo>
+                  <a:pt x="0" y="105905"/>
+                </a:lnTo>
+                <a:close/>
+              </a:path>
+            </a:pathLst>
+          </a:custGeom>
+          <a:solidFill>
+            <a:schemeClr val="accent6"/>
+          </a:solidFill>
+        </p:spPr>
+        <p:style>
+          <a:lnRef idx="0">
+            <a:schemeClr val="accent1">
+              <a:tint val="60000"/>
+              <a:hueOff val="0"/>
+              <a:satOff val="0"/>
+              <a:lumOff val="0"/>
+              <a:alphaOff val="0"/>
+            </a:schemeClr>
+          </a:lnRef>
+          <a:fillRef idx="1">
+            <a:schemeClr val="accent1">
+              <a:tint val="60000"/>
+              <a:hueOff val="0"/>
+              <a:satOff val="0"/>
+              <a:lumOff val="0"/>
+              <a:alphaOff val="0"/>
+            </a:schemeClr>
+          </a:fillRef>
+          <a:effectRef idx="0">
+            <a:schemeClr val="accent1">
+              <a:tint val="60000"/>
+              <a:hueOff val="0"/>
+              <a:satOff val="0"/>
+              <a:lumOff val="0"/>
+              <a:alphaOff val="0"/>
+            </a:schemeClr>
+          </a:effectRef>
+          <a:fontRef idx="minor">
+            <a:schemeClr val="lt1"/>
+          </a:fontRef>
+        </p:style>
+        <p:txBody>
+          <a:bodyPr spcFirstLastPara="0" vert="horz" wrap="square" lIns="0" tIns="105905" rIns="135798" bIns="105905" numCol="1" spcCol="1270" anchor="ctr" anchorCtr="0">
+            <a:noAutofit/>
+          </a:bodyPr>
+          <a:lstStyle/>
+          <a:p>
+            <a:pPr marL="0" lvl="0" indent="0" algn="ctr" defTabSz="666750" latinLnBrk="1">
+              <a:lnSpc>
+                <a:spcPct val="90000"/>
+              </a:lnSpc>
+              <a:spcBef>
+                <a:spcPct val="0"/>
+              </a:spcBef>
+              <a:spcAft>
+                <a:spcPct val="35000"/>
+              </a:spcAft>
+              <a:buNone/>
+            </a:pPr>
+            <a:endParaRPr lang="ko-KR" altLang="en-US" sz="1200" kern="1200"/>
+          </a:p>
+        </p:txBody>
+      </p:sp>
+      <p:sp>
+        <p:nvSpPr>
+          <p:cNvPr id="18" name="자유형: 도형 17">
+            <a:extLst>
+              <a:ext uri="{FF2B5EF4-FFF2-40B4-BE49-F238E27FC236}">
+                <a16:creationId xmlns:a16="http://schemas.microsoft.com/office/drawing/2014/main" id="{04929E59-35F4-4F17-8A9F-7CF3A21A7931}"/>
+              </a:ext>
+            </a:extLst>
+          </p:cNvPr>
+          <p:cNvSpPr/>
+          <p:nvPr/>
+        </p:nvSpPr>
+        <p:spPr>
+          <a:xfrm>
+            <a:off x="6614058" y="2252823"/>
+            <a:ext cx="1325783" cy="795469"/>
+          </a:xfrm>
+          <a:custGeom>
+            <a:avLst/>
+            <a:gdLst>
+              <a:gd name="connsiteX0" fmla="*/ 0 w 2135187"/>
+              <a:gd name="connsiteY0" fmla="*/ 128111 h 1281112"/>
+              <a:gd name="connsiteX1" fmla="*/ 128111 w 2135187"/>
+              <a:gd name="connsiteY1" fmla="*/ 0 h 1281112"/>
+              <a:gd name="connsiteX2" fmla="*/ 2007076 w 2135187"/>
+              <a:gd name="connsiteY2" fmla="*/ 0 h 1281112"/>
+              <a:gd name="connsiteX3" fmla="*/ 2135187 w 2135187"/>
+              <a:gd name="connsiteY3" fmla="*/ 128111 h 1281112"/>
+              <a:gd name="connsiteX4" fmla="*/ 2135187 w 2135187"/>
+              <a:gd name="connsiteY4" fmla="*/ 1153001 h 1281112"/>
+              <a:gd name="connsiteX5" fmla="*/ 2007076 w 2135187"/>
+              <a:gd name="connsiteY5" fmla="*/ 1281112 h 1281112"/>
+              <a:gd name="connsiteX6" fmla="*/ 128111 w 2135187"/>
+              <a:gd name="connsiteY6" fmla="*/ 1281112 h 1281112"/>
+              <a:gd name="connsiteX7" fmla="*/ 0 w 2135187"/>
+              <a:gd name="connsiteY7" fmla="*/ 1153001 h 1281112"/>
+              <a:gd name="connsiteX8" fmla="*/ 0 w 2135187"/>
+              <a:gd name="connsiteY8" fmla="*/ 128111 h 1281112"/>
+            </a:gdLst>
+            <a:ahLst/>
+            <a:cxnLst>
+              <a:cxn ang="0">
+                <a:pos x="connsiteX0" y="connsiteY0"/>
+              </a:cxn>
+              <a:cxn ang="0">
+                <a:pos x="connsiteX1" y="connsiteY1"/>
+              </a:cxn>
+              <a:cxn ang="0">
+                <a:pos x="connsiteX2" y="connsiteY2"/>
+              </a:cxn>
+              <a:cxn ang="0">
+                <a:pos x="connsiteX3" y="connsiteY3"/>
+              </a:cxn>
+              <a:cxn ang="0">
+                <a:pos x="connsiteX4" y="connsiteY4"/>
+              </a:cxn>
+              <a:cxn ang="0">
+                <a:pos x="connsiteX5" y="connsiteY5"/>
+              </a:cxn>
+              <a:cxn ang="0">
+                <a:pos x="connsiteX6" y="connsiteY6"/>
+              </a:cxn>
+              <a:cxn ang="0">
+                <a:pos x="connsiteX7" y="connsiteY7"/>
+              </a:cxn>
+              <a:cxn ang="0">
+                <a:pos x="connsiteX8" y="connsiteY8"/>
+              </a:cxn>
+            </a:cxnLst>
+            <a:rect l="l" t="t" r="r" b="b"/>
+            <a:pathLst>
+              <a:path w="2135187" h="1281112">
+                <a:moveTo>
+                  <a:pt x="0" y="128111"/>
+                </a:moveTo>
+                <a:cubicBezTo>
+                  <a:pt x="0" y="57357"/>
+                  <a:pt x="57357" y="0"/>
+                  <a:pt x="128111" y="0"/>
+                </a:cubicBezTo>
+                <a:lnTo>
+                  <a:pt x="2007076" y="0"/>
+                </a:lnTo>
+                <a:cubicBezTo>
+                  <a:pt x="2077830" y="0"/>
+                  <a:pt x="2135187" y="57357"/>
+                  <a:pt x="2135187" y="128111"/>
+                </a:cubicBezTo>
+                <a:lnTo>
+                  <a:pt x="2135187" y="1153001"/>
+                </a:lnTo>
+                <a:cubicBezTo>
+                  <a:pt x="2135187" y="1223755"/>
+                  <a:pt x="2077830" y="1281112"/>
+                  <a:pt x="2007076" y="1281112"/>
+                </a:cubicBezTo>
+                <a:lnTo>
+                  <a:pt x="128111" y="1281112"/>
+                </a:lnTo>
+                <a:cubicBezTo>
+                  <a:pt x="57357" y="1281112"/>
+                  <a:pt x="0" y="1223755"/>
+                  <a:pt x="0" y="1153001"/>
+                </a:cubicBezTo>
+                <a:lnTo>
+                  <a:pt x="0" y="128111"/>
+                </a:lnTo>
+                <a:close/>
+              </a:path>
+            </a:pathLst>
+          </a:custGeom>
+        </p:spPr>
+        <p:style>
+          <a:lnRef idx="3">
+            <a:schemeClr val="lt1"/>
+          </a:lnRef>
+          <a:fillRef idx="1">
+            <a:schemeClr val="accent6"/>
+          </a:fillRef>
+          <a:effectRef idx="1">
+            <a:schemeClr val="accent6"/>
+          </a:effectRef>
+          <a:fontRef idx="minor">
+            <a:schemeClr val="lt1"/>
+          </a:fontRef>
+        </p:style>
+        <p:txBody>
+          <a:bodyPr spcFirstLastPara="0" vert="horz" wrap="square" lIns="132772" tIns="132772" rIns="132772" bIns="132772" numCol="1" spcCol="1270" anchor="ctr" anchorCtr="0">
+            <a:noAutofit/>
+          </a:bodyPr>
+          <a:lstStyle/>
+          <a:p>
+            <a:pPr marL="0" lvl="0" indent="0" algn="ctr" defTabSz="1111250" latinLnBrk="1">
+              <a:lnSpc>
+                <a:spcPct val="90000"/>
+              </a:lnSpc>
+              <a:spcBef>
+                <a:spcPct val="0"/>
+              </a:spcBef>
+              <a:spcAft>
+                <a:spcPct val="35000"/>
+              </a:spcAft>
+              <a:buNone/>
+            </a:pPr>
+            <a:r>
+              <a:rPr lang="en-US" altLang="ko-KR" sz="2000" kern="1200" dirty="0"/>
+              <a:t>Parse Tree</a:t>
+            </a:r>
+            <a:endParaRPr lang="ko-KR" altLang="en-US" sz="2000" kern="1200" dirty="0"/>
+          </a:p>
+        </p:txBody>
+      </p:sp>
+      <p:sp>
+        <p:nvSpPr>
+          <p:cNvPr id="19" name="자유형: 도형 18">
+            <a:extLst>
+              <a:ext uri="{FF2B5EF4-FFF2-40B4-BE49-F238E27FC236}">
+                <a16:creationId xmlns:a16="http://schemas.microsoft.com/office/drawing/2014/main" id="{D6BC5A31-D7EA-4488-AC67-6F1E595B4F3B}"/>
+              </a:ext>
+            </a:extLst>
+          </p:cNvPr>
+          <p:cNvSpPr/>
+          <p:nvPr/>
+        </p:nvSpPr>
+        <p:spPr>
+          <a:xfrm>
+            <a:off x="8148836" y="2486160"/>
+            <a:ext cx="281065" cy="328795"/>
+          </a:xfrm>
+          <a:custGeom>
+            <a:avLst/>
+            <a:gdLst>
+              <a:gd name="connsiteX0" fmla="*/ 0 w 452659"/>
+              <a:gd name="connsiteY0" fmla="*/ 105905 h 529526"/>
+              <a:gd name="connsiteX1" fmla="*/ 226330 w 452659"/>
+              <a:gd name="connsiteY1" fmla="*/ 105905 h 529526"/>
+              <a:gd name="connsiteX2" fmla="*/ 226330 w 452659"/>
+              <a:gd name="connsiteY2" fmla="*/ 0 h 529526"/>
+              <a:gd name="connsiteX3" fmla="*/ 452659 w 452659"/>
+              <a:gd name="connsiteY3" fmla="*/ 264763 h 529526"/>
+              <a:gd name="connsiteX4" fmla="*/ 226330 w 452659"/>
+              <a:gd name="connsiteY4" fmla="*/ 529526 h 529526"/>
+              <a:gd name="connsiteX5" fmla="*/ 226330 w 452659"/>
+              <a:gd name="connsiteY5" fmla="*/ 423621 h 529526"/>
+              <a:gd name="connsiteX6" fmla="*/ 0 w 452659"/>
+              <a:gd name="connsiteY6" fmla="*/ 423621 h 529526"/>
+              <a:gd name="connsiteX7" fmla="*/ 0 w 452659"/>
+              <a:gd name="connsiteY7" fmla="*/ 105905 h 529526"/>
+            </a:gdLst>
+            <a:ahLst/>
+            <a:cxnLst>
+              <a:cxn ang="0">
+                <a:pos x="connsiteX0" y="connsiteY0"/>
+              </a:cxn>
+              <a:cxn ang="0">
+                <a:pos x="connsiteX1" y="connsiteY1"/>
+              </a:cxn>
+              <a:cxn ang="0">
+                <a:pos x="connsiteX2" y="connsiteY2"/>
+              </a:cxn>
+              <a:cxn ang="0">
+                <a:pos x="connsiteX3" y="connsiteY3"/>
+              </a:cxn>
+              <a:cxn ang="0">
+                <a:pos x="connsiteX4" y="connsiteY4"/>
+              </a:cxn>
+              <a:cxn ang="0">
+                <a:pos x="connsiteX5" y="connsiteY5"/>
+              </a:cxn>
+              <a:cxn ang="0">
+                <a:pos x="connsiteX6" y="connsiteY6"/>
+              </a:cxn>
+              <a:cxn ang="0">
+                <a:pos x="connsiteX7" y="connsiteY7"/>
+              </a:cxn>
+            </a:cxnLst>
+            <a:rect l="l" t="t" r="r" b="b"/>
+            <a:pathLst>
+              <a:path w="452659" h="529526">
+                <a:moveTo>
+                  <a:pt x="0" y="105905"/>
+                </a:moveTo>
+                <a:lnTo>
+                  <a:pt x="226330" y="105905"/>
+                </a:lnTo>
+                <a:lnTo>
+                  <a:pt x="226330" y="0"/>
+                </a:lnTo>
+                <a:lnTo>
+                  <a:pt x="452659" y="264763"/>
+                </a:lnTo>
+                <a:lnTo>
+                  <a:pt x="226330" y="529526"/>
+                </a:lnTo>
+                <a:lnTo>
+                  <a:pt x="226330" y="423621"/>
+                </a:lnTo>
+                <a:lnTo>
+                  <a:pt x="0" y="423621"/>
+                </a:lnTo>
+                <a:lnTo>
+                  <a:pt x="0" y="105905"/>
+                </a:lnTo>
+                <a:close/>
+              </a:path>
+            </a:pathLst>
+          </a:custGeom>
+          <a:solidFill>
+            <a:schemeClr val="accent6"/>
+          </a:solidFill>
+        </p:spPr>
+        <p:style>
+          <a:lnRef idx="0">
+            <a:schemeClr val="accent1">
+              <a:tint val="60000"/>
+              <a:hueOff val="0"/>
+              <a:satOff val="0"/>
+              <a:lumOff val="0"/>
+              <a:alphaOff val="0"/>
+            </a:schemeClr>
+          </a:lnRef>
+          <a:fillRef idx="1">
+            <a:schemeClr val="accent1">
+              <a:tint val="60000"/>
+              <a:hueOff val="0"/>
+              <a:satOff val="0"/>
+              <a:lumOff val="0"/>
+              <a:alphaOff val="0"/>
+            </a:schemeClr>
+          </a:fillRef>
+          <a:effectRef idx="0">
+            <a:schemeClr val="accent1">
+              <a:tint val="60000"/>
+              <a:hueOff val="0"/>
+              <a:satOff val="0"/>
+              <a:lumOff val="0"/>
+              <a:alphaOff val="0"/>
+            </a:schemeClr>
+          </a:effectRef>
+          <a:fontRef idx="minor">
+            <a:schemeClr val="lt1"/>
+          </a:fontRef>
+        </p:style>
+        <p:txBody>
+          <a:bodyPr spcFirstLastPara="0" vert="horz" wrap="square" lIns="0" tIns="105905" rIns="135798" bIns="105905" numCol="1" spcCol="1270" anchor="ctr" anchorCtr="0">
+            <a:noAutofit/>
+          </a:bodyPr>
+          <a:lstStyle/>
+          <a:p>
+            <a:pPr marL="0" lvl="0" indent="0" algn="ctr" defTabSz="666750" latinLnBrk="1">
+              <a:lnSpc>
+                <a:spcPct val="90000"/>
+              </a:lnSpc>
+              <a:spcBef>
+                <a:spcPct val="0"/>
+              </a:spcBef>
+              <a:spcAft>
+                <a:spcPct val="35000"/>
+              </a:spcAft>
+              <a:buNone/>
+            </a:pPr>
+            <a:endParaRPr lang="ko-KR" altLang="en-US" sz="1200" kern="1200"/>
+          </a:p>
+        </p:txBody>
+      </p:sp>
+      <p:sp>
+        <p:nvSpPr>
+          <p:cNvPr id="20" name="자유형: 도형 19">
+            <a:extLst>
+              <a:ext uri="{FF2B5EF4-FFF2-40B4-BE49-F238E27FC236}">
+                <a16:creationId xmlns:a16="http://schemas.microsoft.com/office/drawing/2014/main" id="{842D2F67-6011-4158-BC7B-085928364C6A}"/>
+              </a:ext>
+            </a:extLst>
+          </p:cNvPr>
+          <p:cNvSpPr/>
+          <p:nvPr/>
+        </p:nvSpPr>
+        <p:spPr>
+          <a:xfrm>
+            <a:off x="8638896" y="2220102"/>
+            <a:ext cx="1325783" cy="795469"/>
+          </a:xfrm>
+          <a:custGeom>
+            <a:avLst/>
+            <a:gdLst>
+              <a:gd name="connsiteX0" fmla="*/ 0 w 2135187"/>
+              <a:gd name="connsiteY0" fmla="*/ 128111 h 1281112"/>
+              <a:gd name="connsiteX1" fmla="*/ 128111 w 2135187"/>
+              <a:gd name="connsiteY1" fmla="*/ 0 h 1281112"/>
+              <a:gd name="connsiteX2" fmla="*/ 2007076 w 2135187"/>
+              <a:gd name="connsiteY2" fmla="*/ 0 h 1281112"/>
+              <a:gd name="connsiteX3" fmla="*/ 2135187 w 2135187"/>
+              <a:gd name="connsiteY3" fmla="*/ 128111 h 1281112"/>
+              <a:gd name="connsiteX4" fmla="*/ 2135187 w 2135187"/>
+              <a:gd name="connsiteY4" fmla="*/ 1153001 h 1281112"/>
+              <a:gd name="connsiteX5" fmla="*/ 2007076 w 2135187"/>
+              <a:gd name="connsiteY5" fmla="*/ 1281112 h 1281112"/>
+              <a:gd name="connsiteX6" fmla="*/ 128111 w 2135187"/>
+              <a:gd name="connsiteY6" fmla="*/ 1281112 h 1281112"/>
+              <a:gd name="connsiteX7" fmla="*/ 0 w 2135187"/>
+              <a:gd name="connsiteY7" fmla="*/ 1153001 h 1281112"/>
+              <a:gd name="connsiteX8" fmla="*/ 0 w 2135187"/>
+              <a:gd name="connsiteY8" fmla="*/ 128111 h 1281112"/>
+            </a:gdLst>
+            <a:ahLst/>
+            <a:cxnLst>
+              <a:cxn ang="0">
+                <a:pos x="connsiteX0" y="connsiteY0"/>
+              </a:cxn>
+              <a:cxn ang="0">
+                <a:pos x="connsiteX1" y="connsiteY1"/>
+              </a:cxn>
+              <a:cxn ang="0">
+                <a:pos x="connsiteX2" y="connsiteY2"/>
+              </a:cxn>
+              <a:cxn ang="0">
+                <a:pos x="connsiteX3" y="connsiteY3"/>
+              </a:cxn>
+              <a:cxn ang="0">
+                <a:pos x="connsiteX4" y="connsiteY4"/>
+              </a:cxn>
+              <a:cxn ang="0">
+                <a:pos x="connsiteX5" y="connsiteY5"/>
+              </a:cxn>
+              <a:cxn ang="0">
+                <a:pos x="connsiteX6" y="connsiteY6"/>
+              </a:cxn>
+              <a:cxn ang="0">
+                <a:pos x="connsiteX7" y="connsiteY7"/>
+              </a:cxn>
+              <a:cxn ang="0">
+                <a:pos x="connsiteX8" y="connsiteY8"/>
+              </a:cxn>
+            </a:cxnLst>
+            <a:rect l="l" t="t" r="r" b="b"/>
+            <a:pathLst>
+              <a:path w="2135187" h="1281112">
+                <a:moveTo>
+                  <a:pt x="0" y="128111"/>
+                </a:moveTo>
+                <a:cubicBezTo>
+                  <a:pt x="0" y="57357"/>
+                  <a:pt x="57357" y="0"/>
+                  <a:pt x="128111" y="0"/>
+                </a:cubicBezTo>
+                <a:lnTo>
+                  <a:pt x="2007076" y="0"/>
+                </a:lnTo>
+                <a:cubicBezTo>
+                  <a:pt x="2077830" y="0"/>
+                  <a:pt x="2135187" y="57357"/>
+                  <a:pt x="2135187" y="128111"/>
+                </a:cubicBezTo>
+                <a:lnTo>
+                  <a:pt x="2135187" y="1153001"/>
+                </a:lnTo>
+                <a:cubicBezTo>
+                  <a:pt x="2135187" y="1223755"/>
+                  <a:pt x="2077830" y="1281112"/>
+                  <a:pt x="2007076" y="1281112"/>
+                </a:cubicBezTo>
+                <a:lnTo>
+                  <a:pt x="128111" y="1281112"/>
+                </a:lnTo>
+                <a:cubicBezTo>
+                  <a:pt x="57357" y="1281112"/>
+                  <a:pt x="0" y="1223755"/>
+                  <a:pt x="0" y="1153001"/>
+                </a:cubicBezTo>
+                <a:lnTo>
+                  <a:pt x="0" y="128111"/>
+                </a:lnTo>
+                <a:close/>
+              </a:path>
+            </a:pathLst>
+          </a:custGeom>
+        </p:spPr>
+        <p:style>
+          <a:lnRef idx="3">
+            <a:schemeClr val="lt1"/>
+          </a:lnRef>
+          <a:fillRef idx="1">
+            <a:schemeClr val="accent6"/>
+          </a:fillRef>
+          <a:effectRef idx="1">
+            <a:schemeClr val="accent6"/>
+          </a:effectRef>
+          <a:fontRef idx="minor">
+            <a:schemeClr val="lt1"/>
+          </a:fontRef>
+        </p:style>
+        <p:txBody>
+          <a:bodyPr spcFirstLastPara="0" vert="horz" wrap="square" lIns="132772" tIns="132772" rIns="132772" bIns="132772" numCol="1" spcCol="1270" anchor="ctr" anchorCtr="0">
+            <a:noAutofit/>
+          </a:bodyPr>
+          <a:lstStyle/>
+          <a:p>
+            <a:pPr marL="0" lvl="0" indent="0" algn="ctr" defTabSz="1111250" latinLnBrk="1">
+              <a:lnSpc>
+                <a:spcPct val="90000"/>
+              </a:lnSpc>
+              <a:spcBef>
+                <a:spcPct val="0"/>
+              </a:spcBef>
+              <a:spcAft>
+                <a:spcPct val="35000"/>
+              </a:spcAft>
+              <a:buNone/>
+            </a:pPr>
+            <a:r>
+              <a:rPr lang="en-US" altLang="ko-KR" sz="1400" kern="1200" dirty="0"/>
+              <a:t>Graph Description Language Code</a:t>
+            </a:r>
+            <a:endParaRPr lang="ko-KR" altLang="en-US" sz="1400" kern="1200" dirty="0"/>
+          </a:p>
+        </p:txBody>
+      </p:sp>
+      <p:sp>
+        <p:nvSpPr>
+          <p:cNvPr id="27" name="자유형: 도형 26">
+            <a:extLst>
+              <a:ext uri="{FF2B5EF4-FFF2-40B4-BE49-F238E27FC236}">
+                <a16:creationId xmlns:a16="http://schemas.microsoft.com/office/drawing/2014/main" id="{6CB659F1-4F57-40C2-8FFF-6FE5DCFF07DB}"/>
+              </a:ext>
+            </a:extLst>
+          </p:cNvPr>
+          <p:cNvSpPr/>
+          <p:nvPr/>
+        </p:nvSpPr>
+        <p:spPr>
+          <a:xfrm>
+            <a:off x="10173675" y="2486160"/>
+            <a:ext cx="281065" cy="328795"/>
+          </a:xfrm>
+          <a:custGeom>
+            <a:avLst/>
+            <a:gdLst>
+              <a:gd name="connsiteX0" fmla="*/ 0 w 452659"/>
+              <a:gd name="connsiteY0" fmla="*/ 105905 h 529526"/>
+              <a:gd name="connsiteX1" fmla="*/ 226330 w 452659"/>
+              <a:gd name="connsiteY1" fmla="*/ 105905 h 529526"/>
+              <a:gd name="connsiteX2" fmla="*/ 226330 w 452659"/>
+              <a:gd name="connsiteY2" fmla="*/ 0 h 529526"/>
+              <a:gd name="connsiteX3" fmla="*/ 452659 w 452659"/>
+              <a:gd name="connsiteY3" fmla="*/ 264763 h 529526"/>
+              <a:gd name="connsiteX4" fmla="*/ 226330 w 452659"/>
+              <a:gd name="connsiteY4" fmla="*/ 529526 h 529526"/>
+              <a:gd name="connsiteX5" fmla="*/ 226330 w 452659"/>
+              <a:gd name="connsiteY5" fmla="*/ 423621 h 529526"/>
+              <a:gd name="connsiteX6" fmla="*/ 0 w 452659"/>
+              <a:gd name="connsiteY6" fmla="*/ 423621 h 529526"/>
+              <a:gd name="connsiteX7" fmla="*/ 0 w 452659"/>
+              <a:gd name="connsiteY7" fmla="*/ 105905 h 529526"/>
+            </a:gdLst>
+            <a:ahLst/>
+            <a:cxnLst>
+              <a:cxn ang="0">
+                <a:pos x="connsiteX0" y="connsiteY0"/>
+              </a:cxn>
+              <a:cxn ang="0">
+                <a:pos x="connsiteX1" y="connsiteY1"/>
+              </a:cxn>
+              <a:cxn ang="0">
+                <a:pos x="connsiteX2" y="connsiteY2"/>
+              </a:cxn>
+              <a:cxn ang="0">
+                <a:pos x="connsiteX3" y="connsiteY3"/>
+              </a:cxn>
+              <a:cxn ang="0">
+                <a:pos x="connsiteX4" y="connsiteY4"/>
+              </a:cxn>
+              <a:cxn ang="0">
+                <a:pos x="connsiteX5" y="connsiteY5"/>
+              </a:cxn>
+              <a:cxn ang="0">
+                <a:pos x="connsiteX6" y="connsiteY6"/>
+              </a:cxn>
+              <a:cxn ang="0">
+                <a:pos x="connsiteX7" y="connsiteY7"/>
+              </a:cxn>
+            </a:cxnLst>
+            <a:rect l="l" t="t" r="r" b="b"/>
+            <a:pathLst>
+              <a:path w="452659" h="529526">
+                <a:moveTo>
+                  <a:pt x="0" y="105905"/>
+                </a:moveTo>
+                <a:lnTo>
+                  <a:pt x="226330" y="105905"/>
+                </a:lnTo>
+                <a:lnTo>
+                  <a:pt x="226330" y="0"/>
+                </a:lnTo>
+                <a:lnTo>
+                  <a:pt x="452659" y="264763"/>
+                </a:lnTo>
+                <a:lnTo>
+                  <a:pt x="226330" y="529526"/>
+                </a:lnTo>
+                <a:lnTo>
+                  <a:pt x="226330" y="423621"/>
+                </a:lnTo>
+                <a:lnTo>
+                  <a:pt x="0" y="423621"/>
+                </a:lnTo>
+                <a:lnTo>
+                  <a:pt x="0" y="105905"/>
+                </a:lnTo>
+                <a:close/>
+              </a:path>
+            </a:pathLst>
+          </a:custGeom>
+          <a:solidFill>
+            <a:schemeClr val="accent6"/>
+          </a:solidFill>
+        </p:spPr>
+        <p:style>
+          <a:lnRef idx="0">
+            <a:schemeClr val="accent1">
+              <a:tint val="60000"/>
+              <a:hueOff val="0"/>
+              <a:satOff val="0"/>
+              <a:lumOff val="0"/>
+              <a:alphaOff val="0"/>
+            </a:schemeClr>
+          </a:lnRef>
+          <a:fillRef idx="1">
+            <a:schemeClr val="accent1">
+              <a:tint val="60000"/>
+              <a:hueOff val="0"/>
+              <a:satOff val="0"/>
+              <a:lumOff val="0"/>
+              <a:alphaOff val="0"/>
+            </a:schemeClr>
+          </a:fillRef>
+          <a:effectRef idx="0">
+            <a:schemeClr val="accent1">
+              <a:tint val="60000"/>
+              <a:hueOff val="0"/>
+              <a:satOff val="0"/>
+              <a:lumOff val="0"/>
+              <a:alphaOff val="0"/>
+            </a:schemeClr>
+          </a:effectRef>
+          <a:fontRef idx="minor">
+            <a:schemeClr val="lt1"/>
+          </a:fontRef>
+        </p:style>
+        <p:txBody>
+          <a:bodyPr spcFirstLastPara="0" vert="horz" wrap="square" lIns="0" tIns="105905" rIns="135798" bIns="105905" numCol="1" spcCol="1270" anchor="ctr" anchorCtr="0">
+            <a:noAutofit/>
+          </a:bodyPr>
+          <a:lstStyle/>
+          <a:p>
+            <a:pPr marL="0" lvl="0" indent="0" algn="ctr" defTabSz="666750" latinLnBrk="1">
+              <a:lnSpc>
+                <a:spcPct val="90000"/>
+              </a:lnSpc>
+              <a:spcBef>
+                <a:spcPct val="0"/>
+              </a:spcBef>
+              <a:spcAft>
+                <a:spcPct val="35000"/>
+              </a:spcAft>
+              <a:buNone/>
+            </a:pPr>
+            <a:endParaRPr lang="ko-KR" altLang="en-US" sz="1200" kern="1200"/>
+          </a:p>
+        </p:txBody>
+      </p:sp>
+      <p:sp>
+        <p:nvSpPr>
+          <p:cNvPr id="28" name="자유형: 도형 27">
+            <a:extLst>
+              <a:ext uri="{FF2B5EF4-FFF2-40B4-BE49-F238E27FC236}">
+                <a16:creationId xmlns:a16="http://schemas.microsoft.com/office/drawing/2014/main" id="{FA1497DD-9A92-4953-9AAE-7798E0F650B7}"/>
+              </a:ext>
+            </a:extLst>
+          </p:cNvPr>
+          <p:cNvSpPr/>
+          <p:nvPr/>
+        </p:nvSpPr>
+        <p:spPr>
+          <a:xfrm>
+            <a:off x="10663739" y="2220102"/>
+            <a:ext cx="1325783" cy="795469"/>
+          </a:xfrm>
+          <a:custGeom>
+            <a:avLst/>
+            <a:gdLst>
+              <a:gd name="connsiteX0" fmla="*/ 0 w 2135187"/>
+              <a:gd name="connsiteY0" fmla="*/ 128111 h 1281112"/>
+              <a:gd name="connsiteX1" fmla="*/ 128111 w 2135187"/>
+              <a:gd name="connsiteY1" fmla="*/ 0 h 1281112"/>
+              <a:gd name="connsiteX2" fmla="*/ 2007076 w 2135187"/>
+              <a:gd name="connsiteY2" fmla="*/ 0 h 1281112"/>
+              <a:gd name="connsiteX3" fmla="*/ 2135187 w 2135187"/>
+              <a:gd name="connsiteY3" fmla="*/ 128111 h 1281112"/>
+              <a:gd name="connsiteX4" fmla="*/ 2135187 w 2135187"/>
+              <a:gd name="connsiteY4" fmla="*/ 1153001 h 1281112"/>
+              <a:gd name="connsiteX5" fmla="*/ 2007076 w 2135187"/>
+              <a:gd name="connsiteY5" fmla="*/ 1281112 h 1281112"/>
+              <a:gd name="connsiteX6" fmla="*/ 128111 w 2135187"/>
+              <a:gd name="connsiteY6" fmla="*/ 1281112 h 1281112"/>
+              <a:gd name="connsiteX7" fmla="*/ 0 w 2135187"/>
+              <a:gd name="connsiteY7" fmla="*/ 1153001 h 1281112"/>
+              <a:gd name="connsiteX8" fmla="*/ 0 w 2135187"/>
+              <a:gd name="connsiteY8" fmla="*/ 128111 h 1281112"/>
+            </a:gdLst>
+            <a:ahLst/>
+            <a:cxnLst>
+              <a:cxn ang="0">
+                <a:pos x="connsiteX0" y="connsiteY0"/>
+              </a:cxn>
+              <a:cxn ang="0">
+                <a:pos x="connsiteX1" y="connsiteY1"/>
+              </a:cxn>
+              <a:cxn ang="0">
+                <a:pos x="connsiteX2" y="connsiteY2"/>
+              </a:cxn>
+              <a:cxn ang="0">
+                <a:pos x="connsiteX3" y="connsiteY3"/>
+              </a:cxn>
+              <a:cxn ang="0">
+                <a:pos x="connsiteX4" y="connsiteY4"/>
+              </a:cxn>
+              <a:cxn ang="0">
+                <a:pos x="connsiteX5" y="connsiteY5"/>
+              </a:cxn>
+              <a:cxn ang="0">
+                <a:pos x="connsiteX6" y="connsiteY6"/>
+              </a:cxn>
+              <a:cxn ang="0">
+                <a:pos x="connsiteX7" y="connsiteY7"/>
+              </a:cxn>
+              <a:cxn ang="0">
+                <a:pos x="connsiteX8" y="connsiteY8"/>
+              </a:cxn>
+            </a:cxnLst>
+            <a:rect l="l" t="t" r="r" b="b"/>
+            <a:pathLst>
+              <a:path w="2135187" h="1281112">
+                <a:moveTo>
+                  <a:pt x="0" y="128111"/>
+                </a:moveTo>
+                <a:cubicBezTo>
+                  <a:pt x="0" y="57357"/>
+                  <a:pt x="57357" y="0"/>
+                  <a:pt x="128111" y="0"/>
+                </a:cubicBezTo>
+                <a:lnTo>
+                  <a:pt x="2007076" y="0"/>
+                </a:lnTo>
+                <a:cubicBezTo>
+                  <a:pt x="2077830" y="0"/>
+                  <a:pt x="2135187" y="57357"/>
+                  <a:pt x="2135187" y="128111"/>
+                </a:cubicBezTo>
+                <a:lnTo>
+                  <a:pt x="2135187" y="1153001"/>
+                </a:lnTo>
+                <a:cubicBezTo>
+                  <a:pt x="2135187" y="1223755"/>
+                  <a:pt x="2077830" y="1281112"/>
+                  <a:pt x="2007076" y="1281112"/>
+                </a:cubicBezTo>
+                <a:lnTo>
+                  <a:pt x="128111" y="1281112"/>
+                </a:lnTo>
+                <a:cubicBezTo>
+                  <a:pt x="57357" y="1281112"/>
+                  <a:pt x="0" y="1223755"/>
+                  <a:pt x="0" y="1153001"/>
+                </a:cubicBezTo>
+                <a:lnTo>
+                  <a:pt x="0" y="128111"/>
+                </a:lnTo>
+                <a:close/>
+              </a:path>
+            </a:pathLst>
+          </a:custGeom>
+        </p:spPr>
+        <p:style>
+          <a:lnRef idx="3">
+            <a:schemeClr val="lt1"/>
+          </a:lnRef>
+          <a:fillRef idx="1">
+            <a:schemeClr val="accent6"/>
+          </a:fillRef>
+          <a:effectRef idx="1">
+            <a:schemeClr val="accent6"/>
+          </a:effectRef>
+          <a:fontRef idx="minor">
+            <a:schemeClr val="lt1"/>
+          </a:fontRef>
+        </p:style>
+        <p:txBody>
+          <a:bodyPr spcFirstLastPara="0" vert="horz" wrap="square" lIns="132772" tIns="132772" rIns="132772" bIns="132772" numCol="1" spcCol="1270" anchor="ctr" anchorCtr="0">
+            <a:noAutofit/>
+          </a:bodyPr>
+          <a:lstStyle/>
+          <a:p>
+            <a:pPr marL="0" lvl="0" indent="0" algn="ctr" defTabSz="1111250" latinLnBrk="1">
+              <a:lnSpc>
+                <a:spcPct val="90000"/>
+              </a:lnSpc>
+              <a:spcBef>
+                <a:spcPct val="0"/>
+              </a:spcBef>
+              <a:spcAft>
+                <a:spcPct val="35000"/>
+              </a:spcAft>
+              <a:buNone/>
+            </a:pPr>
+            <a:r>
+              <a:rPr lang="en-US" altLang="ko-KR" sz="2000" kern="1200" dirty="0"/>
+              <a:t>Graph</a:t>
+            </a:r>
+            <a:endParaRPr lang="ko-KR" altLang="en-US" sz="2000" kern="1200" dirty="0"/>
+          </a:p>
+        </p:txBody>
+      </p:sp>
+    </p:spTree>
+    <p:extLst>
+      <p:ext uri="{BB962C8B-B14F-4D97-AF65-F5344CB8AC3E}">
+        <p14:creationId xmlns:p14="http://schemas.microsoft.com/office/powerpoint/2010/main" val="318903683"/>
+      </p:ext>
+    </p:extLst>
+  </p:cSld>
+  <p:clrMapOvr>
+    <a:masterClrMapping/>
+  </p:clrMapOvr>
+</p:sld>
+</file>
+
+<file path=ppt/slides/slide35.xml><?xml version="1.0" encoding="utf-8"?>
+<p:sld xmlns:a="http://schemas.openxmlformats.org/drawingml/2006/main" xmlns:r="http://schemas.openxmlformats.org/officeDocument/2006/relationships" xmlns:p="http://schemas.openxmlformats.org/presentationml/2006/main">
+  <p:cSld>
+    <p:spTree>
+      <p:nvGrpSpPr>
+        <p:cNvPr id="1" name=""/>
+        <p:cNvGrpSpPr/>
+        <p:nvPr/>
+      </p:nvGrpSpPr>
+      <p:grpSpPr>
+        <a:xfrm>
+          <a:off x="0" y="0"/>
+          <a:ext cx="0" cy="0"/>
+          <a:chOff x="0" y="0"/>
+          <a:chExt cx="0" cy="0"/>
+        </a:xfrm>
+      </p:grpSpPr>
+      <p:pic>
+        <p:nvPicPr>
+          <p:cNvPr id="5" name="그림 4">
+            <a:extLst>
+              <a:ext uri="{FF2B5EF4-FFF2-40B4-BE49-F238E27FC236}">
+                <a16:creationId xmlns:a16="http://schemas.microsoft.com/office/drawing/2014/main" id="{A09F2157-8E6B-4958-A060-AC7D580FD904}"/>
+              </a:ext>
+            </a:extLst>
+          </p:cNvPr>
+          <p:cNvPicPr>
+            <a:picLocks noChangeAspect="1"/>
+          </p:cNvPicPr>
+          <p:nvPr/>
+        </p:nvPicPr>
+        <p:blipFill>
+          <a:blip r:embed="rId2"/>
+          <a:stretch>
+            <a:fillRect/>
+          </a:stretch>
+        </p:blipFill>
+        <p:spPr>
+          <a:xfrm>
+            <a:off x="2938604" y="0"/>
+            <a:ext cx="6314792" cy="6858000"/>
+          </a:xfrm>
+          <a:prstGeom prst="rect">
+            <a:avLst/>
+          </a:prstGeom>
+        </p:spPr>
+      </p:pic>
+    </p:spTree>
+    <p:extLst>
+      <p:ext uri="{BB962C8B-B14F-4D97-AF65-F5344CB8AC3E}">
+        <p14:creationId xmlns:p14="http://schemas.microsoft.com/office/powerpoint/2010/main" val="2359323840"/>
+      </p:ext>
+    </p:extLst>
+  </p:cSld>
+  <p:clrMapOvr>
+    <a:masterClrMapping/>
+  </p:clrMapOvr>
+</p:sld>
+</file>
+
+<file path=ppt/slides/slide36.xml><?xml version="1.0" encoding="utf-8"?>
+<p:sld xmlns:a="http://schemas.openxmlformats.org/drawingml/2006/main" xmlns:r="http://schemas.openxmlformats.org/officeDocument/2006/relationships" xmlns:p="http://schemas.openxmlformats.org/presentationml/2006/main">
+  <p:cSld>
+    <p:spTree>
+      <p:nvGrpSpPr>
+        <p:cNvPr id="1" name=""/>
+        <p:cNvGrpSpPr/>
+        <p:nvPr/>
+      </p:nvGrpSpPr>
+      <p:grpSpPr>
+        <a:xfrm>
+          <a:off x="0" y="0"/>
+          <a:ext cx="0" cy="0"/>
+          <a:chOff x="0" y="0"/>
+          <a:chExt cx="0" cy="0"/>
+        </a:xfrm>
+      </p:grpSpPr>
+      <p:pic>
+        <p:nvPicPr>
+          <p:cNvPr id="5" name="그림 4">
+            <a:extLst>
+              <a:ext uri="{FF2B5EF4-FFF2-40B4-BE49-F238E27FC236}">
+                <a16:creationId xmlns:a16="http://schemas.microsoft.com/office/drawing/2014/main" id="{DFFD8DCD-608E-4519-B893-D16A0EA3EBBA}"/>
+              </a:ext>
+            </a:extLst>
+          </p:cNvPr>
+          <p:cNvPicPr>
+            <a:picLocks noChangeAspect="1"/>
+          </p:cNvPicPr>
+          <p:nvPr/>
+        </p:nvPicPr>
+        <p:blipFill>
+          <a:blip r:embed="rId2"/>
+          <a:stretch>
+            <a:fillRect/>
+          </a:stretch>
+        </p:blipFill>
+        <p:spPr>
+          <a:xfrm>
+            <a:off x="3424468" y="0"/>
+            <a:ext cx="5343064" cy="6858000"/>
+          </a:xfrm>
+          <a:prstGeom prst="rect">
+            <a:avLst/>
+          </a:prstGeom>
+        </p:spPr>
+      </p:pic>
+    </p:spTree>
+    <p:extLst>
+      <p:ext uri="{BB962C8B-B14F-4D97-AF65-F5344CB8AC3E}">
+        <p14:creationId xmlns:p14="http://schemas.microsoft.com/office/powerpoint/2010/main" val="1130590219"/>
       </p:ext>
     </p:extLst>
   </p:cSld>

--- a/AA/인증과제_ppt자료.pptx
+++ b/AA/인증과제_ppt자료.pptx
@@ -2996,7 +2996,7 @@
           <a:p>
             <a:fld id="{7FD4DF60-5030-440F-BF31-F2EDE67656D5}" type="datetimeFigureOut">
               <a:rPr lang="ko-KR" altLang="en-US" smtClean="0"/>
-              <a:t>2021-04-18</a:t>
+              <a:t>2021-04-19</a:t>
             </a:fld>
             <a:endParaRPr lang="ko-KR" altLang="en-US"/>
           </a:p>
@@ -3194,7 +3194,7 @@
           <a:p>
             <a:fld id="{7FD4DF60-5030-440F-BF31-F2EDE67656D5}" type="datetimeFigureOut">
               <a:rPr lang="ko-KR" altLang="en-US" smtClean="0"/>
-              <a:t>2021-04-18</a:t>
+              <a:t>2021-04-19</a:t>
             </a:fld>
             <a:endParaRPr lang="ko-KR" altLang="en-US"/>
           </a:p>
@@ -3402,7 +3402,7 @@
           <a:p>
             <a:fld id="{7FD4DF60-5030-440F-BF31-F2EDE67656D5}" type="datetimeFigureOut">
               <a:rPr lang="ko-KR" altLang="en-US" smtClean="0"/>
-              <a:t>2021-04-18</a:t>
+              <a:t>2021-04-19</a:t>
             </a:fld>
             <a:endParaRPr lang="ko-KR" altLang="en-US"/>
           </a:p>
@@ -3600,7 +3600,7 @@
           <a:p>
             <a:fld id="{7FD4DF60-5030-440F-BF31-F2EDE67656D5}" type="datetimeFigureOut">
               <a:rPr lang="ko-KR" altLang="en-US" smtClean="0"/>
-              <a:t>2021-04-18</a:t>
+              <a:t>2021-04-19</a:t>
             </a:fld>
             <a:endParaRPr lang="ko-KR" altLang="en-US"/>
           </a:p>
@@ -3875,7 +3875,7 @@
           <a:p>
             <a:fld id="{7FD4DF60-5030-440F-BF31-F2EDE67656D5}" type="datetimeFigureOut">
               <a:rPr lang="ko-KR" altLang="en-US" smtClean="0"/>
-              <a:t>2021-04-18</a:t>
+              <a:t>2021-04-19</a:t>
             </a:fld>
             <a:endParaRPr lang="ko-KR" altLang="en-US"/>
           </a:p>
@@ -4140,7 +4140,7 @@
           <a:p>
             <a:fld id="{7FD4DF60-5030-440F-BF31-F2EDE67656D5}" type="datetimeFigureOut">
               <a:rPr lang="ko-KR" altLang="en-US" smtClean="0"/>
-              <a:t>2021-04-18</a:t>
+              <a:t>2021-04-19</a:t>
             </a:fld>
             <a:endParaRPr lang="ko-KR" altLang="en-US"/>
           </a:p>
@@ -4552,7 +4552,7 @@
           <a:p>
             <a:fld id="{7FD4DF60-5030-440F-BF31-F2EDE67656D5}" type="datetimeFigureOut">
               <a:rPr lang="ko-KR" altLang="en-US" smtClean="0"/>
-              <a:t>2021-04-18</a:t>
+              <a:t>2021-04-19</a:t>
             </a:fld>
             <a:endParaRPr lang="ko-KR" altLang="en-US"/>
           </a:p>
@@ -4693,7 +4693,7 @@
           <a:p>
             <a:fld id="{7FD4DF60-5030-440F-BF31-F2EDE67656D5}" type="datetimeFigureOut">
               <a:rPr lang="ko-KR" altLang="en-US" smtClean="0"/>
-              <a:t>2021-04-18</a:t>
+              <a:t>2021-04-19</a:t>
             </a:fld>
             <a:endParaRPr lang="ko-KR" altLang="en-US"/>
           </a:p>
@@ -4806,7 +4806,7 @@
           <a:p>
             <a:fld id="{7FD4DF60-5030-440F-BF31-F2EDE67656D5}" type="datetimeFigureOut">
               <a:rPr lang="ko-KR" altLang="en-US" smtClean="0"/>
-              <a:t>2021-04-18</a:t>
+              <a:t>2021-04-19</a:t>
             </a:fld>
             <a:endParaRPr lang="ko-KR" altLang="en-US"/>
           </a:p>
@@ -5117,7 +5117,7 @@
           <a:p>
             <a:fld id="{7FD4DF60-5030-440F-BF31-F2EDE67656D5}" type="datetimeFigureOut">
               <a:rPr lang="ko-KR" altLang="en-US" smtClean="0"/>
-              <a:t>2021-04-18</a:t>
+              <a:t>2021-04-19</a:t>
             </a:fld>
             <a:endParaRPr lang="ko-KR" altLang="en-US"/>
           </a:p>
@@ -5405,7 +5405,7 @@
           <a:p>
             <a:fld id="{7FD4DF60-5030-440F-BF31-F2EDE67656D5}" type="datetimeFigureOut">
               <a:rPr lang="ko-KR" altLang="en-US" smtClean="0"/>
-              <a:t>2021-04-18</a:t>
+              <a:t>2021-04-19</a:t>
             </a:fld>
             <a:endParaRPr lang="ko-KR" altLang="en-US"/>
           </a:p>
@@ -5646,7 +5646,7 @@
           <a:p>
             <a:fld id="{7FD4DF60-5030-440F-BF31-F2EDE67656D5}" type="datetimeFigureOut">
               <a:rPr lang="ko-KR" altLang="en-US" smtClean="0"/>
-              <a:t>2021-04-18</a:t>
+              <a:t>2021-04-19</a:t>
             </a:fld>
             <a:endParaRPr lang="ko-KR" altLang="en-US"/>
           </a:p>
@@ -40617,8 +40617,8 @@
             <a:avLst/>
           </a:prstGeom>
           <a:solidFill>
-            <a:schemeClr val="accent2">
-              <a:lumMod val="50000"/>
+            <a:schemeClr val="tx2">
+              <a:lumMod val="75000"/>
             </a:schemeClr>
           </a:solidFill>
         </p:spPr>
@@ -40627,10 +40627,10 @@
             <a:schemeClr val="lt1"/>
           </a:lnRef>
           <a:fillRef idx="1">
-            <a:schemeClr val="accent1"/>
+            <a:schemeClr val="dk1"/>
           </a:fillRef>
           <a:effectRef idx="1">
-            <a:schemeClr val="accent1"/>
+            <a:schemeClr val="dk1"/>
           </a:effectRef>
           <a:fontRef idx="minor">
             <a:schemeClr val="lt1"/>
@@ -40708,8 +40708,8 @@
             <a:avLst/>
           </a:prstGeom>
           <a:solidFill>
-            <a:schemeClr val="accent2">
-              <a:lumMod val="50000"/>
+            <a:schemeClr val="tx2">
+              <a:lumMod val="75000"/>
             </a:schemeClr>
           </a:solidFill>
         </p:spPr>
@@ -40718,10 +40718,10 @@
             <a:schemeClr val="lt1"/>
           </a:lnRef>
           <a:fillRef idx="1">
-            <a:schemeClr val="accent1"/>
+            <a:schemeClr val="dk1"/>
           </a:fillRef>
           <a:effectRef idx="1">
-            <a:schemeClr val="accent1"/>
+            <a:schemeClr val="dk1"/>
           </a:effectRef>
           <a:fontRef idx="minor">
             <a:schemeClr val="lt1"/>
@@ -40786,8 +40786,8 @@
             <a:avLst/>
           </a:prstGeom>
           <a:solidFill>
-            <a:schemeClr val="accent2">
-              <a:lumMod val="50000"/>
+            <a:schemeClr val="tx2">
+              <a:lumMod val="75000"/>
             </a:schemeClr>
           </a:solidFill>
         </p:spPr>
@@ -40796,10 +40796,10 @@
             <a:schemeClr val="lt1"/>
           </a:lnRef>
           <a:fillRef idx="1">
-            <a:schemeClr val="accent1"/>
+            <a:schemeClr val="dk1"/>
           </a:fillRef>
           <a:effectRef idx="1">
-            <a:schemeClr val="accent1"/>
+            <a:schemeClr val="dk1"/>
           </a:effectRef>
           <a:fontRef idx="minor">
             <a:schemeClr val="lt1"/>
@@ -40872,8 +40872,8 @@
             <a:avLst/>
           </a:prstGeom>
           <a:solidFill>
-            <a:schemeClr val="accent2">
-              <a:lumMod val="50000"/>
+            <a:schemeClr val="tx2">
+              <a:lumMod val="75000"/>
             </a:schemeClr>
           </a:solidFill>
         </p:spPr>
@@ -40882,10 +40882,10 @@
             <a:schemeClr val="lt1"/>
           </a:lnRef>
           <a:fillRef idx="1">
-            <a:schemeClr val="accent1"/>
+            <a:schemeClr val="dk1"/>
           </a:fillRef>
           <a:effectRef idx="1">
-            <a:schemeClr val="accent1"/>
+            <a:schemeClr val="dk1"/>
           </a:effectRef>
           <a:fontRef idx="minor">
             <a:schemeClr val="lt1"/>
@@ -40950,8 +40950,8 @@
             <a:avLst/>
           </a:prstGeom>
           <a:solidFill>
-            <a:schemeClr val="accent2">
-              <a:lumMod val="50000"/>
+            <a:schemeClr val="tx2">
+              <a:lumMod val="75000"/>
             </a:schemeClr>
           </a:solidFill>
         </p:spPr>
@@ -40960,10 +40960,10 @@
             <a:schemeClr val="lt1"/>
           </a:lnRef>
           <a:fillRef idx="1">
-            <a:schemeClr val="accent1"/>
+            <a:schemeClr val="dk1"/>
           </a:fillRef>
           <a:effectRef idx="1">
-            <a:schemeClr val="accent1"/>
+            <a:schemeClr val="dk1"/>
           </a:effectRef>
           <a:fontRef idx="minor">
             <a:schemeClr val="lt1"/>
@@ -41028,8 +41028,8 @@
             <a:avLst/>
           </a:prstGeom>
           <a:solidFill>
-            <a:schemeClr val="accent2">
-              <a:lumMod val="50000"/>
+            <a:schemeClr val="tx2">
+              <a:lumMod val="75000"/>
             </a:schemeClr>
           </a:solidFill>
         </p:spPr>
@@ -41038,10 +41038,10 @@
             <a:schemeClr val="lt1"/>
           </a:lnRef>
           <a:fillRef idx="1">
-            <a:schemeClr val="accent1"/>
+            <a:schemeClr val="dk1"/>
           </a:fillRef>
           <a:effectRef idx="1">
-            <a:schemeClr val="accent1"/>
+            <a:schemeClr val="dk1"/>
           </a:effectRef>
           <a:fontRef idx="minor">
             <a:schemeClr val="lt1"/>
@@ -41106,8 +41106,8 @@
             <a:avLst/>
           </a:prstGeom>
           <a:solidFill>
-            <a:schemeClr val="accent2">
-              <a:lumMod val="50000"/>
+            <a:schemeClr val="tx2">
+              <a:lumMod val="75000"/>
             </a:schemeClr>
           </a:solidFill>
         </p:spPr>
@@ -41116,10 +41116,10 @@
             <a:schemeClr val="lt1"/>
           </a:lnRef>
           <a:fillRef idx="1">
-            <a:schemeClr val="accent1"/>
+            <a:schemeClr val="dk1"/>
           </a:fillRef>
           <a:effectRef idx="1">
-            <a:schemeClr val="accent1"/>
+            <a:schemeClr val="dk1"/>
           </a:effectRef>
           <a:fontRef idx="minor">
             <a:schemeClr val="lt1"/>
@@ -41200,8 +41200,8 @@
             <a:avLst/>
           </a:prstGeom>
           <a:solidFill>
-            <a:schemeClr val="accent2">
-              <a:lumMod val="50000"/>
+            <a:schemeClr val="tx2">
+              <a:lumMod val="75000"/>
             </a:schemeClr>
           </a:solidFill>
         </p:spPr>
@@ -41210,10 +41210,10 @@
             <a:schemeClr val="lt1"/>
           </a:lnRef>
           <a:fillRef idx="1">
-            <a:schemeClr val="accent1"/>
+            <a:schemeClr val="dk1"/>
           </a:fillRef>
           <a:effectRef idx="1">
-            <a:schemeClr val="accent1"/>
+            <a:schemeClr val="dk1"/>
           </a:effectRef>
           <a:fontRef idx="minor">
             <a:schemeClr val="lt1"/>
@@ -41278,8 +41278,8 @@
             <a:avLst/>
           </a:prstGeom>
           <a:solidFill>
-            <a:schemeClr val="accent2">
-              <a:lumMod val="50000"/>
+            <a:schemeClr val="tx2">
+              <a:lumMod val="75000"/>
             </a:schemeClr>
           </a:solidFill>
         </p:spPr>
@@ -41288,10 +41288,10 @@
             <a:schemeClr val="lt1"/>
           </a:lnRef>
           <a:fillRef idx="1">
-            <a:schemeClr val="accent1"/>
+            <a:schemeClr val="dk1"/>
           </a:fillRef>
           <a:effectRef idx="1">
-            <a:schemeClr val="accent1"/>
+            <a:schemeClr val="dk1"/>
           </a:effectRef>
           <a:fontRef idx="minor">
             <a:schemeClr val="lt1"/>
